--- a/Presentations/Class 03 - Sept 18.pptx
+++ b/Presentations/Class 03 - Sept 18.pptx
@@ -11,8 +11,9 @@
     <p:sldId id="259" r:id="rId5"/>
     <p:sldId id="260" r:id="rId6"/>
     <p:sldId id="261" r:id="rId7"/>
-    <p:sldId id="262" r:id="rId8"/>
-    <p:sldId id="263" r:id="rId9"/>
+    <p:sldId id="264" r:id="rId8"/>
+    <p:sldId id="262" r:id="rId9"/>
+    <p:sldId id="263" r:id="rId10"/>
   </p:sldIdLst>
   <p:sldSz cx="12192000" cy="6858000"/>
   <p:notesSz cx="6858000" cy="9144000"/>
@@ -111,7 +112,16 @@
       </a:defRPr>
     </a:lvl9pPr>
   </p:defaultTextStyle>
+  <p:extLst>
+    <p:ext uri="{EFAFB233-063F-42B5-8137-9DF3F51BA10A}">
+      <p15:sldGuideLst xmlns:p15="http://schemas.microsoft.com/office/powerpoint/2012/main"/>
+    </p:ext>
+  </p:extLst>
 </p:presentation>
+</file>
+
+<file path=ppt/revisionInfo.xml><?xml version="1.0" encoding="utf-8"?>
+<p1510:revInfo xmlns:a="http://schemas.openxmlformats.org/drawingml/2006/main" xmlns:r="http://schemas.openxmlformats.org/officeDocument/2006/relationships" xmlns:p1510="http://schemas.microsoft.com/office/powerpoint/2015/10/main"/>
 </file>
 
 <file path=ppt/slideLayouts/slideLayout1.xml><?xml version="1.0" encoding="utf-8"?>
@@ -245,7 +255,7 @@
           <a:p>
             <a:fld id="{000A609A-DCE5-4FA9-AC51-40D8AC71B180}" type="datetimeFigureOut">
               <a:rPr lang="en-US" smtClean="0"/>
-              <a:t>9/11/2017</a:t>
+              <a:t>9/17/2017</a:t>
             </a:fld>
             <a:endParaRPr lang="en-US"/>
           </a:p>
@@ -415,7 +425,7 @@
           <a:p>
             <a:fld id="{000A609A-DCE5-4FA9-AC51-40D8AC71B180}" type="datetimeFigureOut">
               <a:rPr lang="en-US" smtClean="0"/>
-              <a:t>9/11/2017</a:t>
+              <a:t>9/17/2017</a:t>
             </a:fld>
             <a:endParaRPr lang="en-US"/>
           </a:p>
@@ -595,7 +605,7 @@
           <a:p>
             <a:fld id="{000A609A-DCE5-4FA9-AC51-40D8AC71B180}" type="datetimeFigureOut">
               <a:rPr lang="en-US" smtClean="0"/>
-              <a:t>9/11/2017</a:t>
+              <a:t>9/17/2017</a:t>
             </a:fld>
             <a:endParaRPr lang="en-US"/>
           </a:p>
@@ -765,7 +775,7 @@
           <a:p>
             <a:fld id="{000A609A-DCE5-4FA9-AC51-40D8AC71B180}" type="datetimeFigureOut">
               <a:rPr lang="en-US" smtClean="0"/>
-              <a:t>9/11/2017</a:t>
+              <a:t>9/17/2017</a:t>
             </a:fld>
             <a:endParaRPr lang="en-US"/>
           </a:p>
@@ -1011,7 +1021,7 @@
           <a:p>
             <a:fld id="{000A609A-DCE5-4FA9-AC51-40D8AC71B180}" type="datetimeFigureOut">
               <a:rPr lang="en-US" smtClean="0"/>
-              <a:t>9/11/2017</a:t>
+              <a:t>9/17/2017</a:t>
             </a:fld>
             <a:endParaRPr lang="en-US"/>
           </a:p>
@@ -1243,7 +1253,7 @@
           <a:p>
             <a:fld id="{000A609A-DCE5-4FA9-AC51-40D8AC71B180}" type="datetimeFigureOut">
               <a:rPr lang="en-US" smtClean="0"/>
-              <a:t>9/11/2017</a:t>
+              <a:t>9/17/2017</a:t>
             </a:fld>
             <a:endParaRPr lang="en-US"/>
           </a:p>
@@ -1610,7 +1620,7 @@
           <a:p>
             <a:fld id="{000A609A-DCE5-4FA9-AC51-40D8AC71B180}" type="datetimeFigureOut">
               <a:rPr lang="en-US" smtClean="0"/>
-              <a:t>9/11/2017</a:t>
+              <a:t>9/17/2017</a:t>
             </a:fld>
             <a:endParaRPr lang="en-US"/>
           </a:p>
@@ -1728,7 +1738,7 @@
           <a:p>
             <a:fld id="{000A609A-DCE5-4FA9-AC51-40D8AC71B180}" type="datetimeFigureOut">
               <a:rPr lang="en-US" smtClean="0"/>
-              <a:t>9/11/2017</a:t>
+              <a:t>9/17/2017</a:t>
             </a:fld>
             <a:endParaRPr lang="en-US"/>
           </a:p>
@@ -1823,7 +1833,7 @@
           <a:p>
             <a:fld id="{000A609A-DCE5-4FA9-AC51-40D8AC71B180}" type="datetimeFigureOut">
               <a:rPr lang="en-US" smtClean="0"/>
-              <a:t>9/11/2017</a:t>
+              <a:t>9/17/2017</a:t>
             </a:fld>
             <a:endParaRPr lang="en-US"/>
           </a:p>
@@ -2100,7 +2110,7 @@
           <a:p>
             <a:fld id="{000A609A-DCE5-4FA9-AC51-40D8AC71B180}" type="datetimeFigureOut">
               <a:rPr lang="en-US" smtClean="0"/>
-              <a:t>9/11/2017</a:t>
+              <a:t>9/17/2017</a:t>
             </a:fld>
             <a:endParaRPr lang="en-US"/>
           </a:p>
@@ -2357,7 +2367,7 @@
           <a:p>
             <a:fld id="{000A609A-DCE5-4FA9-AC51-40D8AC71B180}" type="datetimeFigureOut">
               <a:rPr lang="en-US" smtClean="0"/>
-              <a:t>9/11/2017</a:t>
+              <a:t>9/17/2017</a:t>
             </a:fld>
             <a:endParaRPr lang="en-US"/>
           </a:p>
@@ -2570,7 +2580,7 @@
           <a:p>
             <a:fld id="{000A609A-DCE5-4FA9-AC51-40D8AC71B180}" type="datetimeFigureOut">
               <a:rPr lang="en-US" smtClean="0"/>
-              <a:t>9/11/2017</a:t>
+              <a:t>9/17/2017</a:t>
             </a:fld>
             <a:endParaRPr lang="en-US"/>
           </a:p>
@@ -3940,13 +3950,42 @@
           <a:p>
             <a:r>
               <a:rPr lang="en-US" dirty="0"/>
-              <a:t>Handouts?</a:t>
+              <a:t>Handouts? </a:t>
+            </a:r>
+            <a:r>
+              <a:rPr lang="en-US" dirty="0">
+                <a:hlinkClick r:id="rId2"/>
+              </a:rPr>
+              <a:t>https://github.com/crhallberg/IMM120</a:t>
+            </a:r>
+            <a:endParaRPr lang="en-US" dirty="0"/>
+          </a:p>
+          <a:p>
+            <a:pPr lvl="1"/>
+            <a:r>
+              <a:rPr lang="en-US" dirty="0"/>
+              <a:t>will try to put on Canvas before class</a:t>
             </a:r>
           </a:p>
           <a:p>
             <a:r>
               <a:rPr lang="en-US" dirty="0"/>
               <a:t>Is it ok to go off and code something different?</a:t>
+            </a:r>
+          </a:p>
+          <a:p>
+            <a:pPr lvl="1"/>
+            <a:r>
+              <a:rPr lang="en-US" dirty="0"/>
+              <a:t>Yes, </a:t>
+            </a:r>
+            <a:r>
+              <a:rPr lang="en-US" i="1" dirty="0"/>
+              <a:t>but you must be coding</a:t>
+            </a:r>
+            <a:r>
+              <a:rPr lang="en-US" dirty="0"/>
+              <a:t>!</a:t>
             </a:r>
           </a:p>
           <a:p>
@@ -3989,6 +4028,147 @@
           <p:cNvPr id="2" name="Title 1">
             <a:extLst>
               <a:ext uri="{FF2B5EF4-FFF2-40B4-BE49-F238E27FC236}">
+                <a16:creationId xmlns:a16="http://schemas.microsoft.com/office/drawing/2014/main" id="{A0AA04E6-10DF-4B0B-9645-09F4D08542F8}"/>
+              </a:ext>
+            </a:extLst>
+          </p:cNvPr>
+          <p:cNvSpPr>
+            <a:spLocks noGrp="1"/>
+          </p:cNvSpPr>
+          <p:nvPr>
+            <p:ph type="title"/>
+          </p:nvPr>
+        </p:nvSpPr>
+        <p:spPr/>
+        <p:txBody>
+          <a:bodyPr/>
+          <a:lstStyle/>
+          <a:p>
+            <a:r>
+              <a:rPr lang="en-US"/>
+              <a:t>Previously, </a:t>
+            </a:r>
+            <a:r>
+              <a:rPr lang="en-US" dirty="0"/>
+              <a:t>in IMM120</a:t>
+            </a:r>
+          </a:p>
+        </p:txBody>
+      </p:sp>
+      <p:sp>
+        <p:nvSpPr>
+          <p:cNvPr id="3" name="Content Placeholder 2">
+            <a:extLst>
+              <a:ext uri="{FF2B5EF4-FFF2-40B4-BE49-F238E27FC236}">
+                <a16:creationId xmlns:a16="http://schemas.microsoft.com/office/drawing/2014/main" id="{FEC9AAF6-F53F-44FD-922A-040293FF3558}"/>
+              </a:ext>
+            </a:extLst>
+          </p:cNvPr>
+          <p:cNvSpPr>
+            <a:spLocks noGrp="1"/>
+          </p:cNvSpPr>
+          <p:nvPr>
+            <p:ph idx="1"/>
+          </p:nvPr>
+        </p:nvSpPr>
+        <p:spPr/>
+        <p:txBody>
+          <a:bodyPr/>
+          <a:lstStyle/>
+          <a:p>
+            <a:pPr marL="0" indent="0">
+              <a:buNone/>
+            </a:pPr>
+            <a:r>
+              <a:rPr lang="en-US" b="1" dirty="0"/>
+              <a:t>Buzzer beaters</a:t>
+            </a:r>
+          </a:p>
+          <a:p>
+            <a:endParaRPr lang="en-US" b="1" dirty="0"/>
+          </a:p>
+          <a:p>
+            <a:r>
+              <a:rPr lang="en-US" dirty="0"/>
+              <a:t>I may have misspoke last week:</a:t>
+            </a:r>
+          </a:p>
+          <a:p>
+            <a:pPr lvl="1"/>
+            <a:r>
+              <a:rPr lang="en-US" dirty="0"/>
+              <a:t>If you hand in an assignment that </a:t>
+            </a:r>
+            <a:r>
+              <a:rPr lang="en-US" b="1" dirty="0"/>
+              <a:t>clearly shows work</a:t>
+            </a:r>
+            <a:r>
+              <a:rPr lang="en-US" dirty="0"/>
+              <a:t>, I’m not going to hold it against you.</a:t>
+            </a:r>
+          </a:p>
+          <a:p>
+            <a:pPr lvl="1"/>
+            <a:r>
+              <a:rPr lang="en-US" b="1" dirty="0"/>
+              <a:t>Please email me if you’re not sure of the assignment or your idea.</a:t>
+            </a:r>
+          </a:p>
+          <a:p>
+            <a:pPr lvl="1"/>
+            <a:endParaRPr lang="en-US" b="1" dirty="0"/>
+          </a:p>
+          <a:p>
+            <a:pPr lvl="1"/>
+            <a:endParaRPr lang="en-US" b="1" dirty="0"/>
+          </a:p>
+          <a:p>
+            <a:pPr marL="0" indent="0">
+              <a:buNone/>
+            </a:pPr>
+            <a:r>
+              <a:rPr lang="en-US" sz="2000" i="1" dirty="0"/>
+              <a:t>PS. You can turn in your assignments by putting your links on Canvas</a:t>
+            </a:r>
+          </a:p>
+        </p:txBody>
+      </p:sp>
+    </p:spTree>
+    <p:extLst>
+      <p:ext uri="{BB962C8B-B14F-4D97-AF65-F5344CB8AC3E}">
+        <p14:creationId xmlns:p14="http://schemas.microsoft.com/office/powerpoint/2010/main" val="623276421"/>
+      </p:ext>
+    </p:extLst>
+  </p:cSld>
+  <p:clrMapOvr>
+    <a:masterClrMapping/>
+  </p:clrMapOvr>
+</p:sld>
+</file>
+
+<file path=ppt/slides/slide8.xml><?xml version="1.0" encoding="utf-8"?>
+<p:sld xmlns:a="http://schemas.openxmlformats.org/drawingml/2006/main" xmlns:r="http://schemas.openxmlformats.org/officeDocument/2006/relationships" xmlns:p="http://schemas.openxmlformats.org/presentationml/2006/main">
+  <p:cSld>
+    <p:spTree>
+      <p:nvGrpSpPr>
+        <p:cNvPr id="1" name=""/>
+        <p:cNvGrpSpPr/>
+        <p:nvPr/>
+      </p:nvGrpSpPr>
+      <p:grpSpPr>
+        <a:xfrm>
+          <a:off x="0" y="0"/>
+          <a:ext cx="0" cy="0"/>
+          <a:chOff x="0" y="0"/>
+          <a:chExt cx="0" cy="0"/>
+        </a:xfrm>
+      </p:grpSpPr>
+      <p:sp>
+        <p:nvSpPr>
+          <p:cNvPr id="2" name="Title 1">
+            <a:extLst>
+              <a:ext uri="{FF2B5EF4-FFF2-40B4-BE49-F238E27FC236}">
                 <a16:creationId xmlns:a16="http://schemas.microsoft.com/office/drawing/2014/main" id="{1B302ACB-707E-4DB7-B6BA-86D3EEAC9095}"/>
               </a:ext>
             </a:extLst>
@@ -4156,7 +4336,7 @@
 </p:sld>
 </file>
 
-<file path=ppt/slides/slide8.xml><?xml version="1.0" encoding="utf-8"?>
+<file path=ppt/slides/slide9.xml><?xml version="1.0" encoding="utf-8"?>
 <p:sld xmlns:a="http://schemas.openxmlformats.org/drawingml/2006/main" xmlns:r="http://schemas.openxmlformats.org/officeDocument/2006/relationships" xmlns:p="http://schemas.openxmlformats.org/presentationml/2006/main">
   <p:cSld>
     <p:spTree>

--- a/Presentations/Class 03 - Sept 18.pptx
+++ b/Presentations/Class 03 - Sept 18.pptx
@@ -4,6 +4,9 @@
   <p:sldMasterIdLst>
     <p:sldMasterId id="2147483660" r:id="rId1"/>
   </p:sldMasterIdLst>
+  <p:notesMasterIdLst>
+    <p:notesMasterId r:id="rId26"/>
+  </p:notesMasterIdLst>
   <p:sldIdLst>
     <p:sldId id="256" r:id="rId2"/>
     <p:sldId id="257" r:id="rId3"/>
@@ -14,6 +17,21 @@
     <p:sldId id="264" r:id="rId8"/>
     <p:sldId id="262" r:id="rId9"/>
     <p:sldId id="263" r:id="rId10"/>
+    <p:sldId id="268" r:id="rId11"/>
+    <p:sldId id="265" r:id="rId12"/>
+    <p:sldId id="266" r:id="rId13"/>
+    <p:sldId id="267" r:id="rId14"/>
+    <p:sldId id="271" r:id="rId15"/>
+    <p:sldId id="272" r:id="rId16"/>
+    <p:sldId id="273" r:id="rId17"/>
+    <p:sldId id="274" r:id="rId18"/>
+    <p:sldId id="275" r:id="rId19"/>
+    <p:sldId id="279" r:id="rId20"/>
+    <p:sldId id="276" r:id="rId21"/>
+    <p:sldId id="277" r:id="rId22"/>
+    <p:sldId id="278" r:id="rId23"/>
+    <p:sldId id="269" r:id="rId24"/>
+    <p:sldId id="280" r:id="rId25"/>
   </p:sldIdLst>
   <p:sldSz cx="12192000" cy="6858000"/>
   <p:notesSz cx="6858000" cy="9144000"/>
@@ -113,6 +131,38 @@
     </a:lvl9pPr>
   </p:defaultTextStyle>
   <p:extLst>
+    <p:ext uri="{521415D9-36F7-43E2-AB2F-B90AF26B5E84}">
+      <p14:sectionLst xmlns:p14="http://schemas.microsoft.com/office/powerpoint/2010/main">
+        <p14:section name="Default Section" id="{E6697157-0BF0-425C-B80E-4476CAA09EFA}">
+          <p14:sldIdLst>
+            <p14:sldId id="256"/>
+            <p14:sldId id="257"/>
+            <p14:sldId id="258"/>
+            <p14:sldId id="259"/>
+            <p14:sldId id="260"/>
+            <p14:sldId id="261"/>
+            <p14:sldId id="264"/>
+            <p14:sldId id="262"/>
+            <p14:sldId id="263"/>
+            <p14:sldId id="268"/>
+            <p14:sldId id="265"/>
+            <p14:sldId id="266"/>
+            <p14:sldId id="267"/>
+            <p14:sldId id="271"/>
+            <p14:sldId id="272"/>
+            <p14:sldId id="273"/>
+            <p14:sldId id="274"/>
+            <p14:sldId id="275"/>
+            <p14:sldId id="279"/>
+            <p14:sldId id="276"/>
+            <p14:sldId id="277"/>
+            <p14:sldId id="278"/>
+            <p14:sldId id="269"/>
+            <p14:sldId id="280"/>
+          </p14:sldIdLst>
+        </p14:section>
+      </p14:sectionLst>
+    </p:ext>
     <p:ext uri="{EFAFB233-063F-42B5-8137-9DF3F51BA10A}">
       <p15:sldGuideLst xmlns:p15="http://schemas.microsoft.com/office/powerpoint/2012/main"/>
     </p:ext>
@@ -122,6 +172,355 @@
 
 <file path=ppt/revisionInfo.xml><?xml version="1.0" encoding="utf-8"?>
 <p1510:revInfo xmlns:a="http://schemas.openxmlformats.org/drawingml/2006/main" xmlns:r="http://schemas.openxmlformats.org/officeDocument/2006/relationships" xmlns:p1510="http://schemas.microsoft.com/office/powerpoint/2015/10/main"/>
+</file>
+
+<file path=ppt/notesMasters/notesMaster1.xml><?xml version="1.0" encoding="utf-8"?>
+<p:notesMaster xmlns:a="http://schemas.openxmlformats.org/drawingml/2006/main" xmlns:r="http://schemas.openxmlformats.org/officeDocument/2006/relationships" xmlns:p="http://schemas.openxmlformats.org/presentationml/2006/main">
+  <p:cSld>
+    <p:bg>
+      <p:bgRef idx="1001">
+        <a:schemeClr val="bg1"/>
+      </p:bgRef>
+    </p:bg>
+    <p:spTree>
+      <p:nvGrpSpPr>
+        <p:cNvPr id="1" name=""/>
+        <p:cNvGrpSpPr/>
+        <p:nvPr/>
+      </p:nvGrpSpPr>
+      <p:grpSpPr>
+        <a:xfrm>
+          <a:off x="0" y="0"/>
+          <a:ext cx="0" cy="0"/>
+          <a:chOff x="0" y="0"/>
+          <a:chExt cx="0" cy="0"/>
+        </a:xfrm>
+      </p:grpSpPr>
+      <p:sp>
+        <p:nvSpPr>
+          <p:cNvPr id="2" name="Header Placeholder 1"/>
+          <p:cNvSpPr>
+            <a:spLocks noGrp="1"/>
+          </p:cNvSpPr>
+          <p:nvPr>
+            <p:ph type="hdr" sz="quarter"/>
+          </p:nvPr>
+        </p:nvSpPr>
+        <p:spPr>
+          <a:xfrm>
+            <a:off x="0" y="0"/>
+            <a:ext cx="2971800" cy="458788"/>
+          </a:xfrm>
+          <a:prstGeom prst="rect">
+            <a:avLst/>
+          </a:prstGeom>
+        </p:spPr>
+        <p:txBody>
+          <a:bodyPr vert="horz" lIns="91440" tIns="45720" rIns="91440" bIns="45720" rtlCol="0"/>
+          <a:lstStyle>
+            <a:lvl1pPr algn="l">
+              <a:defRPr sz="1200"/>
+            </a:lvl1pPr>
+          </a:lstStyle>
+          <a:p>
+            <a:endParaRPr lang="en-US"/>
+          </a:p>
+        </p:txBody>
+      </p:sp>
+      <p:sp>
+        <p:nvSpPr>
+          <p:cNvPr id="3" name="Date Placeholder 2"/>
+          <p:cNvSpPr>
+            <a:spLocks noGrp="1"/>
+          </p:cNvSpPr>
+          <p:nvPr>
+            <p:ph type="dt" idx="1"/>
+          </p:nvPr>
+        </p:nvSpPr>
+        <p:spPr>
+          <a:xfrm>
+            <a:off x="3884613" y="0"/>
+            <a:ext cx="2971800" cy="458788"/>
+          </a:xfrm>
+          <a:prstGeom prst="rect">
+            <a:avLst/>
+          </a:prstGeom>
+        </p:spPr>
+        <p:txBody>
+          <a:bodyPr vert="horz" lIns="91440" tIns="45720" rIns="91440" bIns="45720" rtlCol="0"/>
+          <a:lstStyle>
+            <a:lvl1pPr algn="r">
+              <a:defRPr sz="1200"/>
+            </a:lvl1pPr>
+          </a:lstStyle>
+          <a:p>
+            <a:fld id="{87ABE863-276B-49C7-859C-5F515B64E944}" type="datetimeFigureOut">
+              <a:rPr lang="en-US" smtClean="0"/>
+              <a:t>9/18/2017</a:t>
+            </a:fld>
+            <a:endParaRPr lang="en-US"/>
+          </a:p>
+        </p:txBody>
+      </p:sp>
+      <p:sp>
+        <p:nvSpPr>
+          <p:cNvPr id="4" name="Slide Image Placeholder 3"/>
+          <p:cNvSpPr>
+            <a:spLocks noGrp="1" noRot="1" noChangeAspect="1"/>
+          </p:cNvSpPr>
+          <p:nvPr>
+            <p:ph type="sldImg" idx="2"/>
+          </p:nvPr>
+        </p:nvSpPr>
+        <p:spPr>
+          <a:xfrm>
+            <a:off x="685800" y="1143000"/>
+            <a:ext cx="5486400" cy="3086100"/>
+          </a:xfrm>
+          <a:prstGeom prst="rect">
+            <a:avLst/>
+          </a:prstGeom>
+          <a:noFill/>
+          <a:ln w="12700">
+            <a:solidFill>
+              <a:prstClr val="black"/>
+            </a:solidFill>
+          </a:ln>
+        </p:spPr>
+        <p:txBody>
+          <a:bodyPr vert="horz" lIns="91440" tIns="45720" rIns="91440" bIns="45720" rtlCol="0" anchor="ctr"/>
+          <a:lstStyle/>
+          <a:p>
+            <a:endParaRPr lang="en-US"/>
+          </a:p>
+        </p:txBody>
+      </p:sp>
+      <p:sp>
+        <p:nvSpPr>
+          <p:cNvPr id="5" name="Notes Placeholder 4"/>
+          <p:cNvSpPr>
+            <a:spLocks noGrp="1"/>
+          </p:cNvSpPr>
+          <p:nvPr>
+            <p:ph type="body" sz="quarter" idx="3"/>
+          </p:nvPr>
+        </p:nvSpPr>
+        <p:spPr>
+          <a:xfrm>
+            <a:off x="685800" y="4400550"/>
+            <a:ext cx="5486400" cy="3600450"/>
+          </a:xfrm>
+          <a:prstGeom prst="rect">
+            <a:avLst/>
+          </a:prstGeom>
+        </p:spPr>
+        <p:txBody>
+          <a:bodyPr vert="horz" lIns="91440" tIns="45720" rIns="91440" bIns="45720" rtlCol="0"/>
+          <a:lstStyle/>
+          <a:p>
+            <a:pPr lvl="0"/>
+            <a:r>
+              <a:rPr lang="en-US"/>
+              <a:t>Edit Master text styles</a:t>
+            </a:r>
+          </a:p>
+          <a:p>
+            <a:pPr lvl="1"/>
+            <a:r>
+              <a:rPr lang="en-US"/>
+              <a:t>Second level</a:t>
+            </a:r>
+          </a:p>
+          <a:p>
+            <a:pPr lvl="2"/>
+            <a:r>
+              <a:rPr lang="en-US"/>
+              <a:t>Third level</a:t>
+            </a:r>
+          </a:p>
+          <a:p>
+            <a:pPr lvl="3"/>
+            <a:r>
+              <a:rPr lang="en-US"/>
+              <a:t>Fourth level</a:t>
+            </a:r>
+          </a:p>
+          <a:p>
+            <a:pPr lvl="4"/>
+            <a:r>
+              <a:rPr lang="en-US"/>
+              <a:t>Fifth level</a:t>
+            </a:r>
+          </a:p>
+        </p:txBody>
+      </p:sp>
+      <p:sp>
+        <p:nvSpPr>
+          <p:cNvPr id="6" name="Footer Placeholder 5"/>
+          <p:cNvSpPr>
+            <a:spLocks noGrp="1"/>
+          </p:cNvSpPr>
+          <p:nvPr>
+            <p:ph type="ftr" sz="quarter" idx="4"/>
+          </p:nvPr>
+        </p:nvSpPr>
+        <p:spPr>
+          <a:xfrm>
+            <a:off x="0" y="8685213"/>
+            <a:ext cx="2971800" cy="458787"/>
+          </a:xfrm>
+          <a:prstGeom prst="rect">
+            <a:avLst/>
+          </a:prstGeom>
+        </p:spPr>
+        <p:txBody>
+          <a:bodyPr vert="horz" lIns="91440" tIns="45720" rIns="91440" bIns="45720" rtlCol="0" anchor="b"/>
+          <a:lstStyle>
+            <a:lvl1pPr algn="l">
+              <a:defRPr sz="1200"/>
+            </a:lvl1pPr>
+          </a:lstStyle>
+          <a:p>
+            <a:endParaRPr lang="en-US"/>
+          </a:p>
+        </p:txBody>
+      </p:sp>
+      <p:sp>
+        <p:nvSpPr>
+          <p:cNvPr id="7" name="Slide Number Placeholder 6"/>
+          <p:cNvSpPr>
+            <a:spLocks noGrp="1"/>
+          </p:cNvSpPr>
+          <p:nvPr>
+            <p:ph type="sldNum" sz="quarter" idx="5"/>
+          </p:nvPr>
+        </p:nvSpPr>
+        <p:spPr>
+          <a:xfrm>
+            <a:off x="3884613" y="8685213"/>
+            <a:ext cx="2971800" cy="458787"/>
+          </a:xfrm>
+          <a:prstGeom prst="rect">
+            <a:avLst/>
+          </a:prstGeom>
+        </p:spPr>
+        <p:txBody>
+          <a:bodyPr vert="horz" lIns="91440" tIns="45720" rIns="91440" bIns="45720" rtlCol="0" anchor="b"/>
+          <a:lstStyle>
+            <a:lvl1pPr algn="r">
+              <a:defRPr sz="1200"/>
+            </a:lvl1pPr>
+          </a:lstStyle>
+          <a:p>
+            <a:fld id="{938305A9-1E06-4466-8E22-36C6BA736965}" type="slidenum">
+              <a:rPr lang="en-US" smtClean="0"/>
+              <a:t>‹#›</a:t>
+            </a:fld>
+            <a:endParaRPr lang="en-US"/>
+          </a:p>
+        </p:txBody>
+      </p:sp>
+    </p:spTree>
+    <p:extLst>
+      <p:ext uri="{BB962C8B-B14F-4D97-AF65-F5344CB8AC3E}">
+        <p14:creationId xmlns:p14="http://schemas.microsoft.com/office/powerpoint/2010/main" val="527236155"/>
+      </p:ext>
+    </p:extLst>
+  </p:cSld>
+  <p:clrMap bg1="lt1" tx1="dk1" bg2="lt2" tx2="dk2" accent1="accent1" accent2="accent2" accent3="accent3" accent4="accent4" accent5="accent5" accent6="accent6" hlink="hlink" folHlink="folHlink"/>
+  <p:notesStyle>
+    <a:lvl1pPr marL="0" algn="l" defTabSz="914400" rtl="0" eaLnBrk="1" latinLnBrk="0" hangingPunct="1">
+      <a:defRPr sz="1200" kern="1200">
+        <a:solidFill>
+          <a:schemeClr val="tx1"/>
+        </a:solidFill>
+        <a:latin typeface="+mn-lt"/>
+        <a:ea typeface="+mn-ea"/>
+        <a:cs typeface="+mn-cs"/>
+      </a:defRPr>
+    </a:lvl1pPr>
+    <a:lvl2pPr marL="457200" algn="l" defTabSz="914400" rtl="0" eaLnBrk="1" latinLnBrk="0" hangingPunct="1">
+      <a:defRPr sz="1200" kern="1200">
+        <a:solidFill>
+          <a:schemeClr val="tx1"/>
+        </a:solidFill>
+        <a:latin typeface="+mn-lt"/>
+        <a:ea typeface="+mn-ea"/>
+        <a:cs typeface="+mn-cs"/>
+      </a:defRPr>
+    </a:lvl2pPr>
+    <a:lvl3pPr marL="914400" algn="l" defTabSz="914400" rtl="0" eaLnBrk="1" latinLnBrk="0" hangingPunct="1">
+      <a:defRPr sz="1200" kern="1200">
+        <a:solidFill>
+          <a:schemeClr val="tx1"/>
+        </a:solidFill>
+        <a:latin typeface="+mn-lt"/>
+        <a:ea typeface="+mn-ea"/>
+        <a:cs typeface="+mn-cs"/>
+      </a:defRPr>
+    </a:lvl3pPr>
+    <a:lvl4pPr marL="1371600" algn="l" defTabSz="914400" rtl="0" eaLnBrk="1" latinLnBrk="0" hangingPunct="1">
+      <a:defRPr sz="1200" kern="1200">
+        <a:solidFill>
+          <a:schemeClr val="tx1"/>
+        </a:solidFill>
+        <a:latin typeface="+mn-lt"/>
+        <a:ea typeface="+mn-ea"/>
+        <a:cs typeface="+mn-cs"/>
+      </a:defRPr>
+    </a:lvl4pPr>
+    <a:lvl5pPr marL="1828800" algn="l" defTabSz="914400" rtl="0" eaLnBrk="1" latinLnBrk="0" hangingPunct="1">
+      <a:defRPr sz="1200" kern="1200">
+        <a:solidFill>
+          <a:schemeClr val="tx1"/>
+        </a:solidFill>
+        <a:latin typeface="+mn-lt"/>
+        <a:ea typeface="+mn-ea"/>
+        <a:cs typeface="+mn-cs"/>
+      </a:defRPr>
+    </a:lvl5pPr>
+    <a:lvl6pPr marL="2286000" algn="l" defTabSz="914400" rtl="0" eaLnBrk="1" latinLnBrk="0" hangingPunct="1">
+      <a:defRPr sz="1200" kern="1200">
+        <a:solidFill>
+          <a:schemeClr val="tx1"/>
+        </a:solidFill>
+        <a:latin typeface="+mn-lt"/>
+        <a:ea typeface="+mn-ea"/>
+        <a:cs typeface="+mn-cs"/>
+      </a:defRPr>
+    </a:lvl6pPr>
+    <a:lvl7pPr marL="2743200" algn="l" defTabSz="914400" rtl="0" eaLnBrk="1" latinLnBrk="0" hangingPunct="1">
+      <a:defRPr sz="1200" kern="1200">
+        <a:solidFill>
+          <a:schemeClr val="tx1"/>
+        </a:solidFill>
+        <a:latin typeface="+mn-lt"/>
+        <a:ea typeface="+mn-ea"/>
+        <a:cs typeface="+mn-cs"/>
+      </a:defRPr>
+    </a:lvl7pPr>
+    <a:lvl8pPr marL="3200400" algn="l" defTabSz="914400" rtl="0" eaLnBrk="1" latinLnBrk="0" hangingPunct="1">
+      <a:defRPr sz="1200" kern="1200">
+        <a:solidFill>
+          <a:schemeClr val="tx1"/>
+        </a:solidFill>
+        <a:latin typeface="+mn-lt"/>
+        <a:ea typeface="+mn-ea"/>
+        <a:cs typeface="+mn-cs"/>
+      </a:defRPr>
+    </a:lvl8pPr>
+    <a:lvl9pPr marL="3657600" algn="l" defTabSz="914400" rtl="0" eaLnBrk="1" latinLnBrk="0" hangingPunct="1">
+      <a:defRPr sz="1200" kern="1200">
+        <a:solidFill>
+          <a:schemeClr val="tx1"/>
+        </a:solidFill>
+        <a:latin typeface="+mn-lt"/>
+        <a:ea typeface="+mn-ea"/>
+        <a:cs typeface="+mn-cs"/>
+      </a:defRPr>
+    </a:lvl9pPr>
+  </p:notesStyle>
+</p:notesMaster>
 </file>
 
 <file path=ppt/slideLayouts/slideLayout1.xml><?xml version="1.0" encoding="utf-8"?>
@@ -253,9 +652,9 @@
           <a:bodyPr/>
           <a:lstStyle/>
           <a:p>
-            <a:fld id="{000A609A-DCE5-4FA9-AC51-40D8AC71B180}" type="datetimeFigureOut">
+            <a:fld id="{A90170CC-24D0-44C2-87E3-A2F862B302FE}" type="datetime1">
               <a:rPr lang="en-US" smtClean="0"/>
-              <a:t>9/17/2017</a:t>
+              <a:t>9/18/2017</a:t>
             </a:fld>
             <a:endParaRPr lang="en-US"/>
           </a:p>
@@ -276,7 +675,10 @@
           <a:bodyPr/>
           <a:lstStyle/>
           <a:p>
-            <a:endParaRPr lang="en-US"/>
+            <a:r>
+              <a:rPr lang="en-US"/>
+              <a:t>https://github.com/crhallberg/IMM120 : x1-Flappy Bird</a:t>
+            </a:r>
           </a:p>
         </p:txBody>
       </p:sp>
@@ -423,9 +825,9 @@
           <a:bodyPr/>
           <a:lstStyle/>
           <a:p>
-            <a:fld id="{000A609A-DCE5-4FA9-AC51-40D8AC71B180}" type="datetimeFigureOut">
+            <a:fld id="{4758BAC0-6107-4D27-8BD9-4B2183B7CC6B}" type="datetime1">
               <a:rPr lang="en-US" smtClean="0"/>
-              <a:t>9/17/2017</a:t>
+              <a:t>9/18/2017</a:t>
             </a:fld>
             <a:endParaRPr lang="en-US"/>
           </a:p>
@@ -446,7 +848,10 @@
           <a:bodyPr/>
           <a:lstStyle/>
           <a:p>
-            <a:endParaRPr lang="en-US"/>
+            <a:r>
+              <a:rPr lang="en-US"/>
+              <a:t>https://github.com/crhallberg/IMM120 : x1-Flappy Bird</a:t>
+            </a:r>
           </a:p>
         </p:txBody>
       </p:sp>
@@ -603,9 +1008,9 @@
           <a:bodyPr/>
           <a:lstStyle/>
           <a:p>
-            <a:fld id="{000A609A-DCE5-4FA9-AC51-40D8AC71B180}" type="datetimeFigureOut">
+            <a:fld id="{71256B82-9AD1-40C8-A2CF-6D3DE3EEF0E7}" type="datetime1">
               <a:rPr lang="en-US" smtClean="0"/>
-              <a:t>9/17/2017</a:t>
+              <a:t>9/18/2017</a:t>
             </a:fld>
             <a:endParaRPr lang="en-US"/>
           </a:p>
@@ -626,7 +1031,10 @@
           <a:bodyPr/>
           <a:lstStyle/>
           <a:p>
-            <a:endParaRPr lang="en-US"/>
+            <a:r>
+              <a:rPr lang="en-US"/>
+              <a:t>https://github.com/crhallberg/IMM120 : x1-Flappy Bird</a:t>
+            </a:r>
           </a:p>
         </p:txBody>
       </p:sp>
@@ -773,9 +1181,9 @@
           <a:bodyPr/>
           <a:lstStyle/>
           <a:p>
-            <a:fld id="{000A609A-DCE5-4FA9-AC51-40D8AC71B180}" type="datetimeFigureOut">
+            <a:fld id="{1A6A7DF9-EC9F-4078-A271-41E6AECB8D9A}" type="datetime1">
               <a:rPr lang="en-US" smtClean="0"/>
-              <a:t>9/17/2017</a:t>
+              <a:t>9/18/2017</a:t>
             </a:fld>
             <a:endParaRPr lang="en-US"/>
           </a:p>
@@ -796,7 +1204,10 @@
           <a:bodyPr/>
           <a:lstStyle/>
           <a:p>
-            <a:endParaRPr lang="en-US"/>
+            <a:r>
+              <a:rPr lang="en-US"/>
+              <a:t>https://github.com/crhallberg/IMM120 : x1-Flappy Bird</a:t>
+            </a:r>
           </a:p>
         </p:txBody>
       </p:sp>
@@ -1019,9 +1430,9 @@
           <a:bodyPr/>
           <a:lstStyle/>
           <a:p>
-            <a:fld id="{000A609A-DCE5-4FA9-AC51-40D8AC71B180}" type="datetimeFigureOut">
+            <a:fld id="{DB5DA553-CF7A-4484-AF61-B9E8C37CD15F}" type="datetime1">
               <a:rPr lang="en-US" smtClean="0"/>
-              <a:t>9/17/2017</a:t>
+              <a:t>9/18/2017</a:t>
             </a:fld>
             <a:endParaRPr lang="en-US"/>
           </a:p>
@@ -1042,7 +1453,10 @@
           <a:bodyPr/>
           <a:lstStyle/>
           <a:p>
-            <a:endParaRPr lang="en-US"/>
+            <a:r>
+              <a:rPr lang="en-US"/>
+              <a:t>https://github.com/crhallberg/IMM120 : x1-Flappy Bird</a:t>
+            </a:r>
           </a:p>
         </p:txBody>
       </p:sp>
@@ -1251,9 +1665,9 @@
           <a:bodyPr/>
           <a:lstStyle/>
           <a:p>
-            <a:fld id="{000A609A-DCE5-4FA9-AC51-40D8AC71B180}" type="datetimeFigureOut">
+            <a:fld id="{87DB049E-0E78-4376-8AB2-BE04AB90C5FF}" type="datetime1">
               <a:rPr lang="en-US" smtClean="0"/>
-              <a:t>9/17/2017</a:t>
+              <a:t>9/18/2017</a:t>
             </a:fld>
             <a:endParaRPr lang="en-US"/>
           </a:p>
@@ -1274,7 +1688,10 @@
           <a:bodyPr/>
           <a:lstStyle/>
           <a:p>
-            <a:endParaRPr lang="en-US"/>
+            <a:r>
+              <a:rPr lang="en-US"/>
+              <a:t>https://github.com/crhallberg/IMM120 : x1-Flappy Bird</a:t>
+            </a:r>
           </a:p>
         </p:txBody>
       </p:sp>
@@ -1618,9 +2035,9 @@
           <a:bodyPr/>
           <a:lstStyle/>
           <a:p>
-            <a:fld id="{000A609A-DCE5-4FA9-AC51-40D8AC71B180}" type="datetimeFigureOut">
+            <a:fld id="{C9CED707-08BB-46CF-87D1-76549F84CD5B}" type="datetime1">
               <a:rPr lang="en-US" smtClean="0"/>
-              <a:t>9/17/2017</a:t>
+              <a:t>9/18/2017</a:t>
             </a:fld>
             <a:endParaRPr lang="en-US"/>
           </a:p>
@@ -1641,7 +2058,10 @@
           <a:bodyPr/>
           <a:lstStyle/>
           <a:p>
-            <a:endParaRPr lang="en-US"/>
+            <a:r>
+              <a:rPr lang="en-US"/>
+              <a:t>https://github.com/crhallberg/IMM120 : x1-Flappy Bird</a:t>
+            </a:r>
           </a:p>
         </p:txBody>
       </p:sp>
@@ -1736,9 +2156,9 @@
           <a:bodyPr/>
           <a:lstStyle/>
           <a:p>
-            <a:fld id="{000A609A-DCE5-4FA9-AC51-40D8AC71B180}" type="datetimeFigureOut">
+            <a:fld id="{5FEA52D8-030D-4429-AD0A-389CB69F7EE5}" type="datetime1">
               <a:rPr lang="en-US" smtClean="0"/>
-              <a:t>9/17/2017</a:t>
+              <a:t>9/18/2017</a:t>
             </a:fld>
             <a:endParaRPr lang="en-US"/>
           </a:p>
@@ -1759,7 +2179,10 @@
           <a:bodyPr/>
           <a:lstStyle/>
           <a:p>
-            <a:endParaRPr lang="en-US"/>
+            <a:r>
+              <a:rPr lang="en-US"/>
+              <a:t>https://github.com/crhallberg/IMM120 : x1-Flappy Bird</a:t>
+            </a:r>
           </a:p>
         </p:txBody>
       </p:sp>
@@ -1831,9 +2254,9 @@
           <a:bodyPr/>
           <a:lstStyle/>
           <a:p>
-            <a:fld id="{000A609A-DCE5-4FA9-AC51-40D8AC71B180}" type="datetimeFigureOut">
+            <a:fld id="{F889A751-EFF3-408F-B7FA-84232C8BB055}" type="datetime1">
               <a:rPr lang="en-US" smtClean="0"/>
-              <a:t>9/17/2017</a:t>
+              <a:t>9/18/2017</a:t>
             </a:fld>
             <a:endParaRPr lang="en-US"/>
           </a:p>
@@ -1854,7 +2277,10 @@
           <a:bodyPr/>
           <a:lstStyle/>
           <a:p>
-            <a:endParaRPr lang="en-US"/>
+            <a:r>
+              <a:rPr lang="en-US"/>
+              <a:t>https://github.com/crhallberg/IMM120 : x1-Flappy Bird</a:t>
+            </a:r>
           </a:p>
         </p:txBody>
       </p:sp>
@@ -2108,9 +2534,9 @@
           <a:bodyPr/>
           <a:lstStyle/>
           <a:p>
-            <a:fld id="{000A609A-DCE5-4FA9-AC51-40D8AC71B180}" type="datetimeFigureOut">
+            <a:fld id="{2CFB8404-9892-4638-9CA0-795F5CCCF814}" type="datetime1">
               <a:rPr lang="en-US" smtClean="0"/>
-              <a:t>9/17/2017</a:t>
+              <a:t>9/18/2017</a:t>
             </a:fld>
             <a:endParaRPr lang="en-US"/>
           </a:p>
@@ -2131,7 +2557,10 @@
           <a:bodyPr/>
           <a:lstStyle/>
           <a:p>
-            <a:endParaRPr lang="en-US"/>
+            <a:r>
+              <a:rPr lang="en-US"/>
+              <a:t>https://github.com/crhallberg/IMM120 : x1-Flappy Bird</a:t>
+            </a:r>
           </a:p>
         </p:txBody>
       </p:sp>
@@ -2365,9 +2794,9 @@
           <a:bodyPr/>
           <a:lstStyle/>
           <a:p>
-            <a:fld id="{000A609A-DCE5-4FA9-AC51-40D8AC71B180}" type="datetimeFigureOut">
+            <a:fld id="{9635918E-3EA0-4BA1-9D6A-E015A16038B1}" type="datetime1">
               <a:rPr lang="en-US" smtClean="0"/>
-              <a:t>9/17/2017</a:t>
+              <a:t>9/18/2017</a:t>
             </a:fld>
             <a:endParaRPr lang="en-US"/>
           </a:p>
@@ -2388,7 +2817,10 @@
           <a:bodyPr/>
           <a:lstStyle/>
           <a:p>
-            <a:endParaRPr lang="en-US"/>
+            <a:r>
+              <a:rPr lang="en-US"/>
+              <a:t>https://github.com/crhallberg/IMM120 : x1-Flappy Bird</a:t>
+            </a:r>
           </a:p>
         </p:txBody>
       </p:sp>
@@ -2578,9 +3010,9 @@
             </a:lvl1pPr>
           </a:lstStyle>
           <a:p>
-            <a:fld id="{000A609A-DCE5-4FA9-AC51-40D8AC71B180}" type="datetimeFigureOut">
+            <a:fld id="{161C98EF-F8A3-4297-A8AF-09AEF40B26F6}" type="datetime1">
               <a:rPr lang="en-US" smtClean="0"/>
-              <a:t>9/17/2017</a:t>
+              <a:t>9/18/2017</a:t>
             </a:fld>
             <a:endParaRPr lang="en-US"/>
           </a:p>
@@ -2619,7 +3051,10 @@
             </a:lvl1pPr>
           </a:lstStyle>
           <a:p>
-            <a:endParaRPr lang="en-US"/>
+            <a:r>
+              <a:rPr lang="en-US"/>
+              <a:t>https://github.com/crhallberg/IMM120 : x1-Flappy Bird</a:t>
+            </a:r>
           </a:p>
         </p:txBody>
       </p:sp>
@@ -2685,6 +3120,7 @@
     <p:sldLayoutId id="2147483670" r:id="rId10"/>
     <p:sldLayoutId id="2147483671" r:id="rId11"/>
   </p:sldLayoutIdLst>
+  <p:hf sldNum="0" hdr="0" ftr="0" dt="0"/>
   <p:txStyles>
     <p:titleStyle>
       <a:lvl1pPr algn="l" defTabSz="914400" rtl="0" eaLnBrk="1" latinLnBrk="0" hangingPunct="1">
@@ -3054,6 +3490,1510 @@
 </p:sld>
 </file>
 
+<file path=ppt/slides/slide10.xml><?xml version="1.0" encoding="utf-8"?>
+<p:sld xmlns:a="http://schemas.openxmlformats.org/drawingml/2006/main" xmlns:r="http://schemas.openxmlformats.org/officeDocument/2006/relationships" xmlns:p="http://schemas.openxmlformats.org/presentationml/2006/main">
+  <p:cSld>
+    <p:spTree>
+      <p:nvGrpSpPr>
+        <p:cNvPr id="1" name=""/>
+        <p:cNvGrpSpPr/>
+        <p:nvPr/>
+      </p:nvGrpSpPr>
+      <p:grpSpPr>
+        <a:xfrm>
+          <a:off x="0" y="0"/>
+          <a:ext cx="0" cy="0"/>
+          <a:chOff x="0" y="0"/>
+          <a:chExt cx="0" cy="0"/>
+        </a:xfrm>
+      </p:grpSpPr>
+      <p:sp>
+        <p:nvSpPr>
+          <p:cNvPr id="2" name="Title 1">
+            <a:extLst>
+              <a:ext uri="{FF2B5EF4-FFF2-40B4-BE49-F238E27FC236}">
+                <a16:creationId xmlns:a16="http://schemas.microsoft.com/office/drawing/2014/main" id="{DF37C4C0-3A78-407E-8F71-C2FB661B6743}"/>
+              </a:ext>
+            </a:extLst>
+          </p:cNvPr>
+          <p:cNvSpPr>
+            <a:spLocks noGrp="1"/>
+          </p:cNvSpPr>
+          <p:nvPr>
+            <p:ph type="title"/>
+          </p:nvPr>
+        </p:nvSpPr>
+        <p:spPr/>
+        <p:txBody>
+          <a:bodyPr/>
+          <a:lstStyle/>
+          <a:p>
+            <a:r>
+              <a:rPr lang="en-US" dirty="0">
+                <a:hlinkClick r:id="rId2"/>
+              </a:rPr>
+              <a:t>https://p5js.org/reference</a:t>
+            </a:r>
+            <a:r>
+              <a:rPr lang="en-US" dirty="0"/>
+              <a:t> </a:t>
+            </a:r>
+          </a:p>
+        </p:txBody>
+      </p:sp>
+      <p:sp>
+        <p:nvSpPr>
+          <p:cNvPr id="3" name="Text Placeholder 2">
+            <a:extLst>
+              <a:ext uri="{FF2B5EF4-FFF2-40B4-BE49-F238E27FC236}">
+                <a16:creationId xmlns:a16="http://schemas.microsoft.com/office/drawing/2014/main" id="{F3BE25AD-7699-4EF6-A7F9-2B8D9C9A5215}"/>
+              </a:ext>
+            </a:extLst>
+          </p:cNvPr>
+          <p:cNvSpPr>
+            <a:spLocks noGrp="1"/>
+          </p:cNvSpPr>
+          <p:nvPr>
+            <p:ph type="body" idx="1"/>
+          </p:nvPr>
+        </p:nvSpPr>
+        <p:spPr/>
+        <p:txBody>
+          <a:bodyPr/>
+          <a:lstStyle/>
+          <a:p>
+            <a:r>
+              <a:rPr lang="en-US" dirty="0"/>
+              <a:t>The best place for questions!</a:t>
+            </a:r>
+          </a:p>
+        </p:txBody>
+      </p:sp>
+    </p:spTree>
+    <p:extLst>
+      <p:ext uri="{BB962C8B-B14F-4D97-AF65-F5344CB8AC3E}">
+        <p14:creationId xmlns:p14="http://schemas.microsoft.com/office/powerpoint/2010/main" val="2016961703"/>
+      </p:ext>
+    </p:extLst>
+  </p:cSld>
+  <p:clrMapOvr>
+    <a:masterClrMapping/>
+  </p:clrMapOvr>
+</p:sld>
+</file>
+
+<file path=ppt/slides/slide11.xml><?xml version="1.0" encoding="utf-8"?>
+<p:sld xmlns:a="http://schemas.openxmlformats.org/drawingml/2006/main" xmlns:r="http://schemas.openxmlformats.org/officeDocument/2006/relationships" xmlns:p="http://schemas.openxmlformats.org/presentationml/2006/main">
+  <p:cSld>
+    <p:spTree>
+      <p:nvGrpSpPr>
+        <p:cNvPr id="1" name=""/>
+        <p:cNvGrpSpPr/>
+        <p:nvPr/>
+      </p:nvGrpSpPr>
+      <p:grpSpPr>
+        <a:xfrm>
+          <a:off x="0" y="0"/>
+          <a:ext cx="0" cy="0"/>
+          <a:chOff x="0" y="0"/>
+          <a:chExt cx="0" cy="0"/>
+        </a:xfrm>
+      </p:grpSpPr>
+      <p:pic>
+        <p:nvPicPr>
+          <p:cNvPr id="1026" name="Picture 2" descr="It's Flappy Bird!">
+            <a:extLst>
+              <a:ext uri="{FF2B5EF4-FFF2-40B4-BE49-F238E27FC236}">
+                <a16:creationId xmlns:a16="http://schemas.microsoft.com/office/drawing/2014/main" id="{F8AAE836-F21C-49D9-BD0B-66909C108588}"/>
+              </a:ext>
+            </a:extLst>
+          </p:cNvPr>
+          <p:cNvPicPr>
+            <a:picLocks noChangeAspect="1" noChangeArrowheads="1" noCrop="1"/>
+          </p:cNvPicPr>
+          <p:nvPr/>
+        </p:nvPicPr>
+        <p:blipFill>
+          <a:blip r:embed="rId2">
+            <a:extLst>
+              <a:ext uri="{28A0092B-C50C-407E-A947-70E740481C1C}">
+                <a14:useLocalDpi xmlns:a14="http://schemas.microsoft.com/office/drawing/2010/main" val="0"/>
+              </a:ext>
+            </a:extLst>
+          </a:blip>
+          <a:stretch>
+            <a:fillRect/>
+          </a:stretch>
+        </p:blipFill>
+        <p:spPr bwMode="auto">
+          <a:xfrm>
+            <a:off x="3606019" y="-31058"/>
+            <a:ext cx="5312898" cy="6889058"/>
+          </a:xfrm>
+          <a:prstGeom prst="rect">
+            <a:avLst/>
+          </a:prstGeom>
+          <a:noFill/>
+          <a:extLst>
+            <a:ext uri="{909E8E84-426E-40DD-AFC4-6F175D3DCCD1}">
+              <a14:hiddenFill xmlns:a14="http://schemas.microsoft.com/office/drawing/2010/main">
+                <a:solidFill>
+                  <a:srgbClr val="FFFFFF"/>
+                </a:solidFill>
+              </a14:hiddenFill>
+            </a:ext>
+          </a:extLst>
+        </p:spPr>
+      </p:pic>
+    </p:spTree>
+    <p:extLst>
+      <p:ext uri="{BB962C8B-B14F-4D97-AF65-F5344CB8AC3E}">
+        <p14:creationId xmlns:p14="http://schemas.microsoft.com/office/powerpoint/2010/main" val="2756532705"/>
+      </p:ext>
+    </p:extLst>
+  </p:cSld>
+  <p:clrMapOvr>
+    <a:masterClrMapping/>
+  </p:clrMapOvr>
+</p:sld>
+</file>
+
+<file path=ppt/slides/slide12.xml><?xml version="1.0" encoding="utf-8"?>
+<p:sld xmlns:a="http://schemas.openxmlformats.org/drawingml/2006/main" xmlns:r="http://schemas.openxmlformats.org/officeDocument/2006/relationships" xmlns:p="http://schemas.openxmlformats.org/presentationml/2006/main">
+  <p:cSld>
+    <p:spTree>
+      <p:nvGrpSpPr>
+        <p:cNvPr id="1" name=""/>
+        <p:cNvGrpSpPr/>
+        <p:nvPr/>
+      </p:nvGrpSpPr>
+      <p:grpSpPr>
+        <a:xfrm>
+          <a:off x="0" y="0"/>
+          <a:ext cx="0" cy="0"/>
+          <a:chOff x="0" y="0"/>
+          <a:chExt cx="0" cy="0"/>
+        </a:xfrm>
+      </p:grpSpPr>
+      <p:sp>
+        <p:nvSpPr>
+          <p:cNvPr id="2" name="Title 1">
+            <a:extLst>
+              <a:ext uri="{FF2B5EF4-FFF2-40B4-BE49-F238E27FC236}">
+                <a16:creationId xmlns:a16="http://schemas.microsoft.com/office/drawing/2014/main" id="{2E6B6378-49A3-43E9-93BB-17267F57CB3D}"/>
+              </a:ext>
+            </a:extLst>
+          </p:cNvPr>
+          <p:cNvSpPr>
+            <a:spLocks noGrp="1"/>
+          </p:cNvSpPr>
+          <p:nvPr>
+            <p:ph type="title"/>
+          </p:nvPr>
+        </p:nvSpPr>
+        <p:spPr/>
+        <p:txBody>
+          <a:bodyPr>
+            <a:normAutofit/>
+          </a:bodyPr>
+          <a:lstStyle/>
+          <a:p>
+            <a:pPr algn="ctr"/>
+            <a:r>
+              <a:rPr lang="en-US" dirty="0">
+                <a:hlinkClick r:id="rId2"/>
+              </a:rPr>
+              <a:t>https://cdpn.io/e/VMYWqP</a:t>
+            </a:r>
+            <a:r>
+              <a:rPr lang="en-US" dirty="0"/>
+              <a:t> </a:t>
+            </a:r>
+          </a:p>
+        </p:txBody>
+      </p:sp>
+      <p:sp>
+        <p:nvSpPr>
+          <p:cNvPr id="3" name="Text Placeholder 2">
+            <a:extLst>
+              <a:ext uri="{FF2B5EF4-FFF2-40B4-BE49-F238E27FC236}">
+                <a16:creationId xmlns:a16="http://schemas.microsoft.com/office/drawing/2014/main" id="{AA48DAF8-FE68-40BA-8921-D7B0AE13C8EF}"/>
+              </a:ext>
+            </a:extLst>
+          </p:cNvPr>
+          <p:cNvSpPr>
+            <a:spLocks noGrp="1"/>
+          </p:cNvSpPr>
+          <p:nvPr>
+            <p:ph type="body" idx="1"/>
+          </p:nvPr>
+        </p:nvSpPr>
+        <p:spPr/>
+        <p:txBody>
+          <a:bodyPr/>
+          <a:lstStyle/>
+          <a:p>
+            <a:r>
+              <a:rPr lang="en-US" dirty="0"/>
+              <a:t>Starting point</a:t>
+            </a:r>
+          </a:p>
+          <a:p>
+            <a:endParaRPr lang="en-US" dirty="0"/>
+          </a:p>
+          <a:p>
+            <a:r>
+              <a:rPr lang="en-US" dirty="0"/>
+              <a:t>Follow along! </a:t>
+            </a:r>
+            <a:r>
+              <a:rPr lang="en-US" dirty="0">
+                <a:hlinkClick r:id="rId3"/>
+              </a:rPr>
+              <a:t>https://github.com/crhallberg/IMM120</a:t>
+            </a:r>
+            <a:r>
+              <a:rPr lang="en-US" dirty="0"/>
+              <a:t> : x1-Flappy Bird</a:t>
+            </a:r>
+          </a:p>
+        </p:txBody>
+      </p:sp>
+    </p:spTree>
+    <p:extLst>
+      <p:ext uri="{BB962C8B-B14F-4D97-AF65-F5344CB8AC3E}">
+        <p14:creationId xmlns:p14="http://schemas.microsoft.com/office/powerpoint/2010/main" val="1145184513"/>
+      </p:ext>
+    </p:extLst>
+  </p:cSld>
+  <p:clrMapOvr>
+    <a:masterClrMapping/>
+  </p:clrMapOvr>
+</p:sld>
+</file>
+
+<file path=ppt/slides/slide13.xml><?xml version="1.0" encoding="utf-8"?>
+<p:sld xmlns:a="http://schemas.openxmlformats.org/drawingml/2006/main" xmlns:r="http://schemas.openxmlformats.org/officeDocument/2006/relationships" xmlns:p="http://schemas.openxmlformats.org/presentationml/2006/main">
+  <p:cSld>
+    <p:spTree>
+      <p:nvGrpSpPr>
+        <p:cNvPr id="1" name=""/>
+        <p:cNvGrpSpPr/>
+        <p:nvPr/>
+      </p:nvGrpSpPr>
+      <p:grpSpPr>
+        <a:xfrm>
+          <a:off x="0" y="0"/>
+          <a:ext cx="0" cy="0"/>
+          <a:chOff x="0" y="0"/>
+          <a:chExt cx="0" cy="0"/>
+        </a:xfrm>
+      </p:grpSpPr>
+      <p:sp>
+        <p:nvSpPr>
+          <p:cNvPr id="4" name="Title 3">
+            <a:extLst>
+              <a:ext uri="{FF2B5EF4-FFF2-40B4-BE49-F238E27FC236}">
+                <a16:creationId xmlns:a16="http://schemas.microsoft.com/office/drawing/2014/main" id="{AB7D6037-5A82-4555-B358-8FEF778422E4}"/>
+              </a:ext>
+            </a:extLst>
+          </p:cNvPr>
+          <p:cNvSpPr>
+            <a:spLocks noGrp="1"/>
+          </p:cNvSpPr>
+          <p:nvPr>
+            <p:ph type="title"/>
+          </p:nvPr>
+        </p:nvSpPr>
+        <p:spPr/>
+        <p:txBody>
+          <a:bodyPr/>
+          <a:lstStyle/>
+          <a:p>
+            <a:r>
+              <a:rPr lang="en-US" dirty="0"/>
+              <a:t>Houston, we have a problem</a:t>
+            </a:r>
+          </a:p>
+        </p:txBody>
+      </p:sp>
+      <p:sp>
+        <p:nvSpPr>
+          <p:cNvPr id="5" name="Content Placeholder 4">
+            <a:extLst>
+              <a:ext uri="{FF2B5EF4-FFF2-40B4-BE49-F238E27FC236}">
+                <a16:creationId xmlns:a16="http://schemas.microsoft.com/office/drawing/2014/main" id="{8A573F7C-5EB7-4130-B756-8BC91BB2A12C}"/>
+              </a:ext>
+            </a:extLst>
+          </p:cNvPr>
+          <p:cNvSpPr>
+            <a:spLocks noGrp="1"/>
+          </p:cNvSpPr>
+          <p:nvPr>
+            <p:ph idx="1"/>
+          </p:nvPr>
+        </p:nvSpPr>
+        <p:spPr/>
+        <p:txBody>
+          <a:bodyPr/>
+          <a:lstStyle/>
+          <a:p>
+            <a:r>
+              <a:rPr lang="en-US" b="1" dirty="0" err="1"/>
+              <a:t>noLoop</a:t>
+            </a:r>
+            <a:r>
+              <a:rPr lang="en-US" b="1" dirty="0"/>
+              <a:t>();</a:t>
+            </a:r>
+            <a:r>
+              <a:rPr lang="en-US" dirty="0"/>
+              <a:t> - Stop the draw loop</a:t>
+            </a:r>
+          </a:p>
+          <a:p>
+            <a:r>
+              <a:rPr lang="en-US" b="1" dirty="0"/>
+              <a:t>loop();</a:t>
+            </a:r>
+            <a:r>
+              <a:rPr lang="en-US" dirty="0"/>
+              <a:t> - Restart the draw loop</a:t>
+            </a:r>
+          </a:p>
+          <a:p>
+            <a:endParaRPr lang="en-US" b="1" dirty="0"/>
+          </a:p>
+        </p:txBody>
+      </p:sp>
+      <p:sp>
+        <p:nvSpPr>
+          <p:cNvPr id="8" name="Footer Placeholder 6">
+            <a:extLst>
+              <a:ext uri="{FF2B5EF4-FFF2-40B4-BE49-F238E27FC236}">
+                <a16:creationId xmlns:a16="http://schemas.microsoft.com/office/drawing/2014/main" id="{67490790-8699-41A3-A4C3-A12A3D01F593}"/>
+              </a:ext>
+            </a:extLst>
+          </p:cNvPr>
+          <p:cNvSpPr>
+            <a:spLocks noGrp="1"/>
+          </p:cNvSpPr>
+          <p:nvPr>
+            <p:ph type="ftr" sz="quarter" idx="11"/>
+          </p:nvPr>
+        </p:nvSpPr>
+        <p:spPr>
+          <a:xfrm>
+            <a:off x="0" y="6356350"/>
+            <a:ext cx="12192000" cy="365125"/>
+          </a:xfrm>
+        </p:spPr>
+        <p:txBody>
+          <a:bodyPr/>
+          <a:lstStyle/>
+          <a:p>
+            <a:r>
+              <a:rPr lang="en-US" sz="2400" dirty="0">
+                <a:hlinkClick r:id="rId2"/>
+              </a:rPr>
+              <a:t>https://github.com/crhallberg/IMM120</a:t>
+            </a:r>
+            <a:r>
+              <a:rPr lang="en-US" sz="2400" dirty="0"/>
+              <a:t> : x1-Flappy Bird</a:t>
+            </a:r>
+          </a:p>
+        </p:txBody>
+      </p:sp>
+    </p:spTree>
+    <p:extLst>
+      <p:ext uri="{BB962C8B-B14F-4D97-AF65-F5344CB8AC3E}">
+        <p14:creationId xmlns:p14="http://schemas.microsoft.com/office/powerpoint/2010/main" val="2851667039"/>
+      </p:ext>
+    </p:extLst>
+  </p:cSld>
+  <p:clrMapOvr>
+    <a:masterClrMapping/>
+  </p:clrMapOvr>
+</p:sld>
+</file>
+
+<file path=ppt/slides/slide14.xml><?xml version="1.0" encoding="utf-8"?>
+<p:sld xmlns:a="http://schemas.openxmlformats.org/drawingml/2006/main" xmlns:r="http://schemas.openxmlformats.org/officeDocument/2006/relationships" xmlns:p="http://schemas.openxmlformats.org/presentationml/2006/main">
+  <p:cSld>
+    <p:spTree>
+      <p:nvGrpSpPr>
+        <p:cNvPr id="1" name=""/>
+        <p:cNvGrpSpPr/>
+        <p:nvPr/>
+      </p:nvGrpSpPr>
+      <p:grpSpPr>
+        <a:xfrm>
+          <a:off x="0" y="0"/>
+          <a:ext cx="0" cy="0"/>
+          <a:chOff x="0" y="0"/>
+          <a:chExt cx="0" cy="0"/>
+        </a:xfrm>
+      </p:grpSpPr>
+      <p:sp>
+        <p:nvSpPr>
+          <p:cNvPr id="2" name="Title 1">
+            <a:extLst>
+              <a:ext uri="{FF2B5EF4-FFF2-40B4-BE49-F238E27FC236}">
+                <a16:creationId xmlns:a16="http://schemas.microsoft.com/office/drawing/2014/main" id="{B08F0739-61CC-4707-9351-6294A8916035}"/>
+              </a:ext>
+            </a:extLst>
+          </p:cNvPr>
+          <p:cNvSpPr>
+            <a:spLocks noGrp="1"/>
+          </p:cNvSpPr>
+          <p:nvPr>
+            <p:ph type="title"/>
+          </p:nvPr>
+        </p:nvSpPr>
+        <p:spPr/>
+        <p:txBody>
+          <a:bodyPr/>
+          <a:lstStyle/>
+          <a:p>
+            <a:r>
+              <a:rPr lang="en-US" dirty="0"/>
+              <a:t>Houston, we had a problem</a:t>
+            </a:r>
+          </a:p>
+        </p:txBody>
+      </p:sp>
+      <p:sp>
+        <p:nvSpPr>
+          <p:cNvPr id="3" name="Content Placeholder 2">
+            <a:extLst>
+              <a:ext uri="{FF2B5EF4-FFF2-40B4-BE49-F238E27FC236}">
+                <a16:creationId xmlns:a16="http://schemas.microsoft.com/office/drawing/2014/main" id="{A2C00AE4-8FB7-4104-9A12-3F1D89565C1E}"/>
+              </a:ext>
+            </a:extLst>
+          </p:cNvPr>
+          <p:cNvSpPr>
+            <a:spLocks noGrp="1"/>
+          </p:cNvSpPr>
+          <p:nvPr>
+            <p:ph idx="1"/>
+          </p:nvPr>
+        </p:nvSpPr>
+        <p:spPr/>
+        <p:txBody>
+          <a:bodyPr/>
+          <a:lstStyle/>
+          <a:p>
+            <a:pPr marL="514350" indent="-514350">
+              <a:buFont typeface="+mj-lt"/>
+              <a:buAutoNum type="arabicPeriod"/>
+            </a:pPr>
+            <a:r>
+              <a:rPr lang="en-US" dirty="0"/>
+              <a:t>At the bottom of setup(), add </a:t>
+            </a:r>
+            <a:r>
+              <a:rPr lang="en-US" dirty="0" err="1"/>
+              <a:t>noLoop</a:t>
+            </a:r>
+            <a:r>
+              <a:rPr lang="en-US" dirty="0"/>
+              <a:t>();</a:t>
+            </a:r>
+          </a:p>
+          <a:p>
+            <a:pPr marL="514350" indent="-514350">
+              <a:buFont typeface="+mj-lt"/>
+              <a:buAutoNum type="arabicPeriod"/>
+            </a:pPr>
+            <a:r>
+              <a:rPr lang="en-US" dirty="0"/>
+              <a:t>At the top of </a:t>
+            </a:r>
+            <a:r>
+              <a:rPr lang="en-US" dirty="0" err="1"/>
+              <a:t>keyPressed</a:t>
+            </a:r>
+            <a:r>
+              <a:rPr lang="en-US" dirty="0"/>
+              <a:t>(), add loop();</a:t>
+            </a:r>
+          </a:p>
+        </p:txBody>
+      </p:sp>
+      <p:sp>
+        <p:nvSpPr>
+          <p:cNvPr id="6" name="Footer Placeholder 6">
+            <a:extLst>
+              <a:ext uri="{FF2B5EF4-FFF2-40B4-BE49-F238E27FC236}">
+                <a16:creationId xmlns:a16="http://schemas.microsoft.com/office/drawing/2014/main" id="{B7F195FD-11BB-4B1F-BE2C-AB73573DE8D8}"/>
+              </a:ext>
+            </a:extLst>
+          </p:cNvPr>
+          <p:cNvSpPr>
+            <a:spLocks noGrp="1"/>
+          </p:cNvSpPr>
+          <p:nvPr>
+            <p:ph type="ftr" sz="quarter" idx="11"/>
+          </p:nvPr>
+        </p:nvSpPr>
+        <p:spPr>
+          <a:xfrm>
+            <a:off x="0" y="6356350"/>
+            <a:ext cx="12192000" cy="365125"/>
+          </a:xfrm>
+        </p:spPr>
+        <p:txBody>
+          <a:bodyPr/>
+          <a:lstStyle/>
+          <a:p>
+            <a:r>
+              <a:rPr lang="en-US" sz="2400" dirty="0">
+                <a:hlinkClick r:id="rId2"/>
+              </a:rPr>
+              <a:t>https://github.com/crhallberg/IMM120</a:t>
+            </a:r>
+            <a:r>
+              <a:rPr lang="en-US" sz="2400" dirty="0"/>
+              <a:t> : x1-Flappy Bird</a:t>
+            </a:r>
+          </a:p>
+        </p:txBody>
+      </p:sp>
+    </p:spTree>
+    <p:extLst>
+      <p:ext uri="{BB962C8B-B14F-4D97-AF65-F5344CB8AC3E}">
+        <p14:creationId xmlns:p14="http://schemas.microsoft.com/office/powerpoint/2010/main" val="2581837099"/>
+      </p:ext>
+    </p:extLst>
+  </p:cSld>
+  <p:clrMapOvr>
+    <a:masterClrMapping/>
+  </p:clrMapOvr>
+</p:sld>
+</file>
+
+<file path=ppt/slides/slide15.xml><?xml version="1.0" encoding="utf-8"?>
+<p:sld xmlns:a="http://schemas.openxmlformats.org/drawingml/2006/main" xmlns:r="http://schemas.openxmlformats.org/officeDocument/2006/relationships" xmlns:p="http://schemas.openxmlformats.org/presentationml/2006/main">
+  <p:cSld>
+    <p:spTree>
+      <p:nvGrpSpPr>
+        <p:cNvPr id="1" name=""/>
+        <p:cNvGrpSpPr/>
+        <p:nvPr/>
+      </p:nvGrpSpPr>
+      <p:grpSpPr>
+        <a:xfrm>
+          <a:off x="0" y="0"/>
+          <a:ext cx="0" cy="0"/>
+          <a:chOff x="0" y="0"/>
+          <a:chExt cx="0" cy="0"/>
+        </a:xfrm>
+      </p:grpSpPr>
+      <p:sp>
+        <p:nvSpPr>
+          <p:cNvPr id="2" name="Title 1">
+            <a:extLst>
+              <a:ext uri="{FF2B5EF4-FFF2-40B4-BE49-F238E27FC236}">
+                <a16:creationId xmlns:a16="http://schemas.microsoft.com/office/drawing/2014/main" id="{36BC5ADB-CE75-405A-8301-D97B32B7D358}"/>
+              </a:ext>
+            </a:extLst>
+          </p:cNvPr>
+          <p:cNvSpPr>
+            <a:spLocks noGrp="1"/>
+          </p:cNvSpPr>
+          <p:nvPr>
+            <p:ph type="title"/>
+          </p:nvPr>
+        </p:nvSpPr>
+        <p:spPr/>
+        <p:txBody>
+          <a:bodyPr/>
+          <a:lstStyle/>
+          <a:p>
+            <a:r>
+              <a:rPr lang="en-US" dirty="0"/>
+              <a:t>Hitting the World</a:t>
+            </a:r>
+          </a:p>
+        </p:txBody>
+      </p:sp>
+      <p:sp>
+        <p:nvSpPr>
+          <p:cNvPr id="3" name="Content Placeholder 2">
+            <a:extLst>
+              <a:ext uri="{FF2B5EF4-FFF2-40B4-BE49-F238E27FC236}">
+                <a16:creationId xmlns:a16="http://schemas.microsoft.com/office/drawing/2014/main" id="{9BEF9C0B-F5F6-414F-922A-A577DBC277FD}"/>
+              </a:ext>
+            </a:extLst>
+          </p:cNvPr>
+          <p:cNvSpPr>
+            <a:spLocks noGrp="1"/>
+          </p:cNvSpPr>
+          <p:nvPr>
+            <p:ph idx="1"/>
+          </p:nvPr>
+        </p:nvSpPr>
+        <p:spPr/>
+        <p:txBody>
+          <a:bodyPr/>
+          <a:lstStyle/>
+          <a:p>
+            <a:pPr marL="514350" indent="-514350">
+              <a:buFont typeface="+mj-lt"/>
+              <a:buAutoNum type="arabicPeriod"/>
+            </a:pPr>
+            <a:r>
+              <a:rPr lang="en-US" dirty="0"/>
+              <a:t>Add a ground rectangle</a:t>
+            </a:r>
+          </a:p>
+          <a:p>
+            <a:pPr marL="514350" indent="-514350">
+              <a:buFont typeface="+mj-lt"/>
+              <a:buAutoNum type="arabicPeriod"/>
+            </a:pPr>
+            <a:r>
+              <a:rPr lang="en-US" dirty="0"/>
+              <a:t>In draw detect when our bird hits the ground</a:t>
+            </a:r>
+          </a:p>
+          <a:p>
+            <a:pPr marL="514350" indent="-514350">
+              <a:buFont typeface="+mj-lt"/>
+              <a:buAutoNum type="arabicPeriod"/>
+            </a:pPr>
+            <a:r>
+              <a:rPr lang="en-US" dirty="0"/>
+              <a:t>When it does, let’s…</a:t>
+            </a:r>
+          </a:p>
+          <a:p>
+            <a:pPr marL="971550" lvl="1" indent="-514350">
+              <a:buFont typeface="+mj-lt"/>
+              <a:buAutoNum type="arabicPeriod"/>
+            </a:pPr>
+            <a:r>
+              <a:rPr lang="en-US" dirty="0"/>
+              <a:t>set </a:t>
+            </a:r>
+            <a:r>
+              <a:rPr lang="en-US" dirty="0" err="1"/>
+              <a:t>birdY</a:t>
+            </a:r>
+            <a:r>
+              <a:rPr lang="en-US" dirty="0"/>
+              <a:t> to half way down the screen</a:t>
+            </a:r>
+          </a:p>
+          <a:p>
+            <a:pPr marL="971550" lvl="1" indent="-514350">
+              <a:buFont typeface="+mj-lt"/>
+              <a:buAutoNum type="arabicPeriod"/>
+            </a:pPr>
+            <a:r>
+              <a:rPr lang="en-US" dirty="0"/>
+              <a:t>run </a:t>
+            </a:r>
+            <a:r>
+              <a:rPr lang="en-US" dirty="0" err="1"/>
+              <a:t>noLoop</a:t>
+            </a:r>
+            <a:r>
+              <a:rPr lang="en-US" dirty="0"/>
+              <a:t>() again.</a:t>
+            </a:r>
+          </a:p>
+          <a:p>
+            <a:pPr marL="971550" lvl="1" indent="-514350">
+              <a:buFont typeface="+mj-lt"/>
+              <a:buAutoNum type="arabicPeriod"/>
+            </a:pPr>
+            <a:r>
+              <a:rPr lang="en-US" b="1" dirty="0">
+                <a:latin typeface="Courier New" panose="02070309020205020404" pitchFamily="49" charset="0"/>
+                <a:cs typeface="Courier New" panose="02070309020205020404" pitchFamily="49" charset="0"/>
+              </a:rPr>
+              <a:t>return;</a:t>
+            </a:r>
+          </a:p>
+          <a:p>
+            <a:pPr marL="457200" lvl="1" indent="0">
+              <a:buNone/>
+            </a:pPr>
+            <a:r>
+              <a:rPr lang="en-US" i="1" dirty="0"/>
+              <a:t>Let's call this </a:t>
+            </a:r>
+            <a:r>
+              <a:rPr lang="en-US" b="1" i="1" dirty="0"/>
+              <a:t>reset</a:t>
+            </a:r>
+            <a:r>
+              <a:rPr lang="en-US" i="1" dirty="0"/>
+              <a:t>.</a:t>
+            </a:r>
+          </a:p>
+        </p:txBody>
+      </p:sp>
+      <p:sp>
+        <p:nvSpPr>
+          <p:cNvPr id="6" name="Footer Placeholder 6">
+            <a:extLst>
+              <a:ext uri="{FF2B5EF4-FFF2-40B4-BE49-F238E27FC236}">
+                <a16:creationId xmlns:a16="http://schemas.microsoft.com/office/drawing/2014/main" id="{3DE0478E-5451-4C85-8BA6-8C39E2FDD149}"/>
+              </a:ext>
+            </a:extLst>
+          </p:cNvPr>
+          <p:cNvSpPr>
+            <a:spLocks noGrp="1"/>
+          </p:cNvSpPr>
+          <p:nvPr>
+            <p:ph type="ftr" sz="quarter" idx="11"/>
+          </p:nvPr>
+        </p:nvSpPr>
+        <p:spPr>
+          <a:xfrm>
+            <a:off x="0" y="6356350"/>
+            <a:ext cx="12192000" cy="365125"/>
+          </a:xfrm>
+        </p:spPr>
+        <p:txBody>
+          <a:bodyPr/>
+          <a:lstStyle/>
+          <a:p>
+            <a:r>
+              <a:rPr lang="en-US" sz="2400" dirty="0">
+                <a:hlinkClick r:id="rId2"/>
+              </a:rPr>
+              <a:t>https://github.com/crhallberg/IMM120</a:t>
+            </a:r>
+            <a:r>
+              <a:rPr lang="en-US" sz="2400" dirty="0"/>
+              <a:t> : x1-Flappy Bird</a:t>
+            </a:r>
+          </a:p>
+        </p:txBody>
+      </p:sp>
+    </p:spTree>
+    <p:extLst>
+      <p:ext uri="{BB962C8B-B14F-4D97-AF65-F5344CB8AC3E}">
+        <p14:creationId xmlns:p14="http://schemas.microsoft.com/office/powerpoint/2010/main" val="379049661"/>
+      </p:ext>
+    </p:extLst>
+  </p:cSld>
+  <p:clrMapOvr>
+    <a:masterClrMapping/>
+  </p:clrMapOvr>
+</p:sld>
+</file>
+
+<file path=ppt/slides/slide16.xml><?xml version="1.0" encoding="utf-8"?>
+<p:sld xmlns:a="http://schemas.openxmlformats.org/drawingml/2006/main" xmlns:r="http://schemas.openxmlformats.org/officeDocument/2006/relationships" xmlns:p="http://schemas.openxmlformats.org/presentationml/2006/main">
+  <p:cSld>
+    <p:spTree>
+      <p:nvGrpSpPr>
+        <p:cNvPr id="1" name=""/>
+        <p:cNvGrpSpPr/>
+        <p:nvPr/>
+      </p:nvGrpSpPr>
+      <p:grpSpPr>
+        <a:xfrm>
+          <a:off x="0" y="0"/>
+          <a:ext cx="0" cy="0"/>
+          <a:chOff x="0" y="0"/>
+          <a:chExt cx="0" cy="0"/>
+        </a:xfrm>
+      </p:grpSpPr>
+      <p:sp>
+        <p:nvSpPr>
+          <p:cNvPr id="2" name="Title 1">
+            <a:extLst>
+              <a:ext uri="{FF2B5EF4-FFF2-40B4-BE49-F238E27FC236}">
+                <a16:creationId xmlns:a16="http://schemas.microsoft.com/office/drawing/2014/main" id="{A47542E5-FA27-4174-A329-E5B9E88A53F6}"/>
+              </a:ext>
+            </a:extLst>
+          </p:cNvPr>
+          <p:cNvSpPr>
+            <a:spLocks noGrp="1"/>
+          </p:cNvSpPr>
+          <p:nvPr>
+            <p:ph type="title"/>
+          </p:nvPr>
+        </p:nvSpPr>
+        <p:spPr/>
+        <p:txBody>
+          <a:bodyPr/>
+          <a:lstStyle/>
+          <a:p>
+            <a:r>
+              <a:rPr lang="en-US" dirty="0"/>
+              <a:t>Between the Lines</a:t>
+            </a:r>
+          </a:p>
+        </p:txBody>
+      </p:sp>
+      <p:sp>
+        <p:nvSpPr>
+          <p:cNvPr id="3" name="Content Placeholder 2">
+            <a:extLst>
+              <a:ext uri="{FF2B5EF4-FFF2-40B4-BE49-F238E27FC236}">
+                <a16:creationId xmlns:a16="http://schemas.microsoft.com/office/drawing/2014/main" id="{943735DC-4C38-44F4-B08D-7CB7A3941722}"/>
+              </a:ext>
+            </a:extLst>
+          </p:cNvPr>
+          <p:cNvSpPr>
+            <a:spLocks noGrp="1"/>
+          </p:cNvSpPr>
+          <p:nvPr>
+            <p:ph idx="1"/>
+          </p:nvPr>
+        </p:nvSpPr>
+        <p:spPr/>
+        <p:txBody>
+          <a:bodyPr/>
+          <a:lstStyle/>
+          <a:p>
+            <a:pPr marL="514350" indent="-514350">
+              <a:buFont typeface="+mj-lt"/>
+              <a:buAutoNum type="arabicPeriod"/>
+            </a:pPr>
+            <a:r>
+              <a:rPr lang="en-US" dirty="0"/>
+              <a:t>Make a variable for the top line, set it to a random number that's not too low.</a:t>
+            </a:r>
+          </a:p>
+          <a:p>
+            <a:pPr marL="514350" indent="-514350">
+              <a:buFont typeface="+mj-lt"/>
+              <a:buAutoNum type="arabicPeriod"/>
+            </a:pPr>
+            <a:r>
+              <a:rPr lang="en-US" dirty="0"/>
+              <a:t>Make a variable for the bottom line, set it to your top line plus a good gap, so we always have the same size window.</a:t>
+            </a:r>
+          </a:p>
+          <a:p>
+            <a:pPr marL="514350" indent="-514350">
+              <a:buFont typeface="+mj-lt"/>
+              <a:buAutoNum type="arabicPeriod"/>
+            </a:pPr>
+            <a:r>
+              <a:rPr lang="en-US" dirty="0"/>
+              <a:t>Draw the two lines horizontally.</a:t>
+            </a:r>
+          </a:p>
+          <a:p>
+            <a:pPr marL="514350" indent="-514350">
+              <a:buFont typeface="+mj-lt"/>
+              <a:buAutoNum type="arabicPeriod"/>
+            </a:pPr>
+            <a:r>
+              <a:rPr lang="en-US" dirty="0"/>
+              <a:t>If we fly above the top line, </a:t>
+            </a:r>
+            <a:r>
+              <a:rPr lang="en-US" b="1" i="1" dirty="0"/>
+              <a:t>reset</a:t>
+            </a:r>
+            <a:r>
+              <a:rPr lang="en-US" dirty="0"/>
+              <a:t>.</a:t>
+            </a:r>
+          </a:p>
+          <a:p>
+            <a:pPr marL="514350" indent="-514350">
+              <a:buFont typeface="+mj-lt"/>
+              <a:buAutoNum type="arabicPeriod"/>
+            </a:pPr>
+            <a:r>
+              <a:rPr lang="en-US" dirty="0"/>
+              <a:t>If we fall below the bottom line, </a:t>
+            </a:r>
+            <a:r>
+              <a:rPr lang="en-US" b="1" i="1" dirty="0"/>
+              <a:t>reset</a:t>
+            </a:r>
+            <a:r>
+              <a:rPr lang="en-US" dirty="0"/>
+              <a:t>.</a:t>
+            </a:r>
+          </a:p>
+          <a:p>
+            <a:pPr marL="514350" indent="-514350">
+              <a:buFont typeface="+mj-lt"/>
+              <a:buAutoNum type="arabicPeriod"/>
+            </a:pPr>
+            <a:endParaRPr lang="en-US" dirty="0"/>
+          </a:p>
+        </p:txBody>
+      </p:sp>
+      <p:sp>
+        <p:nvSpPr>
+          <p:cNvPr id="6" name="Footer Placeholder 6">
+            <a:extLst>
+              <a:ext uri="{FF2B5EF4-FFF2-40B4-BE49-F238E27FC236}">
+                <a16:creationId xmlns:a16="http://schemas.microsoft.com/office/drawing/2014/main" id="{4DB7D3CB-D836-422C-938D-C442E722D071}"/>
+              </a:ext>
+            </a:extLst>
+          </p:cNvPr>
+          <p:cNvSpPr>
+            <a:spLocks noGrp="1"/>
+          </p:cNvSpPr>
+          <p:nvPr>
+            <p:ph type="ftr" sz="quarter" idx="11"/>
+          </p:nvPr>
+        </p:nvSpPr>
+        <p:spPr>
+          <a:xfrm>
+            <a:off x="0" y="6356350"/>
+            <a:ext cx="12192000" cy="365125"/>
+          </a:xfrm>
+        </p:spPr>
+        <p:txBody>
+          <a:bodyPr/>
+          <a:lstStyle/>
+          <a:p>
+            <a:r>
+              <a:rPr lang="en-US" sz="2400" dirty="0">
+                <a:hlinkClick r:id="rId2"/>
+              </a:rPr>
+              <a:t>https://github.com/crhallberg/IMM120</a:t>
+            </a:r>
+            <a:r>
+              <a:rPr lang="en-US" sz="2400" dirty="0"/>
+              <a:t> : x1-Flappy Bird</a:t>
+            </a:r>
+          </a:p>
+        </p:txBody>
+      </p:sp>
+    </p:spTree>
+    <p:extLst>
+      <p:ext uri="{BB962C8B-B14F-4D97-AF65-F5344CB8AC3E}">
+        <p14:creationId xmlns:p14="http://schemas.microsoft.com/office/powerpoint/2010/main" val="1658897570"/>
+      </p:ext>
+    </p:extLst>
+  </p:cSld>
+  <p:clrMapOvr>
+    <a:masterClrMapping/>
+  </p:clrMapOvr>
+</p:sld>
+</file>
+
+<file path=ppt/slides/slide17.xml><?xml version="1.0" encoding="utf-8"?>
+<p:sld xmlns:a="http://schemas.openxmlformats.org/drawingml/2006/main" xmlns:r="http://schemas.openxmlformats.org/officeDocument/2006/relationships" xmlns:p="http://schemas.openxmlformats.org/presentationml/2006/main">
+  <p:cSld>
+    <p:spTree>
+      <p:nvGrpSpPr>
+        <p:cNvPr id="1" name=""/>
+        <p:cNvGrpSpPr/>
+        <p:nvPr/>
+      </p:nvGrpSpPr>
+      <p:grpSpPr>
+        <a:xfrm>
+          <a:off x="0" y="0"/>
+          <a:ext cx="0" cy="0"/>
+          <a:chOff x="0" y="0"/>
+          <a:chExt cx="0" cy="0"/>
+        </a:xfrm>
+      </p:grpSpPr>
+      <p:sp>
+        <p:nvSpPr>
+          <p:cNvPr id="2" name="Title 1">
+            <a:extLst>
+              <a:ext uri="{FF2B5EF4-FFF2-40B4-BE49-F238E27FC236}">
+                <a16:creationId xmlns:a16="http://schemas.microsoft.com/office/drawing/2014/main" id="{91E8B45B-83B3-43C3-8529-28CD01E1CC03}"/>
+              </a:ext>
+            </a:extLst>
+          </p:cNvPr>
+          <p:cNvSpPr>
+            <a:spLocks noGrp="1"/>
+          </p:cNvSpPr>
+          <p:nvPr>
+            <p:ph type="title"/>
+          </p:nvPr>
+        </p:nvSpPr>
+        <p:spPr/>
+        <p:txBody>
+          <a:bodyPr/>
+          <a:lstStyle/>
+          <a:p>
+            <a:r>
+              <a:rPr lang="en-US" dirty="0"/>
+              <a:t>The Approaching Pipe</a:t>
+            </a:r>
+          </a:p>
+        </p:txBody>
+      </p:sp>
+      <p:sp>
+        <p:nvSpPr>
+          <p:cNvPr id="3" name="Content Placeholder 2">
+            <a:extLst>
+              <a:ext uri="{FF2B5EF4-FFF2-40B4-BE49-F238E27FC236}">
+                <a16:creationId xmlns:a16="http://schemas.microsoft.com/office/drawing/2014/main" id="{A1BF19C9-C7F8-452B-91B2-68C1E38D5CC9}"/>
+              </a:ext>
+            </a:extLst>
+          </p:cNvPr>
+          <p:cNvSpPr>
+            <a:spLocks noGrp="1"/>
+          </p:cNvSpPr>
+          <p:nvPr>
+            <p:ph idx="1"/>
+          </p:nvPr>
+        </p:nvSpPr>
+        <p:spPr>
+          <a:xfrm>
+            <a:off x="838200" y="1825625"/>
+            <a:ext cx="10739907" cy="4351338"/>
+          </a:xfrm>
+        </p:spPr>
+        <p:txBody>
+          <a:bodyPr/>
+          <a:lstStyle/>
+          <a:p>
+            <a:pPr marL="514350" indent="-514350">
+              <a:buFont typeface="+mj-lt"/>
+              <a:buAutoNum type="arabicPeriod"/>
+            </a:pPr>
+            <a:r>
+              <a:rPr lang="en-US" dirty="0"/>
+              <a:t>Make a new variable for the x position of the approaching pipe, starting all the way to the right (width).</a:t>
+            </a:r>
+          </a:p>
+          <a:p>
+            <a:pPr marL="514350" indent="-514350">
+              <a:buFont typeface="+mj-lt"/>
+              <a:buAutoNum type="arabicPeriod"/>
+            </a:pPr>
+            <a:r>
+              <a:rPr lang="en-US" dirty="0"/>
+              <a:t>Draw the line vertically.</a:t>
+            </a:r>
+          </a:p>
+          <a:p>
+            <a:pPr marL="514350" indent="-514350">
+              <a:buFont typeface="+mj-lt"/>
+              <a:buAutoNum type="arabicPeriod"/>
+            </a:pPr>
+            <a:r>
+              <a:rPr lang="en-US" dirty="0"/>
+              <a:t>Subtract 1 from the pipe's position each frame to make it come left.</a:t>
+            </a:r>
+          </a:p>
+          <a:p>
+            <a:pPr marL="514350" indent="-514350">
+              <a:buFont typeface="+mj-lt"/>
+              <a:buAutoNum type="arabicPeriod"/>
+            </a:pPr>
+            <a:r>
+              <a:rPr lang="en-US" dirty="0"/>
+              <a:t>Only do the check for the top and bottom lines if the bird is to the right of this approaching line.</a:t>
+            </a:r>
+          </a:p>
+        </p:txBody>
+      </p:sp>
+      <p:sp>
+        <p:nvSpPr>
+          <p:cNvPr id="7" name="Footer Placeholder 6">
+            <a:extLst>
+              <a:ext uri="{FF2B5EF4-FFF2-40B4-BE49-F238E27FC236}">
+                <a16:creationId xmlns:a16="http://schemas.microsoft.com/office/drawing/2014/main" id="{030321C3-EF8D-4EFE-9271-20807B8A7381}"/>
+              </a:ext>
+            </a:extLst>
+          </p:cNvPr>
+          <p:cNvSpPr>
+            <a:spLocks noGrp="1"/>
+          </p:cNvSpPr>
+          <p:nvPr>
+            <p:ph type="ftr" sz="quarter" idx="11"/>
+          </p:nvPr>
+        </p:nvSpPr>
+        <p:spPr>
+          <a:xfrm>
+            <a:off x="0" y="6356350"/>
+            <a:ext cx="12192000" cy="365125"/>
+          </a:xfrm>
+        </p:spPr>
+        <p:txBody>
+          <a:bodyPr/>
+          <a:lstStyle/>
+          <a:p>
+            <a:r>
+              <a:rPr lang="en-US" sz="2400" dirty="0">
+                <a:hlinkClick r:id="rId2"/>
+              </a:rPr>
+              <a:t>https://github.com/crhallberg/IMM120</a:t>
+            </a:r>
+            <a:r>
+              <a:rPr lang="en-US" sz="2400" dirty="0"/>
+              <a:t> : x1-Flappy Bird</a:t>
+            </a:r>
+          </a:p>
+        </p:txBody>
+      </p:sp>
+    </p:spTree>
+    <p:extLst>
+      <p:ext uri="{BB962C8B-B14F-4D97-AF65-F5344CB8AC3E}">
+        <p14:creationId xmlns:p14="http://schemas.microsoft.com/office/powerpoint/2010/main" val="3264660039"/>
+      </p:ext>
+    </p:extLst>
+  </p:cSld>
+  <p:clrMapOvr>
+    <a:masterClrMapping/>
+  </p:clrMapOvr>
+</p:sld>
+</file>
+
+<file path=ppt/slides/slide18.xml><?xml version="1.0" encoding="utf-8"?>
+<p:sld xmlns:a="http://schemas.openxmlformats.org/drawingml/2006/main" xmlns:r="http://schemas.openxmlformats.org/officeDocument/2006/relationships" xmlns:p="http://schemas.openxmlformats.org/presentationml/2006/main">
+  <p:cSld>
+    <p:spTree>
+      <p:nvGrpSpPr>
+        <p:cNvPr id="1" name=""/>
+        <p:cNvGrpSpPr/>
+        <p:nvPr/>
+      </p:nvGrpSpPr>
+      <p:grpSpPr>
+        <a:xfrm>
+          <a:off x="0" y="0"/>
+          <a:ext cx="0" cy="0"/>
+          <a:chOff x="0" y="0"/>
+          <a:chExt cx="0" cy="0"/>
+        </a:xfrm>
+      </p:grpSpPr>
+      <p:sp>
+        <p:nvSpPr>
+          <p:cNvPr id="2" name="Title 1">
+            <a:extLst>
+              <a:ext uri="{FF2B5EF4-FFF2-40B4-BE49-F238E27FC236}">
+                <a16:creationId xmlns:a16="http://schemas.microsoft.com/office/drawing/2014/main" id="{9C921D94-FE19-4FEE-BBB9-0018B3A67A5B}"/>
+              </a:ext>
+            </a:extLst>
+          </p:cNvPr>
+          <p:cNvSpPr>
+            <a:spLocks noGrp="1"/>
+          </p:cNvSpPr>
+          <p:nvPr>
+            <p:ph type="title"/>
+          </p:nvPr>
+        </p:nvSpPr>
+        <p:spPr/>
+        <p:txBody>
+          <a:bodyPr/>
+          <a:lstStyle/>
+          <a:p>
+            <a:r>
+              <a:rPr lang="en-US" dirty="0"/>
+              <a:t>A Pause For Functions</a:t>
+            </a:r>
+          </a:p>
+        </p:txBody>
+      </p:sp>
+      <p:sp>
+        <p:nvSpPr>
+          <p:cNvPr id="5" name="Text Placeholder 4">
+            <a:extLst>
+              <a:ext uri="{FF2B5EF4-FFF2-40B4-BE49-F238E27FC236}">
+                <a16:creationId xmlns:a16="http://schemas.microsoft.com/office/drawing/2014/main" id="{C2A5EA9C-3946-44F8-9B4B-745D70AE22CC}"/>
+              </a:ext>
+            </a:extLst>
+          </p:cNvPr>
+          <p:cNvSpPr>
+            <a:spLocks noGrp="1"/>
+          </p:cNvSpPr>
+          <p:nvPr>
+            <p:ph type="body" idx="1"/>
+          </p:nvPr>
+        </p:nvSpPr>
+        <p:spPr/>
+        <p:txBody>
+          <a:bodyPr/>
+          <a:lstStyle/>
+          <a:p>
+            <a:r>
+              <a:rPr lang="en-US" dirty="0">
+                <a:hlinkClick r:id="rId2"/>
+              </a:rPr>
+              <a:t>https://codepen.io/crhallberg/pen/veNQJo</a:t>
+            </a:r>
+            <a:r>
+              <a:rPr lang="en-US" dirty="0"/>
+              <a:t> </a:t>
+            </a:r>
+          </a:p>
+        </p:txBody>
+      </p:sp>
+      <p:sp>
+        <p:nvSpPr>
+          <p:cNvPr id="6" name="Footer Placeholder 6">
+            <a:extLst>
+              <a:ext uri="{FF2B5EF4-FFF2-40B4-BE49-F238E27FC236}">
+                <a16:creationId xmlns:a16="http://schemas.microsoft.com/office/drawing/2014/main" id="{6B4CD2D2-F53B-4DFE-8A24-34C88FF4D4DB}"/>
+              </a:ext>
+            </a:extLst>
+          </p:cNvPr>
+          <p:cNvSpPr>
+            <a:spLocks noGrp="1"/>
+          </p:cNvSpPr>
+          <p:nvPr>
+            <p:ph type="ftr" sz="quarter" idx="11"/>
+          </p:nvPr>
+        </p:nvSpPr>
+        <p:spPr>
+          <a:xfrm>
+            <a:off x="0" y="6356350"/>
+            <a:ext cx="12192000" cy="365125"/>
+          </a:xfrm>
+        </p:spPr>
+        <p:txBody>
+          <a:bodyPr/>
+          <a:lstStyle/>
+          <a:p>
+            <a:r>
+              <a:rPr lang="en-US" sz="2400" dirty="0">
+                <a:hlinkClick r:id="rId3"/>
+              </a:rPr>
+              <a:t>https://github.com/crhallberg/IMM120</a:t>
+            </a:r>
+            <a:r>
+              <a:rPr lang="en-US" sz="2400" dirty="0"/>
+              <a:t> : x1-Flappy Bird</a:t>
+            </a:r>
+          </a:p>
+        </p:txBody>
+      </p:sp>
+    </p:spTree>
+    <p:extLst>
+      <p:ext uri="{BB962C8B-B14F-4D97-AF65-F5344CB8AC3E}">
+        <p14:creationId xmlns:p14="http://schemas.microsoft.com/office/powerpoint/2010/main" val="3350815259"/>
+      </p:ext>
+    </p:extLst>
+  </p:cSld>
+  <p:clrMapOvr>
+    <a:masterClrMapping/>
+  </p:clrMapOvr>
+</p:sld>
+</file>
+
+<file path=ppt/slides/slide19.xml><?xml version="1.0" encoding="utf-8"?>
+<p:sld xmlns:a="http://schemas.openxmlformats.org/drawingml/2006/main" xmlns:r="http://schemas.openxmlformats.org/officeDocument/2006/relationships" xmlns:p="http://schemas.openxmlformats.org/presentationml/2006/main">
+  <p:cSld>
+    <p:spTree>
+      <p:nvGrpSpPr>
+        <p:cNvPr id="1" name=""/>
+        <p:cNvGrpSpPr/>
+        <p:nvPr/>
+      </p:nvGrpSpPr>
+      <p:grpSpPr>
+        <a:xfrm>
+          <a:off x="0" y="0"/>
+          <a:ext cx="0" cy="0"/>
+          <a:chOff x="0" y="0"/>
+          <a:chExt cx="0" cy="0"/>
+        </a:xfrm>
+      </p:grpSpPr>
+      <p:sp>
+        <p:nvSpPr>
+          <p:cNvPr id="5" name="Title 4">
+            <a:extLst>
+              <a:ext uri="{FF2B5EF4-FFF2-40B4-BE49-F238E27FC236}">
+                <a16:creationId xmlns:a16="http://schemas.microsoft.com/office/drawing/2014/main" id="{4F766CBD-51F4-496A-82B4-98924B1A9B03}"/>
+              </a:ext>
+            </a:extLst>
+          </p:cNvPr>
+          <p:cNvSpPr>
+            <a:spLocks noGrp="1"/>
+          </p:cNvSpPr>
+          <p:nvPr>
+            <p:ph type="title"/>
+          </p:nvPr>
+        </p:nvSpPr>
+        <p:spPr/>
+        <p:txBody>
+          <a:bodyPr/>
+          <a:lstStyle/>
+          <a:p>
+            <a:r>
+              <a:rPr lang="en-US" dirty="0"/>
+              <a:t>Reset the Pipe</a:t>
+            </a:r>
+          </a:p>
+        </p:txBody>
+      </p:sp>
+      <p:sp>
+        <p:nvSpPr>
+          <p:cNvPr id="6" name="Content Placeholder 5">
+            <a:extLst>
+              <a:ext uri="{FF2B5EF4-FFF2-40B4-BE49-F238E27FC236}">
+                <a16:creationId xmlns:a16="http://schemas.microsoft.com/office/drawing/2014/main" id="{C00BFDBE-3418-4335-903A-BF30589E81F9}"/>
+              </a:ext>
+            </a:extLst>
+          </p:cNvPr>
+          <p:cNvSpPr>
+            <a:spLocks noGrp="1"/>
+          </p:cNvSpPr>
+          <p:nvPr>
+            <p:ph idx="1"/>
+          </p:nvPr>
+        </p:nvSpPr>
+        <p:spPr>
+          <a:xfrm>
+            <a:off x="838200" y="1825625"/>
+            <a:ext cx="11353800" cy="4351338"/>
+          </a:xfrm>
+        </p:spPr>
+        <p:txBody>
+          <a:bodyPr/>
+          <a:lstStyle/>
+          <a:p>
+            <a:pPr marL="0" indent="0">
+              <a:buNone/>
+            </a:pPr>
+            <a:r>
+              <a:rPr lang="en-US" dirty="0"/>
+              <a:t>To </a:t>
+            </a:r>
+            <a:r>
+              <a:rPr lang="en-US" b="1" i="1" dirty="0"/>
+              <a:t>reset the pipe</a:t>
+            </a:r>
+            <a:r>
+              <a:rPr lang="en-US" dirty="0"/>
+              <a:t> we want to:</a:t>
+            </a:r>
+          </a:p>
+          <a:p>
+            <a:pPr marL="971550" lvl="1" indent="-514350">
+              <a:buFont typeface="+mj-lt"/>
+              <a:buAutoNum type="arabicPeriod"/>
+            </a:pPr>
+            <a:r>
+              <a:rPr lang="en-US" dirty="0"/>
+              <a:t>Position to the far right side.</a:t>
+            </a:r>
+          </a:p>
+          <a:p>
+            <a:pPr marL="971550" lvl="1" indent="-514350">
+              <a:buFont typeface="+mj-lt"/>
+              <a:buAutoNum type="arabicPeriod"/>
+            </a:pPr>
+            <a:r>
+              <a:rPr lang="en-US" dirty="0"/>
+              <a:t>Pick a new top and bottom line value.</a:t>
+            </a:r>
+          </a:p>
+          <a:p>
+            <a:pPr marL="457200" lvl="1" indent="0">
+              <a:buNone/>
+            </a:pPr>
+            <a:r>
+              <a:rPr lang="en-US" i="1" dirty="0"/>
+              <a:t>You can do these in reset()</a:t>
+            </a:r>
+          </a:p>
+          <a:p>
+            <a:pPr marL="0" indent="0">
+              <a:buNone/>
+            </a:pPr>
+            <a:endParaRPr lang="en-US" dirty="0"/>
+          </a:p>
+          <a:p>
+            <a:pPr marL="514350" indent="-514350">
+              <a:buFont typeface="+mj-lt"/>
+              <a:buAutoNum type="arabicPeriod"/>
+            </a:pPr>
+            <a:r>
+              <a:rPr lang="en-US" dirty="0"/>
+              <a:t>If the pipe plus its width is off the left side of the screen, </a:t>
+            </a:r>
+            <a:r>
+              <a:rPr lang="en-US" b="1" dirty="0"/>
+              <a:t>reset the pipe</a:t>
+            </a:r>
+            <a:r>
+              <a:rPr lang="en-US" dirty="0"/>
+              <a:t>.</a:t>
+            </a:r>
+          </a:p>
+          <a:p>
+            <a:pPr marL="514350" indent="-514350">
+              <a:buFont typeface="+mj-lt"/>
+              <a:buAutoNum type="arabicPeriod"/>
+            </a:pPr>
+            <a:r>
+              <a:rPr lang="en-US" dirty="0"/>
+              <a:t>If we hit the pipe with the bird, </a:t>
+            </a:r>
+            <a:r>
+              <a:rPr lang="en-US" b="1" dirty="0"/>
+              <a:t>reset the pipe</a:t>
+            </a:r>
+            <a:r>
+              <a:rPr lang="en-US" dirty="0"/>
+              <a:t>.</a:t>
+            </a:r>
+          </a:p>
+          <a:p>
+            <a:pPr marL="514350" indent="-514350">
+              <a:buFont typeface="+mj-lt"/>
+              <a:buAutoNum type="arabicPeriod"/>
+            </a:pPr>
+            <a:endParaRPr lang="en-US" dirty="0"/>
+          </a:p>
+        </p:txBody>
+      </p:sp>
+      <p:sp>
+        <p:nvSpPr>
+          <p:cNvPr id="7" name="Footer Placeholder 6">
+            <a:extLst>
+              <a:ext uri="{FF2B5EF4-FFF2-40B4-BE49-F238E27FC236}">
+                <a16:creationId xmlns:a16="http://schemas.microsoft.com/office/drawing/2014/main" id="{4A18DB73-C7DB-4109-842E-46D443F7D625}"/>
+              </a:ext>
+            </a:extLst>
+          </p:cNvPr>
+          <p:cNvSpPr>
+            <a:spLocks noGrp="1"/>
+          </p:cNvSpPr>
+          <p:nvPr>
+            <p:ph type="ftr" sz="quarter" idx="11"/>
+          </p:nvPr>
+        </p:nvSpPr>
+        <p:spPr>
+          <a:xfrm>
+            <a:off x="0" y="6356350"/>
+            <a:ext cx="12192000" cy="365125"/>
+          </a:xfrm>
+        </p:spPr>
+        <p:txBody>
+          <a:bodyPr/>
+          <a:lstStyle/>
+          <a:p>
+            <a:r>
+              <a:rPr lang="en-US" sz="2400" dirty="0">
+                <a:hlinkClick r:id="rId2"/>
+              </a:rPr>
+              <a:t>https://github.com/crhallberg/IMM120</a:t>
+            </a:r>
+            <a:r>
+              <a:rPr lang="en-US" sz="2400" dirty="0"/>
+              <a:t> : x1-Flappy Bird</a:t>
+            </a:r>
+          </a:p>
+        </p:txBody>
+      </p:sp>
+    </p:spTree>
+    <p:extLst>
+      <p:ext uri="{BB962C8B-B14F-4D97-AF65-F5344CB8AC3E}">
+        <p14:creationId xmlns:p14="http://schemas.microsoft.com/office/powerpoint/2010/main" val="4075651558"/>
+      </p:ext>
+    </p:extLst>
+  </p:cSld>
+  <p:clrMapOvr>
+    <a:masterClrMapping/>
+  </p:clrMapOvr>
+</p:sld>
+</file>
+
 <file path=ppt/slides/slide2.xml><?xml version="1.0" encoding="utf-8"?>
 <p:sld xmlns:a="http://schemas.openxmlformats.org/drawingml/2006/main" xmlns:r="http://schemas.openxmlformats.org/officeDocument/2006/relationships" xmlns:p="http://schemas.openxmlformats.org/presentationml/2006/main">
   <p:cSld>
@@ -3254,6 +5194,1289 @@
     <p:extLst>
       <p:ext uri="{BB962C8B-B14F-4D97-AF65-F5344CB8AC3E}">
         <p14:creationId xmlns:p14="http://schemas.microsoft.com/office/powerpoint/2010/main" val="2653499100"/>
+      </p:ext>
+    </p:extLst>
+  </p:cSld>
+  <p:clrMapOvr>
+    <a:masterClrMapping/>
+  </p:clrMapOvr>
+</p:sld>
+</file>
+
+<file path=ppt/slides/slide20.xml><?xml version="1.0" encoding="utf-8"?>
+<p:sld xmlns:a="http://schemas.openxmlformats.org/drawingml/2006/main" xmlns:r="http://schemas.openxmlformats.org/officeDocument/2006/relationships" xmlns:p="http://schemas.openxmlformats.org/presentationml/2006/main">
+  <p:cSld>
+    <p:spTree>
+      <p:nvGrpSpPr>
+        <p:cNvPr id="1" name=""/>
+        <p:cNvGrpSpPr/>
+        <p:nvPr/>
+      </p:nvGrpSpPr>
+      <p:grpSpPr>
+        <a:xfrm>
+          <a:off x="0" y="0"/>
+          <a:ext cx="0" cy="0"/>
+          <a:chOff x="0" y="0"/>
+          <a:chExt cx="0" cy="0"/>
+        </a:xfrm>
+      </p:grpSpPr>
+      <p:sp>
+        <p:nvSpPr>
+          <p:cNvPr id="2" name="Title 1">
+            <a:extLst>
+              <a:ext uri="{FF2B5EF4-FFF2-40B4-BE49-F238E27FC236}">
+                <a16:creationId xmlns:a16="http://schemas.microsoft.com/office/drawing/2014/main" id="{135D7A06-BE55-4225-8393-19E5F66D00C8}"/>
+              </a:ext>
+            </a:extLst>
+          </p:cNvPr>
+          <p:cNvSpPr>
+            <a:spLocks noGrp="1"/>
+          </p:cNvSpPr>
+          <p:nvPr>
+            <p:ph type="title"/>
+          </p:nvPr>
+        </p:nvSpPr>
+        <p:spPr/>
+        <p:txBody>
+          <a:bodyPr/>
+          <a:lstStyle/>
+          <a:p>
+            <a:r>
+              <a:rPr lang="en-US" dirty="0"/>
+              <a:t>The Back of the Pipe</a:t>
+            </a:r>
+          </a:p>
+        </p:txBody>
+      </p:sp>
+      <p:sp>
+        <p:nvSpPr>
+          <p:cNvPr id="3" name="Content Placeholder 2">
+            <a:extLst>
+              <a:ext uri="{FF2B5EF4-FFF2-40B4-BE49-F238E27FC236}">
+                <a16:creationId xmlns:a16="http://schemas.microsoft.com/office/drawing/2014/main" id="{E9635EEF-918E-412A-89E1-926339243C8B}"/>
+              </a:ext>
+            </a:extLst>
+          </p:cNvPr>
+          <p:cNvSpPr>
+            <a:spLocks noGrp="1"/>
+          </p:cNvSpPr>
+          <p:nvPr>
+            <p:ph idx="1"/>
+          </p:nvPr>
+        </p:nvSpPr>
+        <p:spPr/>
+        <p:txBody>
+          <a:bodyPr/>
+          <a:lstStyle/>
+          <a:p>
+            <a:pPr marL="514350" indent="-514350">
+              <a:buFont typeface="+mj-lt"/>
+              <a:buAutoNum type="arabicPeriod"/>
+            </a:pPr>
+            <a:r>
+              <a:rPr lang="en-US" dirty="0"/>
+              <a:t>Make a new variable for the width of the pipe.</a:t>
+            </a:r>
+          </a:p>
+          <a:p>
+            <a:pPr marL="514350" indent="-514350">
+              <a:buFont typeface="+mj-lt"/>
+              <a:buAutoNum type="arabicPeriod"/>
+            </a:pPr>
+            <a:r>
+              <a:rPr lang="en-US" dirty="0"/>
+              <a:t>Add to our approaching pipe check to make sure we're to the left of our pipe plus its width.</a:t>
+            </a:r>
+          </a:p>
+          <a:p>
+            <a:endParaRPr lang="en-US" dirty="0"/>
+          </a:p>
+        </p:txBody>
+      </p:sp>
+      <p:sp>
+        <p:nvSpPr>
+          <p:cNvPr id="5" name="Footer Placeholder 6">
+            <a:extLst>
+              <a:ext uri="{FF2B5EF4-FFF2-40B4-BE49-F238E27FC236}">
+                <a16:creationId xmlns:a16="http://schemas.microsoft.com/office/drawing/2014/main" id="{8B425A12-A9D7-49BF-8F41-40AFF40C7A6F}"/>
+              </a:ext>
+            </a:extLst>
+          </p:cNvPr>
+          <p:cNvSpPr>
+            <a:spLocks noGrp="1"/>
+          </p:cNvSpPr>
+          <p:nvPr>
+            <p:ph type="ftr" sz="quarter" idx="11"/>
+          </p:nvPr>
+        </p:nvSpPr>
+        <p:spPr>
+          <a:xfrm>
+            <a:off x="0" y="6356350"/>
+            <a:ext cx="12192000" cy="365125"/>
+          </a:xfrm>
+        </p:spPr>
+        <p:txBody>
+          <a:bodyPr/>
+          <a:lstStyle/>
+          <a:p>
+            <a:r>
+              <a:rPr lang="en-US" sz="2400" dirty="0">
+                <a:hlinkClick r:id="rId2"/>
+              </a:rPr>
+              <a:t>https://github.com/crhallberg/IMM120</a:t>
+            </a:r>
+            <a:r>
+              <a:rPr lang="en-US" sz="2400" dirty="0"/>
+              <a:t> : x1-Flappy Bird</a:t>
+            </a:r>
+          </a:p>
+        </p:txBody>
+      </p:sp>
+    </p:spTree>
+    <p:extLst>
+      <p:ext uri="{BB962C8B-B14F-4D97-AF65-F5344CB8AC3E}">
+        <p14:creationId xmlns:p14="http://schemas.microsoft.com/office/powerpoint/2010/main" val="1700748243"/>
+      </p:ext>
+    </p:extLst>
+  </p:cSld>
+  <p:clrMapOvr>
+    <a:masterClrMapping/>
+  </p:clrMapOvr>
+</p:sld>
+</file>
+
+<file path=ppt/slides/slide21.xml><?xml version="1.0" encoding="utf-8"?>
+<p:sld xmlns:a="http://schemas.openxmlformats.org/drawingml/2006/main" xmlns:r="http://schemas.openxmlformats.org/officeDocument/2006/relationships" xmlns:p="http://schemas.openxmlformats.org/presentationml/2006/main">
+  <p:cSld>
+    <p:spTree>
+      <p:nvGrpSpPr>
+        <p:cNvPr id="1" name=""/>
+        <p:cNvGrpSpPr/>
+        <p:nvPr/>
+      </p:nvGrpSpPr>
+      <p:grpSpPr>
+        <a:xfrm>
+          <a:off x="0" y="0"/>
+          <a:ext cx="0" cy="0"/>
+          <a:chOff x="0" y="0"/>
+          <a:chExt cx="0" cy="0"/>
+        </a:xfrm>
+      </p:grpSpPr>
+      <p:sp>
+        <p:nvSpPr>
+          <p:cNvPr id="2" name="Title 1">
+            <a:extLst>
+              <a:ext uri="{FF2B5EF4-FFF2-40B4-BE49-F238E27FC236}">
+                <a16:creationId xmlns:a16="http://schemas.microsoft.com/office/drawing/2014/main" id="{761B8199-D561-405B-A1D1-65983BEE2A94}"/>
+              </a:ext>
+            </a:extLst>
+          </p:cNvPr>
+          <p:cNvSpPr>
+            <a:spLocks noGrp="1"/>
+          </p:cNvSpPr>
+          <p:nvPr>
+            <p:ph type="title"/>
+          </p:nvPr>
+        </p:nvSpPr>
+        <p:spPr/>
+        <p:txBody>
+          <a:bodyPr/>
+          <a:lstStyle/>
+          <a:p>
+            <a:r>
+              <a:rPr lang="en-US" dirty="0"/>
+              <a:t>Boolean Sentences</a:t>
+            </a:r>
+          </a:p>
+        </p:txBody>
+      </p:sp>
+      <p:sp>
+        <p:nvSpPr>
+          <p:cNvPr id="3" name="Content Placeholder 2">
+            <a:extLst>
+              <a:ext uri="{FF2B5EF4-FFF2-40B4-BE49-F238E27FC236}">
+                <a16:creationId xmlns:a16="http://schemas.microsoft.com/office/drawing/2014/main" id="{96916C60-7D26-4C63-8DDF-5CF43AD179EA}"/>
+              </a:ext>
+            </a:extLst>
+          </p:cNvPr>
+          <p:cNvSpPr>
+            <a:spLocks noGrp="1"/>
+          </p:cNvSpPr>
+          <p:nvPr>
+            <p:ph type="body" idx="1"/>
+          </p:nvPr>
+        </p:nvSpPr>
+        <p:spPr>
+          <a:xfrm>
+            <a:off x="0" y="4589463"/>
+            <a:ext cx="12192000" cy="1500187"/>
+          </a:xfrm>
+        </p:spPr>
+        <p:txBody>
+          <a:bodyPr>
+            <a:normAutofit/>
+          </a:bodyPr>
+          <a:lstStyle/>
+          <a:p>
+            <a:pPr marL="0" indent="0" algn="ctr">
+              <a:buNone/>
+            </a:pPr>
+            <a:r>
+              <a:rPr lang="en-US" dirty="0"/>
+              <a:t>“if we're to the right of the approaching pipe and to the left of the pipe plus its width”</a:t>
+            </a:r>
+          </a:p>
+        </p:txBody>
+      </p:sp>
+      <p:sp>
+        <p:nvSpPr>
+          <p:cNvPr id="5" name="Footer Placeholder 6">
+            <a:extLst>
+              <a:ext uri="{FF2B5EF4-FFF2-40B4-BE49-F238E27FC236}">
+                <a16:creationId xmlns:a16="http://schemas.microsoft.com/office/drawing/2014/main" id="{FDEF0EAB-BEA9-4F7A-A1F7-503C5C9AEDD2}"/>
+              </a:ext>
+            </a:extLst>
+          </p:cNvPr>
+          <p:cNvSpPr>
+            <a:spLocks noGrp="1"/>
+          </p:cNvSpPr>
+          <p:nvPr>
+            <p:ph type="ftr" sz="quarter" idx="11"/>
+          </p:nvPr>
+        </p:nvSpPr>
+        <p:spPr>
+          <a:xfrm>
+            <a:off x="0" y="6356350"/>
+            <a:ext cx="12192000" cy="365125"/>
+          </a:xfrm>
+        </p:spPr>
+        <p:txBody>
+          <a:bodyPr/>
+          <a:lstStyle/>
+          <a:p>
+            <a:r>
+              <a:rPr lang="en-US" sz="2400" dirty="0">
+                <a:hlinkClick r:id="rId2"/>
+              </a:rPr>
+              <a:t>https://github.com/crhallberg/IMM120</a:t>
+            </a:r>
+            <a:r>
+              <a:rPr lang="en-US" sz="2400" dirty="0"/>
+              <a:t> : x1-Flappy Bird</a:t>
+            </a:r>
+          </a:p>
+        </p:txBody>
+      </p:sp>
+    </p:spTree>
+    <p:extLst>
+      <p:ext uri="{BB962C8B-B14F-4D97-AF65-F5344CB8AC3E}">
+        <p14:creationId xmlns:p14="http://schemas.microsoft.com/office/powerpoint/2010/main" val="1386990262"/>
+      </p:ext>
+    </p:extLst>
+  </p:cSld>
+  <p:clrMapOvr>
+    <a:masterClrMapping/>
+  </p:clrMapOvr>
+</p:sld>
+</file>
+
+<file path=ppt/slides/slide22.xml><?xml version="1.0" encoding="utf-8"?>
+<p:sld xmlns:a="http://schemas.openxmlformats.org/drawingml/2006/main" xmlns:r="http://schemas.openxmlformats.org/officeDocument/2006/relationships" xmlns:p="http://schemas.openxmlformats.org/presentationml/2006/main">
+  <p:cSld>
+    <p:spTree>
+      <p:nvGrpSpPr>
+        <p:cNvPr id="1" name=""/>
+        <p:cNvGrpSpPr/>
+        <p:nvPr/>
+      </p:nvGrpSpPr>
+      <p:grpSpPr>
+        <a:xfrm>
+          <a:off x="0" y="0"/>
+          <a:ext cx="0" cy="0"/>
+          <a:chOff x="0" y="0"/>
+          <a:chExt cx="0" cy="0"/>
+        </a:xfrm>
+      </p:grpSpPr>
+      <p:sp>
+        <p:nvSpPr>
+          <p:cNvPr id="2" name="Title 1">
+            <a:extLst>
+              <a:ext uri="{FF2B5EF4-FFF2-40B4-BE49-F238E27FC236}">
+                <a16:creationId xmlns:a16="http://schemas.microsoft.com/office/drawing/2014/main" id="{27E879EF-A815-438B-B8C7-EB69B09DF7CA}"/>
+              </a:ext>
+            </a:extLst>
+          </p:cNvPr>
+          <p:cNvSpPr>
+            <a:spLocks noGrp="1"/>
+          </p:cNvSpPr>
+          <p:nvPr>
+            <p:ph type="title"/>
+          </p:nvPr>
+        </p:nvSpPr>
+        <p:spPr/>
+        <p:txBody>
+          <a:bodyPr/>
+          <a:lstStyle/>
+          <a:p>
+            <a:r>
+              <a:rPr lang="en-US" dirty="0"/>
+              <a:t>&amp;&amp;</a:t>
+            </a:r>
+            <a:r>
+              <a:rPr lang="en-US" b="1" dirty="0"/>
+              <a:t> (Boolean AND)</a:t>
+            </a:r>
+          </a:p>
+        </p:txBody>
+      </p:sp>
+      <p:graphicFrame>
+        <p:nvGraphicFramePr>
+          <p:cNvPr id="5" name="Content Placeholder 4">
+            <a:extLst>
+              <a:ext uri="{FF2B5EF4-FFF2-40B4-BE49-F238E27FC236}">
+                <a16:creationId xmlns:a16="http://schemas.microsoft.com/office/drawing/2014/main" id="{C9124A6B-0767-4AC9-873B-068D21595F21}"/>
+              </a:ext>
+            </a:extLst>
+          </p:cNvPr>
+          <p:cNvGraphicFramePr>
+            <a:graphicFrameLocks noGrp="1"/>
+          </p:cNvGraphicFramePr>
+          <p:nvPr>
+            <p:ph idx="1"/>
+            <p:extLst>
+              <p:ext uri="{D42A27DB-BD31-4B8C-83A1-F6EECF244321}">
+                <p14:modId xmlns:p14="http://schemas.microsoft.com/office/powerpoint/2010/main" val="4017544562"/>
+              </p:ext>
+            </p:extLst>
+          </p:nvPr>
+        </p:nvGraphicFramePr>
+        <p:xfrm>
+          <a:off x="838200" y="2871990"/>
+          <a:ext cx="10515600" cy="3284110"/>
+        </p:xfrm>
+        <a:graphic>
+          <a:graphicData uri="http://schemas.openxmlformats.org/drawingml/2006/table">
+            <a:tbl>
+              <a:tblPr firstRow="1">
+                <a:tableStyleId>{5940675A-B579-460E-94D1-54222C63F5DA}</a:tableStyleId>
+              </a:tblPr>
+              <a:tblGrid>
+                <a:gridCol w="3505200">
+                  <a:extLst>
+                    <a:ext uri="{9D8B030D-6E8A-4147-A177-3AD203B41FA5}">
+                      <a16:colId xmlns:a16="http://schemas.microsoft.com/office/drawing/2014/main" val="386009788"/>
+                    </a:ext>
+                  </a:extLst>
+                </a:gridCol>
+                <a:gridCol w="3505200">
+                  <a:extLst>
+                    <a:ext uri="{9D8B030D-6E8A-4147-A177-3AD203B41FA5}">
+                      <a16:colId xmlns:a16="http://schemas.microsoft.com/office/drawing/2014/main" val="3362634379"/>
+                    </a:ext>
+                  </a:extLst>
+                </a:gridCol>
+                <a:gridCol w="3505200">
+                  <a:extLst>
+                    <a:ext uri="{9D8B030D-6E8A-4147-A177-3AD203B41FA5}">
+                      <a16:colId xmlns:a16="http://schemas.microsoft.com/office/drawing/2014/main" val="4225622323"/>
+                    </a:ext>
+                  </a:extLst>
+                </a:gridCol>
+              </a:tblGrid>
+              <a:tr h="656822">
+                <a:tc>
+                  <a:txBody>
+                    <a:bodyPr/>
+                    <a:lstStyle/>
+                    <a:p>
+                      <a:r>
+                        <a:rPr lang="en-US" sz="1800" b="1" i="1" kern="1200" dirty="0">
+                          <a:solidFill>
+                            <a:schemeClr val="tx1"/>
+                          </a:solidFill>
+                          <a:effectLst/>
+                          <a:latin typeface="+mn-lt"/>
+                          <a:ea typeface="+mn-ea"/>
+                          <a:cs typeface="+mn-cs"/>
+                        </a:rPr>
+                        <a:t>"Sentence"</a:t>
+                      </a:r>
+                    </a:p>
+                  </a:txBody>
+                  <a:tcPr marL="123825" marR="123825" marT="57150" marB="57150" anchor="ctr"/>
+                </a:tc>
+                <a:tc>
+                  <a:txBody>
+                    <a:bodyPr/>
+                    <a:lstStyle/>
+                    <a:p>
+                      <a:r>
+                        <a:rPr lang="en-US" sz="1800" b="1" i="1" kern="1200">
+                          <a:solidFill>
+                            <a:schemeClr val="tx1"/>
+                          </a:solidFill>
+                          <a:effectLst/>
+                          <a:latin typeface="+mn-lt"/>
+                          <a:ea typeface="+mn-ea"/>
+                          <a:cs typeface="+mn-cs"/>
+                        </a:rPr>
+                        <a:t>Resolves to</a:t>
+                      </a:r>
+                    </a:p>
+                  </a:txBody>
+                  <a:tcPr marL="123825" marR="123825" marT="57150" marB="57150" anchor="ctr"/>
+                </a:tc>
+                <a:tc>
+                  <a:txBody>
+                    <a:bodyPr/>
+                    <a:lstStyle/>
+                    <a:p>
+                      <a:r>
+                        <a:rPr lang="en-US" sz="1800" b="1" i="1" kern="1200" dirty="0">
+                          <a:solidFill>
+                            <a:schemeClr val="tx1"/>
+                          </a:solidFill>
+                          <a:effectLst/>
+                          <a:latin typeface="+mn-lt"/>
+                          <a:ea typeface="+mn-ea"/>
+                          <a:cs typeface="+mn-cs"/>
+                        </a:rPr>
+                        <a:t>"Sentence" Result</a:t>
+                      </a:r>
+                    </a:p>
+                  </a:txBody>
+                  <a:tcPr marL="123825" marR="123825" marT="57150" marB="57150" anchor="ctr"/>
+                </a:tc>
+                <a:extLst>
+                  <a:ext uri="{0D108BD9-81ED-4DB2-BD59-A6C34878D82A}">
+                    <a16:rowId xmlns:a16="http://schemas.microsoft.com/office/drawing/2014/main" val="102774629"/>
+                  </a:ext>
+                </a:extLst>
+              </a:tr>
+              <a:tr h="656822">
+                <a:tc>
+                  <a:txBody>
+                    <a:bodyPr/>
+                    <a:lstStyle/>
+                    <a:p>
+                      <a:r>
+                        <a:rPr lang="en-US" sz="1800" b="1" i="1" kern="1200" dirty="0">
+                          <a:solidFill>
+                            <a:schemeClr val="tx1"/>
+                          </a:solidFill>
+                          <a:effectLst/>
+                          <a:latin typeface="+mn-lt"/>
+                          <a:ea typeface="+mn-ea"/>
+                          <a:cs typeface="+mn-cs"/>
+                        </a:rPr>
+                        <a:t>4 &lt; 5 </a:t>
+                      </a:r>
+                      <a:r>
+                        <a:rPr lang="en-US" dirty="0">
+                          <a:effectLst/>
+                        </a:rPr>
+                        <a:t>&amp;&amp; </a:t>
+                      </a:r>
+                      <a:r>
+                        <a:rPr lang="en-US" sz="1800" b="1" i="1" kern="1200" dirty="0">
+                          <a:solidFill>
+                            <a:schemeClr val="tx1"/>
+                          </a:solidFill>
+                          <a:effectLst/>
+                          <a:latin typeface="+mn-lt"/>
+                          <a:ea typeface="+mn-ea"/>
+                          <a:cs typeface="+mn-cs"/>
+                        </a:rPr>
+                        <a:t>10 &gt; 6</a:t>
+                      </a:r>
+                    </a:p>
+                  </a:txBody>
+                  <a:tcPr marL="123825" marR="123825" marT="57150" marB="57150" anchor="ctr"/>
+                </a:tc>
+                <a:tc>
+                  <a:txBody>
+                    <a:bodyPr/>
+                    <a:lstStyle/>
+                    <a:p>
+                      <a:r>
+                        <a:rPr lang="en-US" sz="1800" b="1" i="1" kern="1200" dirty="0">
+                          <a:solidFill>
+                            <a:schemeClr val="tx1"/>
+                          </a:solidFill>
+                          <a:effectLst/>
+                          <a:latin typeface="+mn-lt"/>
+                          <a:ea typeface="+mn-ea"/>
+                          <a:cs typeface="+mn-cs"/>
+                        </a:rPr>
+                        <a:t>true</a:t>
+                      </a:r>
+                      <a:r>
+                        <a:rPr lang="en-US" dirty="0">
+                          <a:effectLst/>
+                        </a:rPr>
+                        <a:t> and </a:t>
+                      </a:r>
+                      <a:r>
+                        <a:rPr lang="en-US" b="1" i="1" dirty="0">
+                          <a:effectLst/>
+                        </a:rPr>
+                        <a:t>true</a:t>
+                      </a:r>
+                    </a:p>
+                  </a:txBody>
+                  <a:tcPr marL="123825" marR="123825" marT="57150" marB="57150" anchor="ctr"/>
+                </a:tc>
+                <a:tc>
+                  <a:txBody>
+                    <a:bodyPr/>
+                    <a:lstStyle/>
+                    <a:p>
+                      <a:r>
+                        <a:rPr lang="en-US" sz="1800" b="1" i="1" kern="1200" dirty="0">
+                          <a:solidFill>
+                            <a:schemeClr val="tx1"/>
+                          </a:solidFill>
+                          <a:effectLst/>
+                          <a:latin typeface="+mn-lt"/>
+                          <a:ea typeface="+mn-ea"/>
+                          <a:cs typeface="+mn-cs"/>
+                        </a:rPr>
+                        <a:t>true</a:t>
+                      </a:r>
+                    </a:p>
+                  </a:txBody>
+                  <a:tcPr marL="123825" marR="123825" marT="57150" marB="57150" anchor="ctr"/>
+                </a:tc>
+                <a:extLst>
+                  <a:ext uri="{0D108BD9-81ED-4DB2-BD59-A6C34878D82A}">
+                    <a16:rowId xmlns:a16="http://schemas.microsoft.com/office/drawing/2014/main" val="445696790"/>
+                  </a:ext>
+                </a:extLst>
+              </a:tr>
+              <a:tr h="656822">
+                <a:tc>
+                  <a:txBody>
+                    <a:bodyPr/>
+                    <a:lstStyle/>
+                    <a:p>
+                      <a:r>
+                        <a:rPr lang="en-US" sz="1800" b="1" i="1" kern="1200" dirty="0">
+                          <a:solidFill>
+                            <a:schemeClr val="tx1"/>
+                          </a:solidFill>
+                          <a:effectLst/>
+                          <a:latin typeface="+mn-lt"/>
+                          <a:ea typeface="+mn-ea"/>
+                          <a:cs typeface="+mn-cs"/>
+                        </a:rPr>
+                        <a:t>4 &lt; 5 </a:t>
+                      </a:r>
+                      <a:r>
+                        <a:rPr lang="en-US" dirty="0">
+                          <a:effectLst/>
+                        </a:rPr>
+                        <a:t>&amp;&amp; 10 &gt; 60</a:t>
+                      </a:r>
+                    </a:p>
+                  </a:txBody>
+                  <a:tcPr marL="123825" marR="123825" marT="57150" marB="57150" anchor="ctr"/>
+                </a:tc>
+                <a:tc>
+                  <a:txBody>
+                    <a:bodyPr/>
+                    <a:lstStyle/>
+                    <a:p>
+                      <a:r>
+                        <a:rPr lang="en-US" sz="1800" b="1" i="1" kern="1200" dirty="0">
+                          <a:solidFill>
+                            <a:schemeClr val="tx1"/>
+                          </a:solidFill>
+                          <a:effectLst/>
+                          <a:latin typeface="+mn-lt"/>
+                          <a:ea typeface="+mn-ea"/>
+                          <a:cs typeface="+mn-cs"/>
+                        </a:rPr>
+                        <a:t>true</a:t>
+                      </a:r>
+                      <a:r>
+                        <a:rPr lang="en-US" dirty="0">
+                          <a:effectLst/>
+                        </a:rPr>
+                        <a:t> and false</a:t>
+                      </a:r>
+                    </a:p>
+                  </a:txBody>
+                  <a:tcPr marL="123825" marR="123825" marT="57150" marB="57150" anchor="ctr"/>
+                </a:tc>
+                <a:tc>
+                  <a:txBody>
+                    <a:bodyPr/>
+                    <a:lstStyle/>
+                    <a:p>
+                      <a:r>
+                        <a:rPr lang="en-US">
+                          <a:effectLst/>
+                        </a:rPr>
+                        <a:t>false</a:t>
+                      </a:r>
+                    </a:p>
+                  </a:txBody>
+                  <a:tcPr marL="123825" marR="123825" marT="57150" marB="57150" anchor="ctr"/>
+                </a:tc>
+                <a:extLst>
+                  <a:ext uri="{0D108BD9-81ED-4DB2-BD59-A6C34878D82A}">
+                    <a16:rowId xmlns:a16="http://schemas.microsoft.com/office/drawing/2014/main" val="1346828254"/>
+                  </a:ext>
+                </a:extLst>
+              </a:tr>
+              <a:tr h="656822">
+                <a:tc>
+                  <a:txBody>
+                    <a:bodyPr/>
+                    <a:lstStyle/>
+                    <a:p>
+                      <a:r>
+                        <a:rPr lang="en-US" dirty="0">
+                          <a:effectLst/>
+                        </a:rPr>
+                        <a:t>14 &lt; 5 &amp;&amp; </a:t>
+                      </a:r>
+                      <a:r>
+                        <a:rPr lang="en-US" sz="1800" b="1" i="1" kern="1200" dirty="0">
+                          <a:solidFill>
+                            <a:schemeClr val="tx1"/>
+                          </a:solidFill>
+                          <a:effectLst/>
+                          <a:latin typeface="+mn-lt"/>
+                          <a:ea typeface="+mn-ea"/>
+                          <a:cs typeface="+mn-cs"/>
+                        </a:rPr>
+                        <a:t>10 &gt; 6</a:t>
+                      </a:r>
+                    </a:p>
+                  </a:txBody>
+                  <a:tcPr marL="123825" marR="123825" marT="57150" marB="57150" anchor="ctr"/>
+                </a:tc>
+                <a:tc>
+                  <a:txBody>
+                    <a:bodyPr/>
+                    <a:lstStyle/>
+                    <a:p>
+                      <a:r>
+                        <a:rPr lang="en-US" dirty="0">
+                          <a:effectLst/>
+                        </a:rPr>
+                        <a:t>false and </a:t>
+                      </a:r>
+                      <a:r>
+                        <a:rPr lang="en-US" sz="1800" b="1" i="1" kern="1200" dirty="0">
+                          <a:solidFill>
+                            <a:schemeClr val="tx1"/>
+                          </a:solidFill>
+                          <a:effectLst/>
+                          <a:latin typeface="+mn-lt"/>
+                          <a:ea typeface="+mn-ea"/>
+                          <a:cs typeface="+mn-cs"/>
+                        </a:rPr>
+                        <a:t>true</a:t>
+                      </a:r>
+                    </a:p>
+                  </a:txBody>
+                  <a:tcPr marL="123825" marR="123825" marT="57150" marB="57150" anchor="ctr"/>
+                </a:tc>
+                <a:tc>
+                  <a:txBody>
+                    <a:bodyPr/>
+                    <a:lstStyle/>
+                    <a:p>
+                      <a:r>
+                        <a:rPr lang="en-US">
+                          <a:effectLst/>
+                        </a:rPr>
+                        <a:t>false</a:t>
+                      </a:r>
+                    </a:p>
+                  </a:txBody>
+                  <a:tcPr marL="123825" marR="123825" marT="57150" marB="57150" anchor="ctr"/>
+                </a:tc>
+                <a:extLst>
+                  <a:ext uri="{0D108BD9-81ED-4DB2-BD59-A6C34878D82A}">
+                    <a16:rowId xmlns:a16="http://schemas.microsoft.com/office/drawing/2014/main" val="2083080054"/>
+                  </a:ext>
+                </a:extLst>
+              </a:tr>
+              <a:tr h="656822">
+                <a:tc>
+                  <a:txBody>
+                    <a:bodyPr/>
+                    <a:lstStyle/>
+                    <a:p>
+                      <a:r>
+                        <a:rPr lang="en-US" dirty="0">
+                          <a:effectLst/>
+                        </a:rPr>
+                        <a:t>40 &lt; 5 &amp;&amp; 10 &gt; 16</a:t>
+                      </a:r>
+                    </a:p>
+                  </a:txBody>
+                  <a:tcPr marL="123825" marR="123825" marT="57150" marB="57150" anchor="ctr"/>
+                </a:tc>
+                <a:tc>
+                  <a:txBody>
+                    <a:bodyPr/>
+                    <a:lstStyle/>
+                    <a:p>
+                      <a:r>
+                        <a:rPr lang="en-US">
+                          <a:effectLst/>
+                        </a:rPr>
+                        <a:t>false and false</a:t>
+                      </a:r>
+                    </a:p>
+                  </a:txBody>
+                  <a:tcPr marL="123825" marR="123825" marT="57150" marB="57150" anchor="ctr"/>
+                </a:tc>
+                <a:tc>
+                  <a:txBody>
+                    <a:bodyPr/>
+                    <a:lstStyle/>
+                    <a:p>
+                      <a:r>
+                        <a:rPr lang="en-US" dirty="0">
+                          <a:effectLst/>
+                        </a:rPr>
+                        <a:t>false</a:t>
+                      </a:r>
+                    </a:p>
+                  </a:txBody>
+                  <a:tcPr marL="123825" marR="123825" marT="57150" marB="57150" anchor="ctr"/>
+                </a:tc>
+                <a:extLst>
+                  <a:ext uri="{0D108BD9-81ED-4DB2-BD59-A6C34878D82A}">
+                    <a16:rowId xmlns:a16="http://schemas.microsoft.com/office/drawing/2014/main" val="2155180496"/>
+                  </a:ext>
+                </a:extLst>
+              </a:tr>
+            </a:tbl>
+          </a:graphicData>
+        </a:graphic>
+      </p:graphicFrame>
+      <p:sp>
+        <p:nvSpPr>
+          <p:cNvPr id="7" name="Content Placeholder 2">
+            <a:extLst>
+              <a:ext uri="{FF2B5EF4-FFF2-40B4-BE49-F238E27FC236}">
+                <a16:creationId xmlns:a16="http://schemas.microsoft.com/office/drawing/2014/main" id="{8DCC33B1-5284-48B4-9777-29FA4ABB09BE}"/>
+              </a:ext>
+            </a:extLst>
+          </p:cNvPr>
+          <p:cNvSpPr txBox="1">
+            <a:spLocks/>
+          </p:cNvSpPr>
+          <p:nvPr/>
+        </p:nvSpPr>
+        <p:spPr>
+          <a:xfrm>
+            <a:off x="838200" y="1825625"/>
+            <a:ext cx="10515600" cy="1046364"/>
+          </a:xfrm>
+          <a:prstGeom prst="rect">
+            <a:avLst/>
+          </a:prstGeom>
+        </p:spPr>
+        <p:txBody>
+          <a:bodyPr vert="horz" lIns="91440" tIns="45720" rIns="91440" bIns="45720" rtlCol="0">
+            <a:normAutofit/>
+          </a:bodyPr>
+          <a:lstStyle>
+            <a:lvl1pPr marL="228600" indent="-228600" algn="l" defTabSz="914400" rtl="0" eaLnBrk="1" latinLnBrk="0" hangingPunct="1">
+              <a:lnSpc>
+                <a:spcPct val="90000"/>
+              </a:lnSpc>
+              <a:spcBef>
+                <a:spcPts val="1000"/>
+              </a:spcBef>
+              <a:buFont typeface="Arial" panose="020B0604020202020204" pitchFamily="34" charset="0"/>
+              <a:buChar char="•"/>
+              <a:defRPr sz="2800" kern="1200">
+                <a:solidFill>
+                  <a:schemeClr val="tx1"/>
+                </a:solidFill>
+                <a:latin typeface="+mn-lt"/>
+                <a:ea typeface="+mn-ea"/>
+                <a:cs typeface="+mn-cs"/>
+              </a:defRPr>
+            </a:lvl1pPr>
+            <a:lvl2pPr marL="685800" indent="-228600" algn="l" defTabSz="914400" rtl="0" eaLnBrk="1" latinLnBrk="0" hangingPunct="1">
+              <a:lnSpc>
+                <a:spcPct val="90000"/>
+              </a:lnSpc>
+              <a:spcBef>
+                <a:spcPts val="500"/>
+              </a:spcBef>
+              <a:buFont typeface="Arial" panose="020B0604020202020204" pitchFamily="34" charset="0"/>
+              <a:buChar char="•"/>
+              <a:defRPr sz="2400" kern="1200">
+                <a:solidFill>
+                  <a:schemeClr val="tx1"/>
+                </a:solidFill>
+                <a:latin typeface="+mn-lt"/>
+                <a:ea typeface="+mn-ea"/>
+                <a:cs typeface="+mn-cs"/>
+              </a:defRPr>
+            </a:lvl2pPr>
+            <a:lvl3pPr marL="1143000" indent="-228600" algn="l" defTabSz="914400" rtl="0" eaLnBrk="1" latinLnBrk="0" hangingPunct="1">
+              <a:lnSpc>
+                <a:spcPct val="90000"/>
+              </a:lnSpc>
+              <a:spcBef>
+                <a:spcPts val="500"/>
+              </a:spcBef>
+              <a:buFont typeface="Arial" panose="020B0604020202020204" pitchFamily="34" charset="0"/>
+              <a:buChar char="•"/>
+              <a:defRPr sz="2000" kern="1200">
+                <a:solidFill>
+                  <a:schemeClr val="tx1"/>
+                </a:solidFill>
+                <a:latin typeface="+mn-lt"/>
+                <a:ea typeface="+mn-ea"/>
+                <a:cs typeface="+mn-cs"/>
+              </a:defRPr>
+            </a:lvl3pPr>
+            <a:lvl4pPr marL="1600200" indent="-228600" algn="l" defTabSz="914400" rtl="0" eaLnBrk="1" latinLnBrk="0" hangingPunct="1">
+              <a:lnSpc>
+                <a:spcPct val="90000"/>
+              </a:lnSpc>
+              <a:spcBef>
+                <a:spcPts val="500"/>
+              </a:spcBef>
+              <a:buFont typeface="Arial" panose="020B0604020202020204" pitchFamily="34" charset="0"/>
+              <a:buChar char="•"/>
+              <a:defRPr sz="1800" kern="1200">
+                <a:solidFill>
+                  <a:schemeClr val="tx1"/>
+                </a:solidFill>
+                <a:latin typeface="+mn-lt"/>
+                <a:ea typeface="+mn-ea"/>
+                <a:cs typeface="+mn-cs"/>
+              </a:defRPr>
+            </a:lvl4pPr>
+            <a:lvl5pPr marL="2057400" indent="-228600" algn="l" defTabSz="914400" rtl="0" eaLnBrk="1" latinLnBrk="0" hangingPunct="1">
+              <a:lnSpc>
+                <a:spcPct val="90000"/>
+              </a:lnSpc>
+              <a:spcBef>
+                <a:spcPts val="500"/>
+              </a:spcBef>
+              <a:buFont typeface="Arial" panose="020B0604020202020204" pitchFamily="34" charset="0"/>
+              <a:buChar char="•"/>
+              <a:defRPr sz="1800" kern="1200">
+                <a:solidFill>
+                  <a:schemeClr val="tx1"/>
+                </a:solidFill>
+                <a:latin typeface="+mn-lt"/>
+                <a:ea typeface="+mn-ea"/>
+                <a:cs typeface="+mn-cs"/>
+              </a:defRPr>
+            </a:lvl5pPr>
+            <a:lvl6pPr marL="2514600" indent="-228600" algn="l" defTabSz="914400" rtl="0" eaLnBrk="1" latinLnBrk="0" hangingPunct="1">
+              <a:lnSpc>
+                <a:spcPct val="90000"/>
+              </a:lnSpc>
+              <a:spcBef>
+                <a:spcPts val="500"/>
+              </a:spcBef>
+              <a:buFont typeface="Arial" panose="020B0604020202020204" pitchFamily="34" charset="0"/>
+              <a:buChar char="•"/>
+              <a:defRPr sz="1800" kern="1200">
+                <a:solidFill>
+                  <a:schemeClr val="tx1"/>
+                </a:solidFill>
+                <a:latin typeface="+mn-lt"/>
+                <a:ea typeface="+mn-ea"/>
+                <a:cs typeface="+mn-cs"/>
+              </a:defRPr>
+            </a:lvl6pPr>
+            <a:lvl7pPr marL="2971800" indent="-228600" algn="l" defTabSz="914400" rtl="0" eaLnBrk="1" latinLnBrk="0" hangingPunct="1">
+              <a:lnSpc>
+                <a:spcPct val="90000"/>
+              </a:lnSpc>
+              <a:spcBef>
+                <a:spcPts val="500"/>
+              </a:spcBef>
+              <a:buFont typeface="Arial" panose="020B0604020202020204" pitchFamily="34" charset="0"/>
+              <a:buChar char="•"/>
+              <a:defRPr sz="1800" kern="1200">
+                <a:solidFill>
+                  <a:schemeClr val="tx1"/>
+                </a:solidFill>
+                <a:latin typeface="+mn-lt"/>
+                <a:ea typeface="+mn-ea"/>
+                <a:cs typeface="+mn-cs"/>
+              </a:defRPr>
+            </a:lvl7pPr>
+            <a:lvl8pPr marL="3429000" indent="-228600" algn="l" defTabSz="914400" rtl="0" eaLnBrk="1" latinLnBrk="0" hangingPunct="1">
+              <a:lnSpc>
+                <a:spcPct val="90000"/>
+              </a:lnSpc>
+              <a:spcBef>
+                <a:spcPts val="500"/>
+              </a:spcBef>
+              <a:buFont typeface="Arial" panose="020B0604020202020204" pitchFamily="34" charset="0"/>
+              <a:buChar char="•"/>
+              <a:defRPr sz="1800" kern="1200">
+                <a:solidFill>
+                  <a:schemeClr val="tx1"/>
+                </a:solidFill>
+                <a:latin typeface="+mn-lt"/>
+                <a:ea typeface="+mn-ea"/>
+                <a:cs typeface="+mn-cs"/>
+              </a:defRPr>
+            </a:lvl8pPr>
+            <a:lvl9pPr marL="3886200" indent="-228600" algn="l" defTabSz="914400" rtl="0" eaLnBrk="1" latinLnBrk="0" hangingPunct="1">
+              <a:lnSpc>
+                <a:spcPct val="90000"/>
+              </a:lnSpc>
+              <a:spcBef>
+                <a:spcPts val="500"/>
+              </a:spcBef>
+              <a:buFont typeface="Arial" panose="020B0604020202020204" pitchFamily="34" charset="0"/>
+              <a:buChar char="•"/>
+              <a:defRPr sz="1800" kern="1200">
+                <a:solidFill>
+                  <a:schemeClr val="tx1"/>
+                </a:solidFill>
+                <a:latin typeface="+mn-lt"/>
+                <a:ea typeface="+mn-ea"/>
+                <a:cs typeface="+mn-cs"/>
+              </a:defRPr>
+            </a:lvl9pPr>
+          </a:lstStyle>
+          <a:p>
+            <a:pPr marL="0" indent="0">
+              <a:buNone/>
+            </a:pPr>
+            <a:r>
+              <a:rPr lang="en-US" dirty="0"/>
+              <a:t>A Boolean AND sentence is only true if </a:t>
+            </a:r>
+            <a:r>
+              <a:rPr lang="en-US" b="1" i="1" dirty="0"/>
+              <a:t>both sides are true</a:t>
+            </a:r>
+          </a:p>
+        </p:txBody>
+      </p:sp>
+      <p:sp>
+        <p:nvSpPr>
+          <p:cNvPr id="8" name="Footer Placeholder 6">
+            <a:extLst>
+              <a:ext uri="{FF2B5EF4-FFF2-40B4-BE49-F238E27FC236}">
+                <a16:creationId xmlns:a16="http://schemas.microsoft.com/office/drawing/2014/main" id="{5275166A-6A54-4C2C-BFB8-63772E650682}"/>
+              </a:ext>
+            </a:extLst>
+          </p:cNvPr>
+          <p:cNvSpPr>
+            <a:spLocks noGrp="1"/>
+          </p:cNvSpPr>
+          <p:nvPr>
+            <p:ph type="ftr" sz="quarter" idx="11"/>
+          </p:nvPr>
+        </p:nvSpPr>
+        <p:spPr>
+          <a:xfrm>
+            <a:off x="0" y="6356350"/>
+            <a:ext cx="12192000" cy="365125"/>
+          </a:xfrm>
+        </p:spPr>
+        <p:txBody>
+          <a:bodyPr/>
+          <a:lstStyle/>
+          <a:p>
+            <a:r>
+              <a:rPr lang="en-US" sz="2400" dirty="0">
+                <a:hlinkClick r:id="rId2"/>
+              </a:rPr>
+              <a:t>https://github.com/crhallberg/IMM120</a:t>
+            </a:r>
+            <a:r>
+              <a:rPr lang="en-US" sz="2400" dirty="0"/>
+              <a:t> : x1-Flappy Bird</a:t>
+            </a:r>
+          </a:p>
+        </p:txBody>
+      </p:sp>
+    </p:spTree>
+    <p:extLst>
+      <p:ext uri="{BB962C8B-B14F-4D97-AF65-F5344CB8AC3E}">
+        <p14:creationId xmlns:p14="http://schemas.microsoft.com/office/powerpoint/2010/main" val="977366572"/>
+      </p:ext>
+    </p:extLst>
+  </p:cSld>
+  <p:clrMapOvr>
+    <a:masterClrMapping/>
+  </p:clrMapOvr>
+</p:sld>
+</file>
+
+<file path=ppt/slides/slide23.xml><?xml version="1.0" encoding="utf-8"?>
+<p:sld xmlns:a="http://schemas.openxmlformats.org/drawingml/2006/main" xmlns:r="http://schemas.openxmlformats.org/officeDocument/2006/relationships" xmlns:p="http://schemas.openxmlformats.org/presentationml/2006/main">
+  <p:cSld>
+    <p:spTree>
+      <p:nvGrpSpPr>
+        <p:cNvPr id="1" name=""/>
+        <p:cNvGrpSpPr/>
+        <p:nvPr/>
+      </p:nvGrpSpPr>
+      <p:grpSpPr>
+        <a:xfrm>
+          <a:off x="0" y="0"/>
+          <a:ext cx="0" cy="0"/>
+          <a:chOff x="0" y="0"/>
+          <a:chExt cx="0" cy="0"/>
+        </a:xfrm>
+      </p:grpSpPr>
+      <p:sp>
+        <p:nvSpPr>
+          <p:cNvPr id="2" name="Title 1">
+            <a:extLst>
+              <a:ext uri="{FF2B5EF4-FFF2-40B4-BE49-F238E27FC236}">
+                <a16:creationId xmlns:a16="http://schemas.microsoft.com/office/drawing/2014/main" id="{F2F30DD7-C194-4555-9B3C-89601B177DEE}"/>
+              </a:ext>
+            </a:extLst>
+          </p:cNvPr>
+          <p:cNvSpPr>
+            <a:spLocks noGrp="1"/>
+          </p:cNvSpPr>
+          <p:nvPr>
+            <p:ph type="title"/>
+          </p:nvPr>
+        </p:nvSpPr>
+        <p:spPr/>
+        <p:txBody>
+          <a:bodyPr/>
+          <a:lstStyle/>
+          <a:p>
+            <a:r>
+              <a:rPr lang="en-US" dirty="0"/>
+              <a:t>Drawing Text</a:t>
+            </a:r>
+          </a:p>
+        </p:txBody>
+      </p:sp>
+      <p:sp>
+        <p:nvSpPr>
+          <p:cNvPr id="3" name="Content Placeholder 2">
+            <a:extLst>
+              <a:ext uri="{FF2B5EF4-FFF2-40B4-BE49-F238E27FC236}">
+                <a16:creationId xmlns:a16="http://schemas.microsoft.com/office/drawing/2014/main" id="{38EFFF8B-BA51-4658-AF6B-663612C4A565}"/>
+              </a:ext>
+            </a:extLst>
+          </p:cNvPr>
+          <p:cNvSpPr>
+            <a:spLocks noGrp="1"/>
+          </p:cNvSpPr>
+          <p:nvPr>
+            <p:ph idx="1"/>
+          </p:nvPr>
+        </p:nvSpPr>
+        <p:spPr/>
+        <p:txBody>
+          <a:bodyPr/>
+          <a:lstStyle/>
+          <a:p>
+            <a:r>
+              <a:rPr lang="en-US" b="1" dirty="0">
+                <a:latin typeface="Courier New" panose="02070309020205020404" pitchFamily="49" charset="0"/>
+                <a:cs typeface="Courier New" panose="02070309020205020404" pitchFamily="49" charset="0"/>
+              </a:rPr>
+              <a:t>text(“words” / variable, x, y);</a:t>
+            </a:r>
+          </a:p>
+          <a:p>
+            <a:r>
+              <a:rPr lang="en-US" b="1" dirty="0" err="1">
+                <a:latin typeface="Courier New" panose="02070309020205020404" pitchFamily="49" charset="0"/>
+                <a:cs typeface="Courier New" panose="02070309020205020404" pitchFamily="49" charset="0"/>
+              </a:rPr>
+              <a:t>textSize</a:t>
+            </a:r>
+            <a:r>
+              <a:rPr lang="en-US" b="1" dirty="0">
+                <a:latin typeface="Courier New" panose="02070309020205020404" pitchFamily="49" charset="0"/>
+                <a:cs typeface="Courier New" panose="02070309020205020404" pitchFamily="49" charset="0"/>
+              </a:rPr>
+              <a:t>(number);</a:t>
+            </a:r>
+          </a:p>
+          <a:p>
+            <a:r>
+              <a:rPr lang="en-US" b="1" dirty="0" err="1">
+                <a:latin typeface="Courier New" panose="02070309020205020404" pitchFamily="49" charset="0"/>
+                <a:cs typeface="Courier New" panose="02070309020205020404" pitchFamily="49" charset="0"/>
+              </a:rPr>
+              <a:t>textAlign</a:t>
+            </a:r>
+            <a:r>
+              <a:rPr lang="en-US" b="1" dirty="0">
+                <a:latin typeface="Courier New" panose="02070309020205020404" pitchFamily="49" charset="0"/>
+                <a:cs typeface="Courier New" panose="02070309020205020404" pitchFamily="49" charset="0"/>
+              </a:rPr>
+              <a:t>(LEFT / CENTER / RIGHT);</a:t>
+            </a:r>
+          </a:p>
+          <a:p>
+            <a:endParaRPr lang="en-US" dirty="0">
+              <a:latin typeface="Courier New" panose="02070309020205020404" pitchFamily="49" charset="0"/>
+              <a:cs typeface="Courier New" panose="02070309020205020404" pitchFamily="49" charset="0"/>
+            </a:endParaRPr>
+          </a:p>
+          <a:p>
+            <a:pPr marL="0" indent="0">
+              <a:buNone/>
+            </a:pPr>
+            <a:r>
+              <a:rPr lang="en-US" dirty="0">
+                <a:hlinkClick r:id="rId2"/>
+              </a:rPr>
+              <a:t>https://p5js.org/reference/</a:t>
+            </a:r>
+            <a:r>
+              <a:rPr lang="en-US" dirty="0"/>
+              <a:t> </a:t>
+            </a:r>
+          </a:p>
+        </p:txBody>
+      </p:sp>
+    </p:spTree>
+    <p:extLst>
+      <p:ext uri="{BB962C8B-B14F-4D97-AF65-F5344CB8AC3E}">
+        <p14:creationId xmlns:p14="http://schemas.microsoft.com/office/powerpoint/2010/main" val="1497148056"/>
+      </p:ext>
+    </p:extLst>
+  </p:cSld>
+  <p:clrMapOvr>
+    <a:masterClrMapping/>
+  </p:clrMapOvr>
+</p:sld>
+</file>
+
+<file path=ppt/slides/slide24.xml><?xml version="1.0" encoding="utf-8"?>
+<p:sld xmlns:a="http://schemas.openxmlformats.org/drawingml/2006/main" xmlns:r="http://schemas.openxmlformats.org/officeDocument/2006/relationships" xmlns:p="http://schemas.openxmlformats.org/presentationml/2006/main">
+  <p:cSld>
+    <p:spTree>
+      <p:nvGrpSpPr>
+        <p:cNvPr id="1" name=""/>
+        <p:cNvGrpSpPr/>
+        <p:nvPr/>
+      </p:nvGrpSpPr>
+      <p:grpSpPr>
+        <a:xfrm>
+          <a:off x="0" y="0"/>
+          <a:ext cx="0" cy="0"/>
+          <a:chOff x="0" y="0"/>
+          <a:chExt cx="0" cy="0"/>
+        </a:xfrm>
+      </p:grpSpPr>
+      <p:sp>
+        <p:nvSpPr>
+          <p:cNvPr id="5" name="Title 4">
+            <a:extLst>
+              <a:ext uri="{FF2B5EF4-FFF2-40B4-BE49-F238E27FC236}">
+                <a16:creationId xmlns:a16="http://schemas.microsoft.com/office/drawing/2014/main" id="{99D3F56D-DF31-426A-B4E7-4F40F2937781}"/>
+              </a:ext>
+            </a:extLst>
+          </p:cNvPr>
+          <p:cNvSpPr>
+            <a:spLocks noGrp="1"/>
+          </p:cNvSpPr>
+          <p:nvPr>
+            <p:ph type="title"/>
+          </p:nvPr>
+        </p:nvSpPr>
+        <p:spPr/>
+        <p:txBody>
+          <a:bodyPr/>
+          <a:lstStyle/>
+          <a:p>
+            <a:r>
+              <a:rPr lang="en-US" dirty="0"/>
+              <a:t>DONE!</a:t>
+            </a:r>
+          </a:p>
+        </p:txBody>
+      </p:sp>
+      <p:sp>
+        <p:nvSpPr>
+          <p:cNvPr id="6" name="Text Placeholder 5">
+            <a:extLst>
+              <a:ext uri="{FF2B5EF4-FFF2-40B4-BE49-F238E27FC236}">
+                <a16:creationId xmlns:a16="http://schemas.microsoft.com/office/drawing/2014/main" id="{1B5876D5-F1F2-4650-9C38-684AD403CE8E}"/>
+              </a:ext>
+            </a:extLst>
+          </p:cNvPr>
+          <p:cNvSpPr>
+            <a:spLocks noGrp="1"/>
+          </p:cNvSpPr>
+          <p:nvPr>
+            <p:ph type="body" idx="1"/>
+          </p:nvPr>
+        </p:nvSpPr>
+        <p:spPr/>
+        <p:txBody>
+          <a:bodyPr/>
+          <a:lstStyle/>
+          <a:p>
+            <a:r>
+              <a:rPr lang="en-US" dirty="0"/>
+              <a:t>Party time!</a:t>
+            </a:r>
+          </a:p>
+        </p:txBody>
+      </p:sp>
+      <p:sp>
+        <p:nvSpPr>
+          <p:cNvPr id="7" name="Footer Placeholder 6">
+            <a:extLst>
+              <a:ext uri="{FF2B5EF4-FFF2-40B4-BE49-F238E27FC236}">
+                <a16:creationId xmlns:a16="http://schemas.microsoft.com/office/drawing/2014/main" id="{4CDD68E1-4C50-4717-8067-93A2247D4135}"/>
+              </a:ext>
+            </a:extLst>
+          </p:cNvPr>
+          <p:cNvSpPr>
+            <a:spLocks noGrp="1"/>
+          </p:cNvSpPr>
+          <p:nvPr>
+            <p:ph type="ftr" sz="quarter" idx="11"/>
+          </p:nvPr>
+        </p:nvSpPr>
+        <p:spPr>
+          <a:xfrm>
+            <a:off x="0" y="6356350"/>
+            <a:ext cx="12192000" cy="365125"/>
+          </a:xfrm>
+        </p:spPr>
+        <p:txBody>
+          <a:bodyPr/>
+          <a:lstStyle/>
+          <a:p>
+            <a:r>
+              <a:rPr lang="en-US" sz="2400" dirty="0">
+                <a:hlinkClick r:id="rId2"/>
+              </a:rPr>
+              <a:t>https://github.com/crhallberg/IMM120</a:t>
+            </a:r>
+            <a:r>
+              <a:rPr lang="en-US" sz="2400" dirty="0"/>
+              <a:t> : x1-Flappy Bird</a:t>
+            </a:r>
+          </a:p>
+        </p:txBody>
+      </p:sp>
+    </p:spTree>
+    <p:extLst>
+      <p:ext uri="{BB962C8B-B14F-4D97-AF65-F5344CB8AC3E}">
+        <p14:creationId xmlns:p14="http://schemas.microsoft.com/office/powerpoint/2010/main" val="997373151"/>
       </p:ext>
     </p:extLst>
   </p:cSld>
@@ -4208,40 +7431,45 @@
             <p:ph type="body" idx="1"/>
           </p:nvPr>
         </p:nvSpPr>
-        <p:spPr/>
-        <p:txBody>
-          <a:bodyPr/>
-          <a:lstStyle/>
-          <a:p>
-            <a:r>
-              <a:rPr lang="en-US" dirty="0"/>
-              <a:t>line(x1, y1, x2, y2);</a:t>
-            </a:r>
-          </a:p>
-        </p:txBody>
-      </p:sp>
-      <p:sp>
-        <p:nvSpPr>
-          <p:cNvPr id="3" name="Content Placeholder 2">
-            <a:extLst>
-              <a:ext uri="{FF2B5EF4-FFF2-40B4-BE49-F238E27FC236}">
-                <a16:creationId xmlns:a16="http://schemas.microsoft.com/office/drawing/2014/main" id="{79F195AF-7146-4F22-A9CB-F9889D727D6B}"/>
-              </a:ext>
-            </a:extLst>
-          </p:cNvPr>
-          <p:cNvSpPr>
-            <a:spLocks noGrp="1"/>
-          </p:cNvSpPr>
-          <p:nvPr>
-            <p:ph sz="half" idx="2"/>
-          </p:nvPr>
-        </p:nvSpPr>
-        <p:spPr/>
-        <p:txBody>
-          <a:bodyPr/>
-          <a:lstStyle/>
-          <a:p>
-            <a:endParaRPr lang="en-US" dirty="0"/>
+        <p:spPr>
+          <a:xfrm>
+            <a:off x="839788" y="1681163"/>
+            <a:ext cx="5157787" cy="823912"/>
+          </a:xfrm>
+        </p:spPr>
+        <p:txBody>
+          <a:bodyPr/>
+          <a:lstStyle/>
+          <a:p>
+            <a:pPr algn="ctr"/>
+            <a:r>
+              <a:rPr lang="en-US" dirty="0"/>
+              <a:t>line(</a:t>
+            </a:r>
+            <a:r>
+              <a:rPr lang="en-US" dirty="0">
+                <a:solidFill>
+                  <a:srgbClr val="FF0000"/>
+                </a:solidFill>
+              </a:rPr>
+              <a:t>x1, y1</a:t>
+            </a:r>
+            <a:r>
+              <a:rPr lang="en-US" dirty="0"/>
+              <a:t>, </a:t>
+            </a:r>
+            <a:r>
+              <a:rPr lang="en-US" dirty="0">
+                <a:solidFill>
+                  <a:srgbClr val="00B050"/>
+                </a:solidFill>
+              </a:rPr>
+              <a:t>x2, y2</a:t>
+            </a:r>
+            <a:r>
+              <a:rPr lang="en-US" dirty="0"/>
+              <a:t>);</a:t>
+            </a:r>
           </a:p>
         </p:txBody>
       </p:sp>
@@ -4271,6 +7499,7 @@
           <a:bodyPr/>
           <a:lstStyle/>
           <a:p>
+            <a:pPr algn="ctr"/>
             <a:r>
               <a:rPr lang="en-US" dirty="0" err="1"/>
               <a:t>rect</a:t>
@@ -4280,49 +7509,124 @@
               <a:t>(</a:t>
             </a:r>
             <a:r>
-              <a:rPr lang="en-US" dirty="0" err="1"/>
+              <a:rPr lang="en-US" dirty="0" err="1">
+                <a:solidFill>
+                  <a:srgbClr val="FF0000"/>
+                </a:solidFill>
+              </a:rPr>
               <a:t>cornerX</a:t>
             </a:r>
             <a:r>
-              <a:rPr lang="en-US" dirty="0"/>
+              <a:rPr lang="en-US" dirty="0">
+                <a:solidFill>
+                  <a:srgbClr val="FF0000"/>
+                </a:solidFill>
+              </a:rPr>
               <a:t>, </a:t>
             </a:r>
             <a:r>
-              <a:rPr lang="en-US" dirty="0" err="1"/>
+              <a:rPr lang="en-US" dirty="0" err="1">
+                <a:solidFill>
+                  <a:srgbClr val="FF0000"/>
+                </a:solidFill>
+              </a:rPr>
               <a:t>cornerY</a:t>
             </a:r>
             <a:r>
               <a:rPr lang="en-US" dirty="0"/>
-              <a:t>, width, height);</a:t>
-            </a:r>
-          </a:p>
-        </p:txBody>
-      </p:sp>
-      <p:sp>
-        <p:nvSpPr>
-          <p:cNvPr id="6" name="Content Placeholder 5">
+              <a:t>, </a:t>
+            </a:r>
+            <a:r>
+              <a:rPr lang="en-US" dirty="0">
+                <a:solidFill>
+                  <a:srgbClr val="00B050"/>
+                </a:solidFill>
+              </a:rPr>
+              <a:t>width</a:t>
+            </a:r>
+            <a:r>
+              <a:rPr lang="en-US" dirty="0"/>
+              <a:t>, </a:t>
+            </a:r>
+            <a:r>
+              <a:rPr lang="en-US" dirty="0">
+                <a:solidFill>
+                  <a:srgbClr val="00B0F0"/>
+                </a:solidFill>
+              </a:rPr>
+              <a:t>height</a:t>
+            </a:r>
+            <a:r>
+              <a:rPr lang="en-US" dirty="0"/>
+              <a:t>);</a:t>
+            </a:r>
+          </a:p>
+        </p:txBody>
+      </p:sp>
+      <p:pic>
+        <p:nvPicPr>
+          <p:cNvPr id="12" name="Content Placeholder 11">
             <a:extLst>
               <a:ext uri="{FF2B5EF4-FFF2-40B4-BE49-F238E27FC236}">
-                <a16:creationId xmlns:a16="http://schemas.microsoft.com/office/drawing/2014/main" id="{CE8D0E1F-D3B3-4B9C-A209-34D59E317A98}"/>
+                <a16:creationId xmlns:a16="http://schemas.microsoft.com/office/drawing/2014/main" id="{666A2BE7-AFF1-40DC-9E3A-A60511A894D1}"/>
               </a:ext>
             </a:extLst>
           </p:cNvPr>
-          <p:cNvSpPr>
-            <a:spLocks noGrp="1"/>
-          </p:cNvSpPr>
+          <p:cNvPicPr>
+            <a:picLocks noGrp="1" noChangeAspect="1"/>
+          </p:cNvPicPr>
           <p:nvPr>
             <p:ph sz="quarter" idx="4"/>
           </p:nvPr>
-        </p:nvSpPr>
-        <p:spPr/>
-        <p:txBody>
-          <a:bodyPr/>
-          <a:lstStyle/>
-          <a:p>
-            <a:endParaRPr lang="en-US"/>
-          </a:p>
-        </p:txBody>
-      </p:sp>
+        </p:nvPicPr>
+        <p:blipFill>
+          <a:blip r:embed="rId2"/>
+          <a:stretch>
+            <a:fillRect/>
+          </a:stretch>
+        </p:blipFill>
+        <p:spPr>
+          <a:xfrm>
+            <a:off x="6921500" y="2505075"/>
+            <a:ext cx="3684588" cy="3684588"/>
+          </a:xfrm>
+          <a:prstGeom prst="rect">
+            <a:avLst/>
+          </a:prstGeom>
+        </p:spPr>
+      </p:pic>
+      <p:pic>
+        <p:nvPicPr>
+          <p:cNvPr id="11" name="Content Placeholder 10">
+            <a:extLst>
+              <a:ext uri="{FF2B5EF4-FFF2-40B4-BE49-F238E27FC236}">
+                <a16:creationId xmlns:a16="http://schemas.microsoft.com/office/drawing/2014/main" id="{7CB7E729-7552-4AB7-8511-9EAF044B2EAD}"/>
+              </a:ext>
+            </a:extLst>
+          </p:cNvPr>
+          <p:cNvPicPr>
+            <a:picLocks noGrp="1" noChangeAspect="1"/>
+          </p:cNvPicPr>
+          <p:nvPr>
+            <p:ph sz="half" idx="2"/>
+          </p:nvPr>
+        </p:nvPicPr>
+        <p:blipFill>
+          <a:blip r:embed="rId3"/>
+          <a:stretch>
+            <a:fillRect/>
+          </a:stretch>
+        </p:blipFill>
+        <p:spPr>
+          <a:xfrm>
+            <a:off x="1576387" y="2505075"/>
+            <a:ext cx="3684588" cy="3684588"/>
+          </a:xfrm>
+          <a:prstGeom prst="rect">
+            <a:avLst/>
+          </a:prstGeom>
+        </p:spPr>
+      </p:pic>
     </p:spTree>
     <p:extLst>
       <p:ext uri="{BB962C8B-B14F-4D97-AF65-F5344CB8AC3E}">
@@ -4407,49 +7711,92 @@
               <a:t>ellipse(</a:t>
             </a:r>
             <a:r>
-              <a:rPr lang="en-US" dirty="0" err="1"/>
+              <a:rPr lang="en-US" dirty="0" err="1">
+                <a:solidFill>
+                  <a:srgbClr val="FF0000"/>
+                </a:solidFill>
+              </a:rPr>
               <a:t>centerX</a:t>
             </a:r>
             <a:r>
-              <a:rPr lang="en-US" dirty="0"/>
+              <a:rPr lang="en-US" dirty="0">
+                <a:solidFill>
+                  <a:srgbClr val="FF0000"/>
+                </a:solidFill>
+              </a:rPr>
               <a:t>, </a:t>
             </a:r>
             <a:r>
-              <a:rPr lang="en-US" dirty="0" err="1"/>
+              <a:rPr lang="en-US" dirty="0" err="1">
+                <a:solidFill>
+                  <a:srgbClr val="FF0000"/>
+                </a:solidFill>
+              </a:rPr>
               <a:t>centerY</a:t>
             </a:r>
             <a:r>
               <a:rPr lang="en-US" dirty="0"/>
-              <a:t>, width, [h])</a:t>
-            </a:r>
-          </a:p>
-        </p:txBody>
-      </p:sp>
-      <p:sp>
-        <p:nvSpPr>
-          <p:cNvPr id="3" name="Content Placeholder 2">
+              <a:t>, </a:t>
+            </a:r>
+            <a:r>
+              <a:rPr lang="en-US" dirty="0">
+                <a:solidFill>
+                  <a:srgbClr val="00B050"/>
+                </a:solidFill>
+              </a:rPr>
+              <a:t>width</a:t>
+            </a:r>
+            <a:r>
+              <a:rPr lang="en-US" dirty="0"/>
+              <a:t>, [</a:t>
+            </a:r>
+            <a:r>
+              <a:rPr lang="en-US" dirty="0">
+                <a:solidFill>
+                  <a:srgbClr val="00B0F0"/>
+                </a:solidFill>
+              </a:rPr>
+              <a:t>h</a:t>
+            </a:r>
+            <a:r>
+              <a:rPr lang="en-US" dirty="0"/>
+              <a:t>])</a:t>
+            </a:r>
+          </a:p>
+        </p:txBody>
+      </p:sp>
+      <p:pic>
+        <p:nvPicPr>
+          <p:cNvPr id="7" name="Content Placeholder 6">
             <a:extLst>
               <a:ext uri="{FF2B5EF4-FFF2-40B4-BE49-F238E27FC236}">
-                <a16:creationId xmlns:a16="http://schemas.microsoft.com/office/drawing/2014/main" id="{79F195AF-7146-4F22-A9CB-F9889D727D6B}"/>
+                <a16:creationId xmlns:a16="http://schemas.microsoft.com/office/drawing/2014/main" id="{574FF49F-5061-427D-9C31-56099E9AFB78}"/>
               </a:ext>
             </a:extLst>
           </p:cNvPr>
-          <p:cNvSpPr>
-            <a:spLocks noGrp="1"/>
-          </p:cNvSpPr>
+          <p:cNvPicPr>
+            <a:picLocks noGrp="1" noChangeAspect="1"/>
+          </p:cNvPicPr>
           <p:nvPr>
             <p:ph sz="half" idx="2"/>
           </p:nvPr>
-        </p:nvSpPr>
-        <p:spPr/>
-        <p:txBody>
-          <a:bodyPr/>
-          <a:lstStyle/>
-          <a:p>
-            <a:endParaRPr lang="en-US" dirty="0"/>
-          </a:p>
-        </p:txBody>
-      </p:sp>
+        </p:nvPicPr>
+        <p:blipFill>
+          <a:blip r:embed="rId2"/>
+          <a:stretch>
+            <a:fillRect/>
+          </a:stretch>
+        </p:blipFill>
+        <p:spPr>
+          <a:xfrm>
+            <a:off x="1576387" y="2505075"/>
+            <a:ext cx="3684588" cy="3684588"/>
+          </a:xfrm>
+          <a:prstGeom prst="rect">
+            <a:avLst/>
+          </a:prstGeom>
+        </p:spPr>
+      </p:pic>
       <p:sp>
         <p:nvSpPr>
           <p:cNvPr id="5" name="Text Placeholder 4">
@@ -4478,36 +7825,79 @@
           <a:p>
             <a:r>
               <a:rPr lang="en-US" dirty="0"/>
-              <a:t>triangle(x1, y1  ,  x2, y2  ,  x3, y3);</a:t>
-            </a:r>
-          </a:p>
-        </p:txBody>
-      </p:sp>
-      <p:sp>
-        <p:nvSpPr>
-          <p:cNvPr id="6" name="Content Placeholder 5">
+              <a:t>triangle(</a:t>
+            </a:r>
+            <a:r>
+              <a:rPr lang="en-US" dirty="0">
+                <a:solidFill>
+                  <a:srgbClr val="FF0000"/>
+                </a:solidFill>
+              </a:rPr>
+              <a:t>x1, y1  </a:t>
+            </a:r>
+            <a:r>
+              <a:rPr lang="en-US" dirty="0"/>
+              <a:t>,  </a:t>
+            </a:r>
+            <a:r>
+              <a:rPr lang="en-US" dirty="0">
+                <a:solidFill>
+                  <a:srgbClr val="00B050"/>
+                </a:solidFill>
+              </a:rPr>
+              <a:t>x2, y2  </a:t>
+            </a:r>
+            <a:r>
+              <a:rPr lang="en-US" dirty="0"/>
+              <a:t>,  </a:t>
+            </a:r>
+            <a:r>
+              <a:rPr lang="en-US" dirty="0">
+                <a:solidFill>
+                  <a:srgbClr val="00B0F0"/>
+                </a:solidFill>
+              </a:rPr>
+              <a:t>x3, y3</a:t>
+            </a:r>
+            <a:r>
+              <a:rPr lang="en-US" dirty="0"/>
+              <a:t>);</a:t>
+            </a:r>
+          </a:p>
+        </p:txBody>
+      </p:sp>
+      <p:pic>
+        <p:nvPicPr>
+          <p:cNvPr id="8" name="Content Placeholder 7">
             <a:extLst>
               <a:ext uri="{FF2B5EF4-FFF2-40B4-BE49-F238E27FC236}">
-                <a16:creationId xmlns:a16="http://schemas.microsoft.com/office/drawing/2014/main" id="{CE8D0E1F-D3B3-4B9C-A209-34D59E317A98}"/>
+                <a16:creationId xmlns:a16="http://schemas.microsoft.com/office/drawing/2014/main" id="{AAA8C019-B0EF-4467-A747-6F747008DB54}"/>
               </a:ext>
             </a:extLst>
           </p:cNvPr>
-          <p:cNvSpPr>
-            <a:spLocks noGrp="1"/>
-          </p:cNvSpPr>
+          <p:cNvPicPr>
+            <a:picLocks noGrp="1" noChangeAspect="1"/>
+          </p:cNvPicPr>
           <p:nvPr>
             <p:ph sz="quarter" idx="4"/>
           </p:nvPr>
-        </p:nvSpPr>
-        <p:spPr/>
-        <p:txBody>
-          <a:bodyPr/>
-          <a:lstStyle/>
-          <a:p>
-            <a:endParaRPr lang="en-US" dirty="0"/>
-          </a:p>
-        </p:txBody>
-      </p:sp>
+        </p:nvPicPr>
+        <p:blipFill>
+          <a:blip r:embed="rId3"/>
+          <a:stretch>
+            <a:fillRect/>
+          </a:stretch>
+        </p:blipFill>
+        <p:spPr>
+          <a:xfrm>
+            <a:off x="6921500" y="2505075"/>
+            <a:ext cx="3684588" cy="3684588"/>
+          </a:xfrm>
+          <a:prstGeom prst="rect">
+            <a:avLst/>
+          </a:prstGeom>
+        </p:spPr>
+      </p:pic>
     </p:spTree>
     <p:extLst>
       <p:ext uri="{BB962C8B-B14F-4D97-AF65-F5344CB8AC3E}">
@@ -4720,4 +8110,299 @@
     </a:ext>
   </a:extLst>
 </a:theme>
+</file>
+
+<file path=ppt/theme/theme2.xml><?xml version="1.0" encoding="utf-8"?>
+<a:theme xmlns:a="http://schemas.openxmlformats.org/drawingml/2006/main" name="Office Theme">
+  <a:themeElements>
+    <a:clrScheme name="Office">
+      <a:dk1>
+        <a:sysClr val="windowText" lastClr="000000"/>
+      </a:dk1>
+      <a:lt1>
+        <a:sysClr val="window" lastClr="FFFFFF"/>
+      </a:lt1>
+      <a:dk2>
+        <a:srgbClr val="44546A"/>
+      </a:dk2>
+      <a:lt2>
+        <a:srgbClr val="E7E6E6"/>
+      </a:lt2>
+      <a:accent1>
+        <a:srgbClr val="4472C4"/>
+      </a:accent1>
+      <a:accent2>
+        <a:srgbClr val="ED7D31"/>
+      </a:accent2>
+      <a:accent3>
+        <a:srgbClr val="A5A5A5"/>
+      </a:accent3>
+      <a:accent4>
+        <a:srgbClr val="FFC000"/>
+      </a:accent4>
+      <a:accent5>
+        <a:srgbClr val="5B9BD5"/>
+      </a:accent5>
+      <a:accent6>
+        <a:srgbClr val="70AD47"/>
+      </a:accent6>
+      <a:hlink>
+        <a:srgbClr val="0563C1"/>
+      </a:hlink>
+      <a:folHlink>
+        <a:srgbClr val="954F72"/>
+      </a:folHlink>
+    </a:clrScheme>
+    <a:fontScheme name="Office">
+      <a:majorFont>
+        <a:latin typeface="Calibri Light" panose="020F0302020204030204"/>
+        <a:ea typeface=""/>
+        <a:cs typeface=""/>
+        <a:font script="Jpan" typeface="游ゴシック Light"/>
+        <a:font script="Hang" typeface="맑은 고딕"/>
+        <a:font script="Hans" typeface="等线 Light"/>
+        <a:font script="Hant" typeface="新細明體"/>
+        <a:font script="Arab" typeface="Times New Roman"/>
+        <a:font script="Hebr" typeface="Times New Roman"/>
+        <a:font script="Thai" typeface="Angsana New"/>
+        <a:font script="Ethi" typeface="Nyala"/>
+        <a:font script="Beng" typeface="Vrinda"/>
+        <a:font script="Gujr" typeface="Shruti"/>
+        <a:font script="Khmr" typeface="MoolBoran"/>
+        <a:font script="Knda" typeface="Tunga"/>
+        <a:font script="Guru" typeface="Raavi"/>
+        <a:font script="Cans" typeface="Euphemia"/>
+        <a:font script="Cher" typeface="Plantagenet Cherokee"/>
+        <a:font script="Yiii" typeface="Microsoft Yi Baiti"/>
+        <a:font script="Tibt" typeface="Microsoft Himalaya"/>
+        <a:font script="Thaa" typeface="MV Boli"/>
+        <a:font script="Deva" typeface="Mangal"/>
+        <a:font script="Telu" typeface="Gautami"/>
+        <a:font script="Taml" typeface="Latha"/>
+        <a:font script="Syrc" typeface="Estrangelo Edessa"/>
+        <a:font script="Orya" typeface="Kalinga"/>
+        <a:font script="Mlym" typeface="Kartika"/>
+        <a:font script="Laoo" typeface="DokChampa"/>
+        <a:font script="Sinh" typeface="Iskoola Pota"/>
+        <a:font script="Mong" typeface="Mongolian Baiti"/>
+        <a:font script="Viet" typeface="Times New Roman"/>
+        <a:font script="Uigh" typeface="Microsoft Uighur"/>
+        <a:font script="Geor" typeface="Sylfaen"/>
+        <a:font script="Armn" typeface="Arial"/>
+        <a:font script="Bugi" typeface="Leelawadee UI"/>
+        <a:font script="Bopo" typeface="Microsoft JhengHei"/>
+        <a:font script="Java" typeface="Javanese Text"/>
+        <a:font script="Lisu" typeface="Segoe UI"/>
+        <a:font script="Mymr" typeface="Myanmar Text"/>
+        <a:font script="Nkoo" typeface="Ebrima"/>
+        <a:font script="Olck" typeface="Nirmala UI"/>
+        <a:font script="Osma" typeface="Ebrima"/>
+        <a:font script="Phag" typeface="Phagspa"/>
+        <a:font script="Syrn" typeface="Estrangelo Edessa"/>
+        <a:font script="Syrj" typeface="Estrangelo Edessa"/>
+        <a:font script="Syre" typeface="Estrangelo Edessa"/>
+        <a:font script="Sora" typeface="Nirmala UI"/>
+        <a:font script="Tale" typeface="Microsoft Tai Le"/>
+        <a:font script="Talu" typeface="Microsoft New Tai Lue"/>
+        <a:font script="Tfng" typeface="Ebrima"/>
+      </a:majorFont>
+      <a:minorFont>
+        <a:latin typeface="Calibri" panose="020F0502020204030204"/>
+        <a:ea typeface=""/>
+        <a:cs typeface=""/>
+        <a:font script="Jpan" typeface="游ゴシック"/>
+        <a:font script="Hang" typeface="맑은 고딕"/>
+        <a:font script="Hans" typeface="等线"/>
+        <a:font script="Hant" typeface="新細明體"/>
+        <a:font script="Arab" typeface="Arial"/>
+        <a:font script="Hebr" typeface="Arial"/>
+        <a:font script="Thai" typeface="Cordia New"/>
+        <a:font script="Ethi" typeface="Nyala"/>
+        <a:font script="Beng" typeface="Vrinda"/>
+        <a:font script="Gujr" typeface="Shruti"/>
+        <a:font script="Khmr" typeface="DaunPenh"/>
+        <a:font script="Knda" typeface="Tunga"/>
+        <a:font script="Guru" typeface="Raavi"/>
+        <a:font script="Cans" typeface="Euphemia"/>
+        <a:font script="Cher" typeface="Plantagenet Cherokee"/>
+        <a:font script="Yiii" typeface="Microsoft Yi Baiti"/>
+        <a:font script="Tibt" typeface="Microsoft Himalaya"/>
+        <a:font script="Thaa" typeface="MV Boli"/>
+        <a:font script="Deva" typeface="Mangal"/>
+        <a:font script="Telu" typeface="Gautami"/>
+        <a:font script="Taml" typeface="Latha"/>
+        <a:font script="Syrc" typeface="Estrangelo Edessa"/>
+        <a:font script="Orya" typeface="Kalinga"/>
+        <a:font script="Mlym" typeface="Kartika"/>
+        <a:font script="Laoo" typeface="DokChampa"/>
+        <a:font script="Sinh" typeface="Iskoola Pota"/>
+        <a:font script="Mong" typeface="Mongolian Baiti"/>
+        <a:font script="Viet" typeface="Arial"/>
+        <a:font script="Uigh" typeface="Microsoft Uighur"/>
+        <a:font script="Geor" typeface="Sylfaen"/>
+        <a:font script="Armn" typeface="Arial"/>
+        <a:font script="Bugi" typeface="Leelawadee UI"/>
+        <a:font script="Bopo" typeface="Microsoft JhengHei"/>
+        <a:font script="Java" typeface="Javanese Text"/>
+        <a:font script="Lisu" typeface="Segoe UI"/>
+        <a:font script="Mymr" typeface="Myanmar Text"/>
+        <a:font script="Nkoo" typeface="Ebrima"/>
+        <a:font script="Olck" typeface="Nirmala UI"/>
+        <a:font script="Osma" typeface="Ebrima"/>
+        <a:font script="Phag" typeface="Phagspa"/>
+        <a:font script="Syrn" typeface="Estrangelo Edessa"/>
+        <a:font script="Syrj" typeface="Estrangelo Edessa"/>
+        <a:font script="Syre" typeface="Estrangelo Edessa"/>
+        <a:font script="Sora" typeface="Nirmala UI"/>
+        <a:font script="Tale" typeface="Microsoft Tai Le"/>
+        <a:font script="Talu" typeface="Microsoft New Tai Lue"/>
+        <a:font script="Tfng" typeface="Ebrima"/>
+      </a:minorFont>
+    </a:fontScheme>
+    <a:fmtScheme name="Office">
+      <a:fillStyleLst>
+        <a:solidFill>
+          <a:schemeClr val="phClr"/>
+        </a:solidFill>
+        <a:gradFill rotWithShape="1">
+          <a:gsLst>
+            <a:gs pos="0">
+              <a:schemeClr val="phClr">
+                <a:lumMod val="110000"/>
+                <a:satMod val="105000"/>
+                <a:tint val="67000"/>
+              </a:schemeClr>
+            </a:gs>
+            <a:gs pos="50000">
+              <a:schemeClr val="phClr">
+                <a:lumMod val="105000"/>
+                <a:satMod val="103000"/>
+                <a:tint val="73000"/>
+              </a:schemeClr>
+            </a:gs>
+            <a:gs pos="100000">
+              <a:schemeClr val="phClr">
+                <a:lumMod val="105000"/>
+                <a:satMod val="109000"/>
+                <a:tint val="81000"/>
+              </a:schemeClr>
+            </a:gs>
+          </a:gsLst>
+          <a:lin ang="5400000" scaled="0"/>
+        </a:gradFill>
+        <a:gradFill rotWithShape="1">
+          <a:gsLst>
+            <a:gs pos="0">
+              <a:schemeClr val="phClr">
+                <a:satMod val="103000"/>
+                <a:lumMod val="102000"/>
+                <a:tint val="94000"/>
+              </a:schemeClr>
+            </a:gs>
+            <a:gs pos="50000">
+              <a:schemeClr val="phClr">
+                <a:satMod val="110000"/>
+                <a:lumMod val="100000"/>
+                <a:shade val="100000"/>
+              </a:schemeClr>
+            </a:gs>
+            <a:gs pos="100000">
+              <a:schemeClr val="phClr">
+                <a:lumMod val="99000"/>
+                <a:satMod val="120000"/>
+                <a:shade val="78000"/>
+              </a:schemeClr>
+            </a:gs>
+          </a:gsLst>
+          <a:lin ang="5400000" scaled="0"/>
+        </a:gradFill>
+      </a:fillStyleLst>
+      <a:lnStyleLst>
+        <a:ln w="6350" cap="flat" cmpd="sng" algn="ctr">
+          <a:solidFill>
+            <a:schemeClr val="phClr"/>
+          </a:solidFill>
+          <a:prstDash val="solid"/>
+          <a:miter lim="800000"/>
+        </a:ln>
+        <a:ln w="12700" cap="flat" cmpd="sng" algn="ctr">
+          <a:solidFill>
+            <a:schemeClr val="phClr"/>
+          </a:solidFill>
+          <a:prstDash val="solid"/>
+          <a:miter lim="800000"/>
+        </a:ln>
+        <a:ln w="19050" cap="flat" cmpd="sng" algn="ctr">
+          <a:solidFill>
+            <a:schemeClr val="phClr"/>
+          </a:solidFill>
+          <a:prstDash val="solid"/>
+          <a:miter lim="800000"/>
+        </a:ln>
+      </a:lnStyleLst>
+      <a:effectStyleLst>
+        <a:effectStyle>
+          <a:effectLst/>
+        </a:effectStyle>
+        <a:effectStyle>
+          <a:effectLst/>
+        </a:effectStyle>
+        <a:effectStyle>
+          <a:effectLst>
+            <a:outerShdw blurRad="57150" dist="19050" dir="5400000" algn="ctr" rotWithShape="0">
+              <a:srgbClr val="000000">
+                <a:alpha val="63000"/>
+              </a:srgbClr>
+            </a:outerShdw>
+          </a:effectLst>
+        </a:effectStyle>
+      </a:effectStyleLst>
+      <a:bgFillStyleLst>
+        <a:solidFill>
+          <a:schemeClr val="phClr"/>
+        </a:solidFill>
+        <a:solidFill>
+          <a:schemeClr val="phClr">
+            <a:tint val="95000"/>
+            <a:satMod val="170000"/>
+          </a:schemeClr>
+        </a:solidFill>
+        <a:gradFill rotWithShape="1">
+          <a:gsLst>
+            <a:gs pos="0">
+              <a:schemeClr val="phClr">
+                <a:tint val="93000"/>
+                <a:satMod val="150000"/>
+                <a:shade val="98000"/>
+                <a:lumMod val="102000"/>
+              </a:schemeClr>
+            </a:gs>
+            <a:gs pos="50000">
+              <a:schemeClr val="phClr">
+                <a:tint val="98000"/>
+                <a:satMod val="130000"/>
+                <a:shade val="90000"/>
+                <a:lumMod val="103000"/>
+              </a:schemeClr>
+            </a:gs>
+            <a:gs pos="100000">
+              <a:schemeClr val="phClr">
+                <a:shade val="63000"/>
+                <a:satMod val="120000"/>
+              </a:schemeClr>
+            </a:gs>
+          </a:gsLst>
+          <a:lin ang="5400000" scaled="0"/>
+        </a:gradFill>
+      </a:bgFillStyleLst>
+    </a:fmtScheme>
+  </a:themeElements>
+  <a:objectDefaults/>
+  <a:extraClrSchemeLst/>
+  <a:extLst>
+    <a:ext uri="{05A4C25C-085E-4340-85A3-A5531E510DB2}">
+      <thm15:themeFamily xmlns:thm15="http://schemas.microsoft.com/office/thememl/2012/main" name="Office Theme" id="{62F939B6-93AF-4DB8-9C6B-D6C7DFDC589F}" vid="{4A3C46E8-61CC-4603-A589-7422A47A8E4A}"/>
+    </a:ext>
+  </a:extLst>
+</a:theme>
 </file>
--- a/Presentations/Class 03 - Sept 18.pptx
+++ b/Presentations/Class 03 - Sept 18.pptx
@@ -5,33 +5,36 @@
     <p:sldMasterId id="2147483660" r:id="rId1"/>
   </p:sldMasterIdLst>
   <p:notesMasterIdLst>
-    <p:notesMasterId r:id="rId26"/>
+    <p:notesMasterId r:id="rId29"/>
   </p:notesMasterIdLst>
   <p:sldIdLst>
     <p:sldId id="256" r:id="rId2"/>
     <p:sldId id="257" r:id="rId3"/>
-    <p:sldId id="258" r:id="rId4"/>
-    <p:sldId id="259" r:id="rId5"/>
-    <p:sldId id="260" r:id="rId6"/>
-    <p:sldId id="261" r:id="rId7"/>
-    <p:sldId id="264" r:id="rId8"/>
-    <p:sldId id="262" r:id="rId9"/>
-    <p:sldId id="263" r:id="rId10"/>
-    <p:sldId id="268" r:id="rId11"/>
-    <p:sldId id="265" r:id="rId12"/>
-    <p:sldId id="266" r:id="rId13"/>
-    <p:sldId id="267" r:id="rId14"/>
-    <p:sldId id="271" r:id="rId15"/>
-    <p:sldId id="272" r:id="rId16"/>
-    <p:sldId id="273" r:id="rId17"/>
-    <p:sldId id="274" r:id="rId18"/>
-    <p:sldId id="275" r:id="rId19"/>
-    <p:sldId id="279" r:id="rId20"/>
-    <p:sldId id="276" r:id="rId21"/>
-    <p:sldId id="277" r:id="rId22"/>
-    <p:sldId id="278" r:id="rId23"/>
-    <p:sldId id="269" r:id="rId24"/>
-    <p:sldId id="280" r:id="rId25"/>
+    <p:sldId id="283" r:id="rId4"/>
+    <p:sldId id="282" r:id="rId5"/>
+    <p:sldId id="258" r:id="rId6"/>
+    <p:sldId id="259" r:id="rId7"/>
+    <p:sldId id="260" r:id="rId8"/>
+    <p:sldId id="261" r:id="rId9"/>
+    <p:sldId id="264" r:id="rId10"/>
+    <p:sldId id="262" r:id="rId11"/>
+    <p:sldId id="263" r:id="rId12"/>
+    <p:sldId id="268" r:id="rId13"/>
+    <p:sldId id="265" r:id="rId14"/>
+    <p:sldId id="266" r:id="rId15"/>
+    <p:sldId id="267" r:id="rId16"/>
+    <p:sldId id="271" r:id="rId17"/>
+    <p:sldId id="272" r:id="rId18"/>
+    <p:sldId id="273" r:id="rId19"/>
+    <p:sldId id="274" r:id="rId20"/>
+    <p:sldId id="275" r:id="rId21"/>
+    <p:sldId id="279" r:id="rId22"/>
+    <p:sldId id="276" r:id="rId23"/>
+    <p:sldId id="277" r:id="rId24"/>
+    <p:sldId id="278" r:id="rId25"/>
+    <p:sldId id="269" r:id="rId26"/>
+    <p:sldId id="280" r:id="rId27"/>
+    <p:sldId id="281" r:id="rId28"/>
   </p:sldIdLst>
   <p:sldSz cx="12192000" cy="6858000"/>
   <p:notesSz cx="6858000" cy="9144000"/>
@@ -137,6 +140,8 @@
           <p14:sldIdLst>
             <p14:sldId id="256"/>
             <p14:sldId id="257"/>
+            <p14:sldId id="283"/>
+            <p14:sldId id="282"/>
             <p14:sldId id="258"/>
             <p14:sldId id="259"/>
             <p14:sldId id="260"/>
@@ -159,6 +164,7 @@
             <p14:sldId id="278"/>
             <p14:sldId id="269"/>
             <p14:sldId id="280"/>
+            <p14:sldId id="281"/>
           </p14:sldIdLst>
         </p14:section>
       </p14:sectionLst>
@@ -3512,6 +3518,547 @@
           <p:cNvPr id="2" name="Title 1">
             <a:extLst>
               <a:ext uri="{FF2B5EF4-FFF2-40B4-BE49-F238E27FC236}">
+                <a16:creationId xmlns:a16="http://schemas.microsoft.com/office/drawing/2014/main" id="{1B302ACB-707E-4DB7-B6BA-86D3EEAC9095}"/>
+              </a:ext>
+            </a:extLst>
+          </p:cNvPr>
+          <p:cNvSpPr>
+            <a:spLocks noGrp="1"/>
+          </p:cNvSpPr>
+          <p:nvPr>
+            <p:ph type="title"/>
+          </p:nvPr>
+        </p:nvSpPr>
+        <p:spPr/>
+        <p:txBody>
+          <a:bodyPr/>
+          <a:lstStyle/>
+          <a:p>
+            <a:r>
+              <a:rPr lang="en-US" dirty="0"/>
+              <a:t>All the Shapes</a:t>
+            </a:r>
+          </a:p>
+        </p:txBody>
+      </p:sp>
+      <p:sp>
+        <p:nvSpPr>
+          <p:cNvPr id="4" name="Text Placeholder 3">
+            <a:extLst>
+              <a:ext uri="{FF2B5EF4-FFF2-40B4-BE49-F238E27FC236}">
+                <a16:creationId xmlns:a16="http://schemas.microsoft.com/office/drawing/2014/main" id="{BB95B562-374B-449E-A4B5-70E7199A93A5}"/>
+              </a:ext>
+            </a:extLst>
+          </p:cNvPr>
+          <p:cNvSpPr>
+            <a:spLocks noGrp="1"/>
+          </p:cNvSpPr>
+          <p:nvPr>
+            <p:ph type="body" idx="1"/>
+          </p:nvPr>
+        </p:nvSpPr>
+        <p:spPr>
+          <a:xfrm>
+            <a:off x="839788" y="1681163"/>
+            <a:ext cx="5157787" cy="823912"/>
+          </a:xfrm>
+        </p:spPr>
+        <p:txBody>
+          <a:bodyPr/>
+          <a:lstStyle/>
+          <a:p>
+            <a:pPr algn="ctr"/>
+            <a:r>
+              <a:rPr lang="en-US" dirty="0"/>
+              <a:t>line(</a:t>
+            </a:r>
+            <a:r>
+              <a:rPr lang="en-US" dirty="0">
+                <a:solidFill>
+                  <a:srgbClr val="FF0000"/>
+                </a:solidFill>
+              </a:rPr>
+              <a:t>x1, y1</a:t>
+            </a:r>
+            <a:r>
+              <a:rPr lang="en-US" dirty="0"/>
+              <a:t>, </a:t>
+            </a:r>
+            <a:r>
+              <a:rPr lang="en-US" dirty="0">
+                <a:solidFill>
+                  <a:srgbClr val="00B050"/>
+                </a:solidFill>
+              </a:rPr>
+              <a:t>x2, y2</a:t>
+            </a:r>
+            <a:r>
+              <a:rPr lang="en-US" dirty="0"/>
+              <a:t>);</a:t>
+            </a:r>
+          </a:p>
+        </p:txBody>
+      </p:sp>
+      <p:sp>
+        <p:nvSpPr>
+          <p:cNvPr id="5" name="Text Placeholder 4">
+            <a:extLst>
+              <a:ext uri="{FF2B5EF4-FFF2-40B4-BE49-F238E27FC236}">
+                <a16:creationId xmlns:a16="http://schemas.microsoft.com/office/drawing/2014/main" id="{FCF90FA3-BFAC-46C5-812A-CF9CA56B3005}"/>
+              </a:ext>
+            </a:extLst>
+          </p:cNvPr>
+          <p:cNvSpPr>
+            <a:spLocks noGrp="1"/>
+          </p:cNvSpPr>
+          <p:nvPr>
+            <p:ph type="body" sz="quarter" idx="3"/>
+          </p:nvPr>
+        </p:nvSpPr>
+        <p:spPr>
+          <a:xfrm>
+            <a:off x="6172200" y="1681163"/>
+            <a:ext cx="5650606" cy="823912"/>
+          </a:xfrm>
+        </p:spPr>
+        <p:txBody>
+          <a:bodyPr/>
+          <a:lstStyle/>
+          <a:p>
+            <a:pPr algn="ctr"/>
+            <a:r>
+              <a:rPr lang="en-US" dirty="0" err="1"/>
+              <a:t>rect</a:t>
+            </a:r>
+            <a:r>
+              <a:rPr lang="en-US" dirty="0"/>
+              <a:t>(</a:t>
+            </a:r>
+            <a:r>
+              <a:rPr lang="en-US" dirty="0" err="1">
+                <a:solidFill>
+                  <a:srgbClr val="FF0000"/>
+                </a:solidFill>
+              </a:rPr>
+              <a:t>cornerX</a:t>
+            </a:r>
+            <a:r>
+              <a:rPr lang="en-US" dirty="0">
+                <a:solidFill>
+                  <a:srgbClr val="FF0000"/>
+                </a:solidFill>
+              </a:rPr>
+              <a:t>, </a:t>
+            </a:r>
+            <a:r>
+              <a:rPr lang="en-US" dirty="0" err="1">
+                <a:solidFill>
+                  <a:srgbClr val="FF0000"/>
+                </a:solidFill>
+              </a:rPr>
+              <a:t>cornerY</a:t>
+            </a:r>
+            <a:r>
+              <a:rPr lang="en-US" dirty="0"/>
+              <a:t>, </a:t>
+            </a:r>
+            <a:r>
+              <a:rPr lang="en-US" dirty="0">
+                <a:solidFill>
+                  <a:srgbClr val="00B050"/>
+                </a:solidFill>
+              </a:rPr>
+              <a:t>width</a:t>
+            </a:r>
+            <a:r>
+              <a:rPr lang="en-US" dirty="0"/>
+              <a:t>, </a:t>
+            </a:r>
+            <a:r>
+              <a:rPr lang="en-US" dirty="0">
+                <a:solidFill>
+                  <a:srgbClr val="00B0F0"/>
+                </a:solidFill>
+              </a:rPr>
+              <a:t>height</a:t>
+            </a:r>
+            <a:r>
+              <a:rPr lang="en-US" dirty="0"/>
+              <a:t>);</a:t>
+            </a:r>
+          </a:p>
+        </p:txBody>
+      </p:sp>
+      <p:pic>
+        <p:nvPicPr>
+          <p:cNvPr id="12" name="Content Placeholder 11">
+            <a:extLst>
+              <a:ext uri="{FF2B5EF4-FFF2-40B4-BE49-F238E27FC236}">
+                <a16:creationId xmlns:a16="http://schemas.microsoft.com/office/drawing/2014/main" id="{666A2BE7-AFF1-40DC-9E3A-A60511A894D1}"/>
+              </a:ext>
+            </a:extLst>
+          </p:cNvPr>
+          <p:cNvPicPr>
+            <a:picLocks noGrp="1" noChangeAspect="1"/>
+          </p:cNvPicPr>
+          <p:nvPr>
+            <p:ph sz="quarter" idx="4"/>
+          </p:nvPr>
+        </p:nvPicPr>
+        <p:blipFill>
+          <a:blip r:embed="rId2"/>
+          <a:stretch>
+            <a:fillRect/>
+          </a:stretch>
+        </p:blipFill>
+        <p:spPr>
+          <a:xfrm>
+            <a:off x="6921500" y="2505075"/>
+            <a:ext cx="3684588" cy="3684588"/>
+          </a:xfrm>
+          <a:prstGeom prst="rect">
+            <a:avLst/>
+          </a:prstGeom>
+        </p:spPr>
+      </p:pic>
+      <p:pic>
+        <p:nvPicPr>
+          <p:cNvPr id="11" name="Content Placeholder 10">
+            <a:extLst>
+              <a:ext uri="{FF2B5EF4-FFF2-40B4-BE49-F238E27FC236}">
+                <a16:creationId xmlns:a16="http://schemas.microsoft.com/office/drawing/2014/main" id="{7CB7E729-7552-4AB7-8511-9EAF044B2EAD}"/>
+              </a:ext>
+            </a:extLst>
+          </p:cNvPr>
+          <p:cNvPicPr>
+            <a:picLocks noGrp="1" noChangeAspect="1"/>
+          </p:cNvPicPr>
+          <p:nvPr>
+            <p:ph sz="half" idx="2"/>
+          </p:nvPr>
+        </p:nvPicPr>
+        <p:blipFill>
+          <a:blip r:embed="rId3"/>
+          <a:stretch>
+            <a:fillRect/>
+          </a:stretch>
+        </p:blipFill>
+        <p:spPr>
+          <a:xfrm>
+            <a:off x="1576387" y="2505075"/>
+            <a:ext cx="3684588" cy="3684588"/>
+          </a:xfrm>
+          <a:prstGeom prst="rect">
+            <a:avLst/>
+          </a:prstGeom>
+        </p:spPr>
+      </p:pic>
+    </p:spTree>
+    <p:extLst>
+      <p:ext uri="{BB962C8B-B14F-4D97-AF65-F5344CB8AC3E}">
+        <p14:creationId xmlns:p14="http://schemas.microsoft.com/office/powerpoint/2010/main" val="2469830884"/>
+      </p:ext>
+    </p:extLst>
+  </p:cSld>
+  <p:clrMapOvr>
+    <a:masterClrMapping/>
+  </p:clrMapOvr>
+</p:sld>
+</file>
+
+<file path=ppt/slides/slide11.xml><?xml version="1.0" encoding="utf-8"?>
+<p:sld xmlns:a="http://schemas.openxmlformats.org/drawingml/2006/main" xmlns:r="http://schemas.openxmlformats.org/officeDocument/2006/relationships" xmlns:p="http://schemas.openxmlformats.org/presentationml/2006/main">
+  <p:cSld>
+    <p:spTree>
+      <p:nvGrpSpPr>
+        <p:cNvPr id="1" name=""/>
+        <p:cNvGrpSpPr/>
+        <p:nvPr/>
+      </p:nvGrpSpPr>
+      <p:grpSpPr>
+        <a:xfrm>
+          <a:off x="0" y="0"/>
+          <a:ext cx="0" cy="0"/>
+          <a:chOff x="0" y="0"/>
+          <a:chExt cx="0" cy="0"/>
+        </a:xfrm>
+      </p:grpSpPr>
+      <p:sp>
+        <p:nvSpPr>
+          <p:cNvPr id="2" name="Title 1">
+            <a:extLst>
+              <a:ext uri="{FF2B5EF4-FFF2-40B4-BE49-F238E27FC236}">
+                <a16:creationId xmlns:a16="http://schemas.microsoft.com/office/drawing/2014/main" id="{1B302ACB-707E-4DB7-B6BA-86D3EEAC9095}"/>
+              </a:ext>
+            </a:extLst>
+          </p:cNvPr>
+          <p:cNvSpPr>
+            <a:spLocks noGrp="1"/>
+          </p:cNvSpPr>
+          <p:nvPr>
+            <p:ph type="title"/>
+          </p:nvPr>
+        </p:nvSpPr>
+        <p:spPr/>
+        <p:txBody>
+          <a:bodyPr/>
+          <a:lstStyle/>
+          <a:p>
+            <a:r>
+              <a:rPr lang="en-US" dirty="0"/>
+              <a:t>All the Shapes</a:t>
+            </a:r>
+          </a:p>
+        </p:txBody>
+      </p:sp>
+      <p:sp>
+        <p:nvSpPr>
+          <p:cNvPr id="4" name="Text Placeholder 3">
+            <a:extLst>
+              <a:ext uri="{FF2B5EF4-FFF2-40B4-BE49-F238E27FC236}">
+                <a16:creationId xmlns:a16="http://schemas.microsoft.com/office/drawing/2014/main" id="{BB95B562-374B-449E-A4B5-70E7199A93A5}"/>
+              </a:ext>
+            </a:extLst>
+          </p:cNvPr>
+          <p:cNvSpPr>
+            <a:spLocks noGrp="1"/>
+          </p:cNvSpPr>
+          <p:nvPr>
+            <p:ph type="body" idx="1"/>
+          </p:nvPr>
+        </p:nvSpPr>
+        <p:spPr/>
+        <p:txBody>
+          <a:bodyPr/>
+          <a:lstStyle/>
+          <a:p>
+            <a:r>
+              <a:rPr lang="en-US" dirty="0"/>
+              <a:t>ellipse(</a:t>
+            </a:r>
+            <a:r>
+              <a:rPr lang="en-US" dirty="0" err="1">
+                <a:solidFill>
+                  <a:srgbClr val="FF0000"/>
+                </a:solidFill>
+              </a:rPr>
+              <a:t>centerX</a:t>
+            </a:r>
+            <a:r>
+              <a:rPr lang="en-US" dirty="0">
+                <a:solidFill>
+                  <a:srgbClr val="FF0000"/>
+                </a:solidFill>
+              </a:rPr>
+              <a:t>, </a:t>
+            </a:r>
+            <a:r>
+              <a:rPr lang="en-US" dirty="0" err="1">
+                <a:solidFill>
+                  <a:srgbClr val="FF0000"/>
+                </a:solidFill>
+              </a:rPr>
+              <a:t>centerY</a:t>
+            </a:r>
+            <a:r>
+              <a:rPr lang="en-US" dirty="0"/>
+              <a:t>, </a:t>
+            </a:r>
+            <a:r>
+              <a:rPr lang="en-US" dirty="0">
+                <a:solidFill>
+                  <a:srgbClr val="00B050"/>
+                </a:solidFill>
+              </a:rPr>
+              <a:t>width</a:t>
+            </a:r>
+            <a:r>
+              <a:rPr lang="en-US" dirty="0"/>
+              <a:t>, [</a:t>
+            </a:r>
+            <a:r>
+              <a:rPr lang="en-US" dirty="0">
+                <a:solidFill>
+                  <a:srgbClr val="00B0F0"/>
+                </a:solidFill>
+              </a:rPr>
+              <a:t>h</a:t>
+            </a:r>
+            <a:r>
+              <a:rPr lang="en-US" dirty="0"/>
+              <a:t>])</a:t>
+            </a:r>
+          </a:p>
+        </p:txBody>
+      </p:sp>
+      <p:pic>
+        <p:nvPicPr>
+          <p:cNvPr id="7" name="Content Placeholder 6">
+            <a:extLst>
+              <a:ext uri="{FF2B5EF4-FFF2-40B4-BE49-F238E27FC236}">
+                <a16:creationId xmlns:a16="http://schemas.microsoft.com/office/drawing/2014/main" id="{574FF49F-5061-427D-9C31-56099E9AFB78}"/>
+              </a:ext>
+            </a:extLst>
+          </p:cNvPr>
+          <p:cNvPicPr>
+            <a:picLocks noGrp="1" noChangeAspect="1"/>
+          </p:cNvPicPr>
+          <p:nvPr>
+            <p:ph sz="half" idx="2"/>
+          </p:nvPr>
+        </p:nvPicPr>
+        <p:blipFill>
+          <a:blip r:embed="rId2"/>
+          <a:stretch>
+            <a:fillRect/>
+          </a:stretch>
+        </p:blipFill>
+        <p:spPr>
+          <a:xfrm>
+            <a:off x="1576387" y="2505075"/>
+            <a:ext cx="3684588" cy="3684588"/>
+          </a:xfrm>
+          <a:prstGeom prst="rect">
+            <a:avLst/>
+          </a:prstGeom>
+        </p:spPr>
+      </p:pic>
+      <p:sp>
+        <p:nvSpPr>
+          <p:cNvPr id="5" name="Text Placeholder 4">
+            <a:extLst>
+              <a:ext uri="{FF2B5EF4-FFF2-40B4-BE49-F238E27FC236}">
+                <a16:creationId xmlns:a16="http://schemas.microsoft.com/office/drawing/2014/main" id="{FCF90FA3-BFAC-46C5-812A-CF9CA56B3005}"/>
+              </a:ext>
+            </a:extLst>
+          </p:cNvPr>
+          <p:cNvSpPr>
+            <a:spLocks noGrp="1"/>
+          </p:cNvSpPr>
+          <p:nvPr>
+            <p:ph type="body" sz="quarter" idx="3"/>
+          </p:nvPr>
+        </p:nvSpPr>
+        <p:spPr>
+          <a:xfrm>
+            <a:off x="6172200" y="1681163"/>
+            <a:ext cx="5650606" cy="823912"/>
+          </a:xfrm>
+        </p:spPr>
+        <p:txBody>
+          <a:bodyPr/>
+          <a:lstStyle/>
+          <a:p>
+            <a:r>
+              <a:rPr lang="en-US" dirty="0"/>
+              <a:t>triangle(</a:t>
+            </a:r>
+            <a:r>
+              <a:rPr lang="en-US" dirty="0">
+                <a:solidFill>
+                  <a:srgbClr val="FF0000"/>
+                </a:solidFill>
+              </a:rPr>
+              <a:t>x1, y1  </a:t>
+            </a:r>
+            <a:r>
+              <a:rPr lang="en-US" dirty="0"/>
+              <a:t>,  </a:t>
+            </a:r>
+            <a:r>
+              <a:rPr lang="en-US" dirty="0">
+                <a:solidFill>
+                  <a:srgbClr val="00B050"/>
+                </a:solidFill>
+              </a:rPr>
+              <a:t>x2, y2  </a:t>
+            </a:r>
+            <a:r>
+              <a:rPr lang="en-US" dirty="0"/>
+              <a:t>,  </a:t>
+            </a:r>
+            <a:r>
+              <a:rPr lang="en-US" dirty="0">
+                <a:solidFill>
+                  <a:srgbClr val="00B0F0"/>
+                </a:solidFill>
+              </a:rPr>
+              <a:t>x3, y3</a:t>
+            </a:r>
+            <a:r>
+              <a:rPr lang="en-US" dirty="0"/>
+              <a:t>);</a:t>
+            </a:r>
+          </a:p>
+        </p:txBody>
+      </p:sp>
+      <p:pic>
+        <p:nvPicPr>
+          <p:cNvPr id="8" name="Content Placeholder 7">
+            <a:extLst>
+              <a:ext uri="{FF2B5EF4-FFF2-40B4-BE49-F238E27FC236}">
+                <a16:creationId xmlns:a16="http://schemas.microsoft.com/office/drawing/2014/main" id="{AAA8C019-B0EF-4467-A747-6F747008DB54}"/>
+              </a:ext>
+            </a:extLst>
+          </p:cNvPr>
+          <p:cNvPicPr>
+            <a:picLocks noGrp="1" noChangeAspect="1"/>
+          </p:cNvPicPr>
+          <p:nvPr>
+            <p:ph sz="quarter" idx="4"/>
+          </p:nvPr>
+        </p:nvPicPr>
+        <p:blipFill>
+          <a:blip r:embed="rId3"/>
+          <a:stretch>
+            <a:fillRect/>
+          </a:stretch>
+        </p:blipFill>
+        <p:spPr>
+          <a:xfrm>
+            <a:off x="6921500" y="2505075"/>
+            <a:ext cx="3684588" cy="3684588"/>
+          </a:xfrm>
+          <a:prstGeom prst="rect">
+            <a:avLst/>
+          </a:prstGeom>
+        </p:spPr>
+      </p:pic>
+    </p:spTree>
+    <p:extLst>
+      <p:ext uri="{BB962C8B-B14F-4D97-AF65-F5344CB8AC3E}">
+        <p14:creationId xmlns:p14="http://schemas.microsoft.com/office/powerpoint/2010/main" val="2547827655"/>
+      </p:ext>
+    </p:extLst>
+  </p:cSld>
+  <p:clrMapOvr>
+    <a:masterClrMapping/>
+  </p:clrMapOvr>
+</p:sld>
+</file>
+
+<file path=ppt/slides/slide12.xml><?xml version="1.0" encoding="utf-8"?>
+<p:sld xmlns:a="http://schemas.openxmlformats.org/drawingml/2006/main" xmlns:r="http://schemas.openxmlformats.org/officeDocument/2006/relationships" xmlns:p="http://schemas.openxmlformats.org/presentationml/2006/main">
+  <p:cSld>
+    <p:spTree>
+      <p:nvGrpSpPr>
+        <p:cNvPr id="1" name=""/>
+        <p:cNvGrpSpPr/>
+        <p:nvPr/>
+      </p:nvGrpSpPr>
+      <p:grpSpPr>
+        <a:xfrm>
+          <a:off x="0" y="0"/>
+          <a:ext cx="0" cy="0"/>
+          <a:chOff x="0" y="0"/>
+          <a:chExt cx="0" cy="0"/>
+        </a:xfrm>
+      </p:grpSpPr>
+      <p:sp>
+        <p:nvSpPr>
+          <p:cNvPr id="2" name="Title 1">
+            <a:extLst>
+              <a:ext uri="{FF2B5EF4-FFF2-40B4-BE49-F238E27FC236}">
                 <a16:creationId xmlns:a16="http://schemas.microsoft.com/office/drawing/2014/main" id="{DF37C4C0-3A78-407E-8F71-C2FB661B6743}"/>
               </a:ext>
             </a:extLst>
@@ -3582,7 +4129,7 @@
 </p:sld>
 </file>
 
-<file path=ppt/slides/slide11.xml><?xml version="1.0" encoding="utf-8"?>
+<file path=ppt/slides/slide13.xml><?xml version="1.0" encoding="utf-8"?>
 <p:sld xmlns:a="http://schemas.openxmlformats.org/drawingml/2006/main" xmlns:r="http://schemas.openxmlformats.org/officeDocument/2006/relationships" xmlns:p="http://schemas.openxmlformats.org/presentationml/2006/main">
   <p:cSld>
     <p:spTree>
@@ -3658,266 +4205,6 @@
 </p:sld>
 </file>
 
-<file path=ppt/slides/slide12.xml><?xml version="1.0" encoding="utf-8"?>
-<p:sld xmlns:a="http://schemas.openxmlformats.org/drawingml/2006/main" xmlns:r="http://schemas.openxmlformats.org/officeDocument/2006/relationships" xmlns:p="http://schemas.openxmlformats.org/presentationml/2006/main">
-  <p:cSld>
-    <p:spTree>
-      <p:nvGrpSpPr>
-        <p:cNvPr id="1" name=""/>
-        <p:cNvGrpSpPr/>
-        <p:nvPr/>
-      </p:nvGrpSpPr>
-      <p:grpSpPr>
-        <a:xfrm>
-          <a:off x="0" y="0"/>
-          <a:ext cx="0" cy="0"/>
-          <a:chOff x="0" y="0"/>
-          <a:chExt cx="0" cy="0"/>
-        </a:xfrm>
-      </p:grpSpPr>
-      <p:sp>
-        <p:nvSpPr>
-          <p:cNvPr id="2" name="Title 1">
-            <a:extLst>
-              <a:ext uri="{FF2B5EF4-FFF2-40B4-BE49-F238E27FC236}">
-                <a16:creationId xmlns:a16="http://schemas.microsoft.com/office/drawing/2014/main" id="{2E6B6378-49A3-43E9-93BB-17267F57CB3D}"/>
-              </a:ext>
-            </a:extLst>
-          </p:cNvPr>
-          <p:cNvSpPr>
-            <a:spLocks noGrp="1"/>
-          </p:cNvSpPr>
-          <p:nvPr>
-            <p:ph type="title"/>
-          </p:nvPr>
-        </p:nvSpPr>
-        <p:spPr/>
-        <p:txBody>
-          <a:bodyPr>
-            <a:normAutofit/>
-          </a:bodyPr>
-          <a:lstStyle/>
-          <a:p>
-            <a:pPr algn="ctr"/>
-            <a:r>
-              <a:rPr lang="en-US" dirty="0">
-                <a:hlinkClick r:id="rId2"/>
-              </a:rPr>
-              <a:t>https://cdpn.io/e/VMYWqP</a:t>
-            </a:r>
-            <a:r>
-              <a:rPr lang="en-US" dirty="0"/>
-              <a:t> </a:t>
-            </a:r>
-          </a:p>
-        </p:txBody>
-      </p:sp>
-      <p:sp>
-        <p:nvSpPr>
-          <p:cNvPr id="3" name="Text Placeholder 2">
-            <a:extLst>
-              <a:ext uri="{FF2B5EF4-FFF2-40B4-BE49-F238E27FC236}">
-                <a16:creationId xmlns:a16="http://schemas.microsoft.com/office/drawing/2014/main" id="{AA48DAF8-FE68-40BA-8921-D7B0AE13C8EF}"/>
-              </a:ext>
-            </a:extLst>
-          </p:cNvPr>
-          <p:cNvSpPr>
-            <a:spLocks noGrp="1"/>
-          </p:cNvSpPr>
-          <p:nvPr>
-            <p:ph type="body" idx="1"/>
-          </p:nvPr>
-        </p:nvSpPr>
-        <p:spPr/>
-        <p:txBody>
-          <a:bodyPr/>
-          <a:lstStyle/>
-          <a:p>
-            <a:r>
-              <a:rPr lang="en-US" dirty="0"/>
-              <a:t>Starting point</a:t>
-            </a:r>
-          </a:p>
-          <a:p>
-            <a:endParaRPr lang="en-US" dirty="0"/>
-          </a:p>
-          <a:p>
-            <a:r>
-              <a:rPr lang="en-US" dirty="0"/>
-              <a:t>Follow along! </a:t>
-            </a:r>
-            <a:r>
-              <a:rPr lang="en-US" dirty="0">
-                <a:hlinkClick r:id="rId3"/>
-              </a:rPr>
-              <a:t>https://github.com/crhallberg/IMM120</a:t>
-            </a:r>
-            <a:r>
-              <a:rPr lang="en-US" dirty="0"/>
-              <a:t> : x1-Flappy Bird</a:t>
-            </a:r>
-          </a:p>
-        </p:txBody>
-      </p:sp>
-    </p:spTree>
-    <p:extLst>
-      <p:ext uri="{BB962C8B-B14F-4D97-AF65-F5344CB8AC3E}">
-        <p14:creationId xmlns:p14="http://schemas.microsoft.com/office/powerpoint/2010/main" val="1145184513"/>
-      </p:ext>
-    </p:extLst>
-  </p:cSld>
-  <p:clrMapOvr>
-    <a:masterClrMapping/>
-  </p:clrMapOvr>
-</p:sld>
-</file>
-
-<file path=ppt/slides/slide13.xml><?xml version="1.0" encoding="utf-8"?>
-<p:sld xmlns:a="http://schemas.openxmlformats.org/drawingml/2006/main" xmlns:r="http://schemas.openxmlformats.org/officeDocument/2006/relationships" xmlns:p="http://schemas.openxmlformats.org/presentationml/2006/main">
-  <p:cSld>
-    <p:spTree>
-      <p:nvGrpSpPr>
-        <p:cNvPr id="1" name=""/>
-        <p:cNvGrpSpPr/>
-        <p:nvPr/>
-      </p:nvGrpSpPr>
-      <p:grpSpPr>
-        <a:xfrm>
-          <a:off x="0" y="0"/>
-          <a:ext cx="0" cy="0"/>
-          <a:chOff x="0" y="0"/>
-          <a:chExt cx="0" cy="0"/>
-        </a:xfrm>
-      </p:grpSpPr>
-      <p:sp>
-        <p:nvSpPr>
-          <p:cNvPr id="4" name="Title 3">
-            <a:extLst>
-              <a:ext uri="{FF2B5EF4-FFF2-40B4-BE49-F238E27FC236}">
-                <a16:creationId xmlns:a16="http://schemas.microsoft.com/office/drawing/2014/main" id="{AB7D6037-5A82-4555-B358-8FEF778422E4}"/>
-              </a:ext>
-            </a:extLst>
-          </p:cNvPr>
-          <p:cNvSpPr>
-            <a:spLocks noGrp="1"/>
-          </p:cNvSpPr>
-          <p:nvPr>
-            <p:ph type="title"/>
-          </p:nvPr>
-        </p:nvSpPr>
-        <p:spPr/>
-        <p:txBody>
-          <a:bodyPr/>
-          <a:lstStyle/>
-          <a:p>
-            <a:r>
-              <a:rPr lang="en-US" dirty="0"/>
-              <a:t>Houston, we have a problem</a:t>
-            </a:r>
-          </a:p>
-        </p:txBody>
-      </p:sp>
-      <p:sp>
-        <p:nvSpPr>
-          <p:cNvPr id="5" name="Content Placeholder 4">
-            <a:extLst>
-              <a:ext uri="{FF2B5EF4-FFF2-40B4-BE49-F238E27FC236}">
-                <a16:creationId xmlns:a16="http://schemas.microsoft.com/office/drawing/2014/main" id="{8A573F7C-5EB7-4130-B756-8BC91BB2A12C}"/>
-              </a:ext>
-            </a:extLst>
-          </p:cNvPr>
-          <p:cNvSpPr>
-            <a:spLocks noGrp="1"/>
-          </p:cNvSpPr>
-          <p:nvPr>
-            <p:ph idx="1"/>
-          </p:nvPr>
-        </p:nvSpPr>
-        <p:spPr/>
-        <p:txBody>
-          <a:bodyPr/>
-          <a:lstStyle/>
-          <a:p>
-            <a:r>
-              <a:rPr lang="en-US" b="1" dirty="0" err="1"/>
-              <a:t>noLoop</a:t>
-            </a:r>
-            <a:r>
-              <a:rPr lang="en-US" b="1" dirty="0"/>
-              <a:t>();</a:t>
-            </a:r>
-            <a:r>
-              <a:rPr lang="en-US" dirty="0"/>
-              <a:t> - Stop the draw loop</a:t>
-            </a:r>
-          </a:p>
-          <a:p>
-            <a:r>
-              <a:rPr lang="en-US" b="1" dirty="0"/>
-              <a:t>loop();</a:t>
-            </a:r>
-            <a:r>
-              <a:rPr lang="en-US" dirty="0"/>
-              <a:t> - Restart the draw loop</a:t>
-            </a:r>
-          </a:p>
-          <a:p>
-            <a:endParaRPr lang="en-US" b="1" dirty="0"/>
-          </a:p>
-        </p:txBody>
-      </p:sp>
-      <p:sp>
-        <p:nvSpPr>
-          <p:cNvPr id="8" name="Footer Placeholder 6">
-            <a:extLst>
-              <a:ext uri="{FF2B5EF4-FFF2-40B4-BE49-F238E27FC236}">
-                <a16:creationId xmlns:a16="http://schemas.microsoft.com/office/drawing/2014/main" id="{67490790-8699-41A3-A4C3-A12A3D01F593}"/>
-              </a:ext>
-            </a:extLst>
-          </p:cNvPr>
-          <p:cNvSpPr>
-            <a:spLocks noGrp="1"/>
-          </p:cNvSpPr>
-          <p:nvPr>
-            <p:ph type="ftr" sz="quarter" idx="11"/>
-          </p:nvPr>
-        </p:nvSpPr>
-        <p:spPr>
-          <a:xfrm>
-            <a:off x="0" y="6356350"/>
-            <a:ext cx="12192000" cy="365125"/>
-          </a:xfrm>
-        </p:spPr>
-        <p:txBody>
-          <a:bodyPr/>
-          <a:lstStyle/>
-          <a:p>
-            <a:r>
-              <a:rPr lang="en-US" sz="2400" dirty="0">
-                <a:hlinkClick r:id="rId2"/>
-              </a:rPr>
-              <a:t>https://github.com/crhallberg/IMM120</a:t>
-            </a:r>
-            <a:r>
-              <a:rPr lang="en-US" sz="2400" dirty="0"/>
-              <a:t> : x1-Flappy Bird</a:t>
-            </a:r>
-          </a:p>
-        </p:txBody>
-      </p:sp>
-    </p:spTree>
-    <p:extLst>
-      <p:ext uri="{BB962C8B-B14F-4D97-AF65-F5344CB8AC3E}">
-        <p14:creationId xmlns:p14="http://schemas.microsoft.com/office/powerpoint/2010/main" val="2851667039"/>
-      </p:ext>
-    </p:extLst>
-  </p:cSld>
-  <p:clrMapOvr>
-    <a:masterClrMapping/>
-  </p:clrMapOvr>
-</p:sld>
-</file>
-
 <file path=ppt/slides/slide14.xml><?xml version="1.0" encoding="utf-8"?>
 <p:sld xmlns:a="http://schemas.openxmlformats.org/drawingml/2006/main" xmlns:r="http://schemas.openxmlformats.org/officeDocument/2006/relationships" xmlns:p="http://schemas.openxmlformats.org/presentationml/2006/main">
   <p:cSld>
@@ -3940,7 +4227,7 @@
           <p:cNvPr id="2" name="Title 1">
             <a:extLst>
               <a:ext uri="{FF2B5EF4-FFF2-40B4-BE49-F238E27FC236}">
-                <a16:creationId xmlns:a16="http://schemas.microsoft.com/office/drawing/2014/main" id="{B08F0739-61CC-4707-9351-6294A8916035}"/>
+                <a16:creationId xmlns:a16="http://schemas.microsoft.com/office/drawing/2014/main" id="{2E6B6378-49A3-43E9-93BB-17267F57CB3D}"/>
               </a:ext>
             </a:extLst>
           </p:cNvPr>
@@ -3953,22 +4240,31 @@
         </p:nvSpPr>
         <p:spPr/>
         <p:txBody>
-          <a:bodyPr/>
-          <a:lstStyle/>
-          <a:p>
-            <a:r>
-              <a:rPr lang="en-US" dirty="0"/>
-              <a:t>Houston, we had a problem</a:t>
-            </a:r>
-          </a:p>
-        </p:txBody>
-      </p:sp>
-      <p:sp>
-        <p:nvSpPr>
-          <p:cNvPr id="3" name="Content Placeholder 2">
+          <a:bodyPr>
+            <a:normAutofit/>
+          </a:bodyPr>
+          <a:lstStyle/>
+          <a:p>
+            <a:pPr algn="ctr"/>
+            <a:r>
+              <a:rPr lang="en-US" dirty="0">
+                <a:hlinkClick r:id="rId2"/>
+              </a:rPr>
+              <a:t>https://cdpn.io/e/VMYWqP</a:t>
+            </a:r>
+            <a:r>
+              <a:rPr lang="en-US" dirty="0"/>
+              <a:t> </a:t>
+            </a:r>
+          </a:p>
+        </p:txBody>
+      </p:sp>
+      <p:sp>
+        <p:nvSpPr>
+          <p:cNvPr id="3" name="Text Placeholder 2">
             <a:extLst>
               <a:ext uri="{FF2B5EF4-FFF2-40B4-BE49-F238E27FC236}">
-                <a16:creationId xmlns:a16="http://schemas.microsoft.com/office/drawing/2014/main" id="{A2C00AE4-8FB7-4104-9A12-3F1D89565C1E}"/>
+                <a16:creationId xmlns:a16="http://schemas.microsoft.com/office/drawing/2014/main" id="{AA48DAF8-FE68-40BA-8921-D7B0AE13C8EF}"/>
               </a:ext>
             </a:extLst>
           </p:cNvPr>
@@ -3976,7 +4272,7 @@
             <a:spLocks noGrp="1"/>
           </p:cNvSpPr>
           <p:nvPr>
-            <p:ph idx="1"/>
+            <p:ph type="body" idx="1"/>
           </p:nvPr>
         </p:nvSpPr>
         <p:spPr/>
@@ -3984,77 +4280,27 @@
           <a:bodyPr/>
           <a:lstStyle/>
           <a:p>
-            <a:pPr marL="514350" indent="-514350">
-              <a:buFont typeface="+mj-lt"/>
-              <a:buAutoNum type="arabicPeriod"/>
-            </a:pPr>
-            <a:r>
-              <a:rPr lang="en-US" dirty="0"/>
-              <a:t>At the bottom of setup(), add </a:t>
-            </a:r>
-            <a:r>
-              <a:rPr lang="en-US" dirty="0" err="1"/>
-              <a:t>noLoop</a:t>
-            </a:r>
-            <a:r>
-              <a:rPr lang="en-US" dirty="0"/>
-              <a:t>();</a:t>
-            </a:r>
-          </a:p>
-          <a:p>
-            <a:pPr marL="514350" indent="-514350">
-              <a:buFont typeface="+mj-lt"/>
-              <a:buAutoNum type="arabicPeriod"/>
-            </a:pPr>
-            <a:r>
-              <a:rPr lang="en-US" dirty="0"/>
-              <a:t>At the top of </a:t>
-            </a:r>
-            <a:r>
-              <a:rPr lang="en-US" dirty="0" err="1"/>
-              <a:t>keyPressed</a:t>
-            </a:r>
-            <a:r>
-              <a:rPr lang="en-US" dirty="0"/>
-              <a:t>(), add loop();</a:t>
-            </a:r>
-          </a:p>
-        </p:txBody>
-      </p:sp>
-      <p:sp>
-        <p:nvSpPr>
-          <p:cNvPr id="6" name="Footer Placeholder 6">
-            <a:extLst>
-              <a:ext uri="{FF2B5EF4-FFF2-40B4-BE49-F238E27FC236}">
-                <a16:creationId xmlns:a16="http://schemas.microsoft.com/office/drawing/2014/main" id="{B7F195FD-11BB-4B1F-BE2C-AB73573DE8D8}"/>
-              </a:ext>
-            </a:extLst>
-          </p:cNvPr>
-          <p:cNvSpPr>
-            <a:spLocks noGrp="1"/>
-          </p:cNvSpPr>
-          <p:nvPr>
-            <p:ph type="ftr" sz="quarter" idx="11"/>
-          </p:nvPr>
-        </p:nvSpPr>
-        <p:spPr>
-          <a:xfrm>
-            <a:off x="0" y="6356350"/>
-            <a:ext cx="12192000" cy="365125"/>
-          </a:xfrm>
-        </p:spPr>
-        <p:txBody>
-          <a:bodyPr/>
-          <a:lstStyle/>
-          <a:p>
-            <a:r>
-              <a:rPr lang="en-US" sz="2400" dirty="0">
-                <a:hlinkClick r:id="rId2"/>
+            <a:r>
+              <a:rPr lang="en-US" dirty="0"/>
+              <a:t>Starting point</a:t>
+            </a:r>
+          </a:p>
+          <a:p>
+            <a:endParaRPr lang="en-US" dirty="0"/>
+          </a:p>
+          <a:p>
+            <a:r>
+              <a:rPr lang="en-US" dirty="0"/>
+              <a:t>Follow along! </a:t>
+            </a:r>
+            <a:r>
+              <a:rPr lang="en-US" dirty="0">
+                <a:hlinkClick r:id="rId3"/>
               </a:rPr>
               <a:t>https://github.com/crhallberg/IMM120</a:t>
             </a:r>
             <a:r>
-              <a:rPr lang="en-US" sz="2400" dirty="0"/>
+              <a:rPr lang="en-US" dirty="0"/>
               <a:t> : x1-Flappy Bird</a:t>
             </a:r>
           </a:p>
@@ -4063,7 +4309,7 @@
     </p:spTree>
     <p:extLst>
       <p:ext uri="{BB962C8B-B14F-4D97-AF65-F5344CB8AC3E}">
-        <p14:creationId xmlns:p14="http://schemas.microsoft.com/office/powerpoint/2010/main" val="2581837099"/>
+        <p14:creationId xmlns:p14="http://schemas.microsoft.com/office/powerpoint/2010/main" val="1145184513"/>
       </p:ext>
     </p:extLst>
   </p:cSld>
@@ -4092,10 +4338,10 @@
       </p:grpSpPr>
       <p:sp>
         <p:nvSpPr>
-          <p:cNvPr id="2" name="Title 1">
+          <p:cNvPr id="4" name="Title 3">
             <a:extLst>
               <a:ext uri="{FF2B5EF4-FFF2-40B4-BE49-F238E27FC236}">
-                <a16:creationId xmlns:a16="http://schemas.microsoft.com/office/drawing/2014/main" id="{36BC5ADB-CE75-405A-8301-D97B32B7D358}"/>
+                <a16:creationId xmlns:a16="http://schemas.microsoft.com/office/drawing/2014/main" id="{AB7D6037-5A82-4555-B358-8FEF778422E4}"/>
               </a:ext>
             </a:extLst>
           </p:cNvPr>
@@ -4113,17 +4359,17 @@
           <a:p>
             <a:r>
               <a:rPr lang="en-US" dirty="0"/>
-              <a:t>Hitting the World</a:t>
-            </a:r>
-          </a:p>
-        </p:txBody>
-      </p:sp>
-      <p:sp>
-        <p:nvSpPr>
-          <p:cNvPr id="3" name="Content Placeholder 2">
+              <a:t>Houston, we have a problem</a:t>
+            </a:r>
+          </a:p>
+        </p:txBody>
+      </p:sp>
+      <p:sp>
+        <p:nvSpPr>
+          <p:cNvPr id="5" name="Content Placeholder 4">
             <a:extLst>
               <a:ext uri="{FF2B5EF4-FFF2-40B4-BE49-F238E27FC236}">
-                <a16:creationId xmlns:a16="http://schemas.microsoft.com/office/drawing/2014/main" id="{9BEF9C0B-F5F6-414F-922A-A577DBC277FD}"/>
+                <a16:creationId xmlns:a16="http://schemas.microsoft.com/office/drawing/2014/main" id="{8A573F7C-5EB7-4130-B756-8BC91BB2A12C}"/>
               </a:ext>
             </a:extLst>
           </p:cNvPr>
@@ -4139,109 +4385,40 @@
           <a:bodyPr/>
           <a:lstStyle/>
           <a:p>
-            <a:pPr marL="514350" indent="-514350">
-              <a:buFont typeface="+mj-lt"/>
-              <a:buAutoNum type="arabicPeriod"/>
-            </a:pPr>
-            <a:r>
-              <a:rPr lang="en-US" dirty="0"/>
-              <a:t>Add a ground rectangle</a:t>
-            </a:r>
-          </a:p>
-          <a:p>
-            <a:pPr marL="514350" indent="-514350">
-              <a:buFont typeface="+mj-lt"/>
-              <a:buAutoNum type="arabicPeriod"/>
-            </a:pPr>
-            <a:r>
-              <a:rPr lang="en-US" dirty="0"/>
-              <a:t>In draw detect when our bird hits the ground</a:t>
-            </a:r>
-          </a:p>
-          <a:p>
-            <a:pPr marL="514350" indent="-514350">
-              <a:buFont typeface="+mj-lt"/>
-              <a:buAutoNum type="arabicPeriod"/>
-            </a:pPr>
-            <a:r>
-              <a:rPr lang="en-US" dirty="0"/>
-              <a:t>When it does, let’s…</a:t>
-            </a:r>
-          </a:p>
-          <a:p>
-            <a:pPr marL="971550" lvl="1" indent="-514350">
-              <a:buFont typeface="+mj-lt"/>
-              <a:buAutoNum type="arabicPeriod"/>
-            </a:pPr>
-            <a:r>
-              <a:rPr lang="en-US" dirty="0"/>
-              <a:t>set </a:t>
-            </a:r>
-            <a:r>
-              <a:rPr lang="en-US" dirty="0" err="1"/>
-              <a:t>birdY</a:t>
-            </a:r>
-            <a:r>
-              <a:rPr lang="en-US" dirty="0"/>
-              <a:t> to half way down the screen</a:t>
-            </a:r>
-          </a:p>
-          <a:p>
-            <a:pPr marL="971550" lvl="1" indent="-514350">
-              <a:buFont typeface="+mj-lt"/>
-              <a:buAutoNum type="arabicPeriod"/>
-            </a:pPr>
-            <a:r>
-              <a:rPr lang="en-US" dirty="0"/>
-              <a:t>run </a:t>
-            </a:r>
-            <a:r>
-              <a:rPr lang="en-US" dirty="0" err="1"/>
+            <a:r>
+              <a:rPr lang="en-US" b="1" dirty="0" err="1"/>
               <a:t>noLoop</a:t>
             </a:r>
             <a:r>
-              <a:rPr lang="en-US" dirty="0"/>
-              <a:t>() again.</a:t>
-            </a:r>
-          </a:p>
-          <a:p>
-            <a:pPr marL="971550" lvl="1" indent="-514350">
-              <a:buFont typeface="+mj-lt"/>
-              <a:buAutoNum type="arabicPeriod"/>
-            </a:pPr>
-            <a:r>
-              <a:rPr lang="en-US" b="1" dirty="0">
-                <a:latin typeface="Courier New" panose="02070309020205020404" pitchFamily="49" charset="0"/>
-                <a:cs typeface="Courier New" panose="02070309020205020404" pitchFamily="49" charset="0"/>
-              </a:rPr>
-              <a:t>return;</a:t>
-            </a:r>
-          </a:p>
-          <a:p>
-            <a:pPr marL="457200" lvl="1" indent="0">
-              <a:buNone/>
-            </a:pPr>
-            <a:r>
-              <a:rPr lang="en-US" i="1" dirty="0"/>
-              <a:t>Let's call this </a:t>
-            </a:r>
-            <a:r>
-              <a:rPr lang="en-US" b="1" i="1" dirty="0"/>
-              <a:t>reset</a:t>
-            </a:r>
-            <a:r>
-              <a:rPr lang="en-US" i="1" dirty="0"/>
-              <a:t>.</a:t>
-            </a:r>
-          </a:p>
-        </p:txBody>
-      </p:sp>
-      <p:sp>
-        <p:nvSpPr>
-          <p:cNvPr id="6" name="Footer Placeholder 6">
+              <a:rPr lang="en-US" b="1" dirty="0"/>
+              <a:t>();</a:t>
+            </a:r>
+            <a:r>
+              <a:rPr lang="en-US" dirty="0"/>
+              <a:t> - Stop the draw loop</a:t>
+            </a:r>
+          </a:p>
+          <a:p>
+            <a:r>
+              <a:rPr lang="en-US" b="1" dirty="0"/>
+              <a:t>loop();</a:t>
+            </a:r>
+            <a:r>
+              <a:rPr lang="en-US" dirty="0"/>
+              <a:t> - Restart the draw loop</a:t>
+            </a:r>
+          </a:p>
+          <a:p>
+            <a:endParaRPr lang="en-US" b="1" dirty="0"/>
+          </a:p>
+        </p:txBody>
+      </p:sp>
+      <p:sp>
+        <p:nvSpPr>
+          <p:cNvPr id="8" name="Footer Placeholder 6">
             <a:extLst>
               <a:ext uri="{FF2B5EF4-FFF2-40B4-BE49-F238E27FC236}">
-                <a16:creationId xmlns:a16="http://schemas.microsoft.com/office/drawing/2014/main" id="{3DE0478E-5451-4C85-8BA6-8C39E2FDD149}"/>
+                <a16:creationId xmlns:a16="http://schemas.microsoft.com/office/drawing/2014/main" id="{67490790-8699-41A3-A4C3-A12A3D01F593}"/>
               </a:ext>
             </a:extLst>
           </p:cNvPr>
@@ -4278,7 +4455,7 @@
     </p:spTree>
     <p:extLst>
       <p:ext uri="{BB962C8B-B14F-4D97-AF65-F5344CB8AC3E}">
-        <p14:creationId xmlns:p14="http://schemas.microsoft.com/office/powerpoint/2010/main" val="379049661"/>
+        <p14:creationId xmlns:p14="http://schemas.microsoft.com/office/powerpoint/2010/main" val="2851667039"/>
       </p:ext>
     </p:extLst>
   </p:cSld>
@@ -4310,7 +4487,7 @@
           <p:cNvPr id="2" name="Title 1">
             <a:extLst>
               <a:ext uri="{FF2B5EF4-FFF2-40B4-BE49-F238E27FC236}">
-                <a16:creationId xmlns:a16="http://schemas.microsoft.com/office/drawing/2014/main" id="{A47542E5-FA27-4174-A329-E5B9E88A53F6}"/>
+                <a16:creationId xmlns:a16="http://schemas.microsoft.com/office/drawing/2014/main" id="{B08F0739-61CC-4707-9351-6294A8916035}"/>
               </a:ext>
             </a:extLst>
           </p:cNvPr>
@@ -4328,7 +4505,7 @@
           <a:p>
             <a:r>
               <a:rPr lang="en-US" dirty="0"/>
-              <a:t>Between the Lines</a:t>
+              <a:t>Houston, we had a problem</a:t>
             </a:r>
           </a:p>
         </p:txBody>
@@ -4338,7 +4515,7 @@
           <p:cNvPr id="3" name="Content Placeholder 2">
             <a:extLst>
               <a:ext uri="{FF2B5EF4-FFF2-40B4-BE49-F238E27FC236}">
-                <a16:creationId xmlns:a16="http://schemas.microsoft.com/office/drawing/2014/main" id="{943735DC-4C38-44F4-B08D-7CB7A3941722}"/>
+                <a16:creationId xmlns:a16="http://schemas.microsoft.com/office/drawing/2014/main" id="{A2C00AE4-8FB7-4104-9A12-3F1D89565C1E}"/>
               </a:ext>
             </a:extLst>
           </p:cNvPr>
@@ -4360,7 +4537,15 @@
             </a:pPr>
             <a:r>
               <a:rPr lang="en-US" dirty="0"/>
-              <a:t>Make a variable for the top line, set it to a random number that's not too low.</a:t>
+              <a:t>At the bottom of setup(), add </a:t>
+            </a:r>
+            <a:r>
+              <a:rPr lang="en-US" dirty="0" err="1"/>
+              <a:t>noLoop</a:t>
+            </a:r>
+            <a:r>
+              <a:rPr lang="en-US" dirty="0"/>
+              <a:t>();</a:t>
             </a:r>
           </a:p>
           <a:p>
@@ -4370,61 +4555,16 @@
             </a:pPr>
             <a:r>
               <a:rPr lang="en-US" dirty="0"/>
-              <a:t>Make a variable for the bottom line, set it to your top line plus a good gap, so we always have the same size window.</a:t>
-            </a:r>
-          </a:p>
-          <a:p>
-            <a:pPr marL="514350" indent="-514350">
-              <a:buFont typeface="+mj-lt"/>
-              <a:buAutoNum type="arabicPeriod"/>
-            </a:pPr>
-            <a:r>
-              <a:rPr lang="en-US" dirty="0"/>
-              <a:t>Draw the two lines horizontally.</a:t>
-            </a:r>
-          </a:p>
-          <a:p>
-            <a:pPr marL="514350" indent="-514350">
-              <a:buFont typeface="+mj-lt"/>
-              <a:buAutoNum type="arabicPeriod"/>
-            </a:pPr>
-            <a:r>
-              <a:rPr lang="en-US" dirty="0"/>
-              <a:t>If we fly above the top line, </a:t>
-            </a:r>
-            <a:r>
-              <a:rPr lang="en-US" b="1" i="1" dirty="0"/>
-              <a:t>reset</a:t>
-            </a:r>
-            <a:r>
-              <a:rPr lang="en-US" dirty="0"/>
-              <a:t>.</a:t>
-            </a:r>
-          </a:p>
-          <a:p>
-            <a:pPr marL="514350" indent="-514350">
-              <a:buFont typeface="+mj-lt"/>
-              <a:buAutoNum type="arabicPeriod"/>
-            </a:pPr>
-            <a:r>
-              <a:rPr lang="en-US" dirty="0"/>
-              <a:t>If we fall below the bottom line, </a:t>
-            </a:r>
-            <a:r>
-              <a:rPr lang="en-US" b="1" i="1" dirty="0"/>
-              <a:t>reset</a:t>
-            </a:r>
-            <a:r>
-              <a:rPr lang="en-US" dirty="0"/>
-              <a:t>.</a:t>
-            </a:r>
-          </a:p>
-          <a:p>
-            <a:pPr marL="514350" indent="-514350">
-              <a:buFont typeface="+mj-lt"/>
-              <a:buAutoNum type="arabicPeriod"/>
-            </a:pPr>
-            <a:endParaRPr lang="en-US" dirty="0"/>
+              <a:t>At the top of </a:t>
+            </a:r>
+            <a:r>
+              <a:rPr lang="en-US" dirty="0" err="1"/>
+              <a:t>keyPressed</a:t>
+            </a:r>
+            <a:r>
+              <a:rPr lang="en-US" dirty="0"/>
+              <a:t>(), add loop();</a:t>
+            </a:r>
           </a:p>
         </p:txBody>
       </p:sp>
@@ -4433,7 +4573,7 @@
           <p:cNvPr id="6" name="Footer Placeholder 6">
             <a:extLst>
               <a:ext uri="{FF2B5EF4-FFF2-40B4-BE49-F238E27FC236}">
-                <a16:creationId xmlns:a16="http://schemas.microsoft.com/office/drawing/2014/main" id="{4DB7D3CB-D836-422C-938D-C442E722D071}"/>
+                <a16:creationId xmlns:a16="http://schemas.microsoft.com/office/drawing/2014/main" id="{B7F195FD-11BB-4B1F-BE2C-AB73573DE8D8}"/>
               </a:ext>
             </a:extLst>
           </p:cNvPr>
@@ -4470,7 +4610,7 @@
     </p:spTree>
     <p:extLst>
       <p:ext uri="{BB962C8B-B14F-4D97-AF65-F5344CB8AC3E}">
-        <p14:creationId xmlns:p14="http://schemas.microsoft.com/office/powerpoint/2010/main" val="1658897570"/>
+        <p14:creationId xmlns:p14="http://schemas.microsoft.com/office/powerpoint/2010/main" val="2581837099"/>
       </p:ext>
     </p:extLst>
   </p:cSld>
@@ -4502,7 +4642,7 @@
           <p:cNvPr id="2" name="Title 1">
             <a:extLst>
               <a:ext uri="{FF2B5EF4-FFF2-40B4-BE49-F238E27FC236}">
-                <a16:creationId xmlns:a16="http://schemas.microsoft.com/office/drawing/2014/main" id="{91E8B45B-83B3-43C3-8529-28CD01E1CC03}"/>
+                <a16:creationId xmlns:a16="http://schemas.microsoft.com/office/drawing/2014/main" id="{36BC5ADB-CE75-405A-8301-D97B32B7D358}"/>
               </a:ext>
             </a:extLst>
           </p:cNvPr>
@@ -4520,7 +4660,7 @@
           <a:p>
             <a:r>
               <a:rPr lang="en-US" dirty="0"/>
-              <a:t>The Approaching Pipe</a:t>
+              <a:t>Hitting the World</a:t>
             </a:r>
           </a:p>
         </p:txBody>
@@ -4530,7 +4670,7 @@
           <p:cNvPr id="3" name="Content Placeholder 2">
             <a:extLst>
               <a:ext uri="{FF2B5EF4-FFF2-40B4-BE49-F238E27FC236}">
-                <a16:creationId xmlns:a16="http://schemas.microsoft.com/office/drawing/2014/main" id="{A1BF19C9-C7F8-452B-91B2-68C1E38D5CC9}"/>
+                <a16:creationId xmlns:a16="http://schemas.microsoft.com/office/drawing/2014/main" id="{9BEF9C0B-F5F6-414F-922A-A577DBC277FD}"/>
               </a:ext>
             </a:extLst>
           </p:cNvPr>
@@ -4541,12 +4681,7 @@
             <p:ph idx="1"/>
           </p:nvPr>
         </p:nvSpPr>
-        <p:spPr>
-          <a:xfrm>
-            <a:off x="838200" y="1825625"/>
-            <a:ext cx="10739907" cy="4351338"/>
-          </a:xfrm>
-        </p:spPr>
+        <p:spPr/>
         <p:txBody>
           <a:bodyPr/>
           <a:lstStyle/>
@@ -4557,7 +4692,7 @@
             </a:pPr>
             <a:r>
               <a:rPr lang="en-US" dirty="0"/>
-              <a:t>Make a new variable for the x position of the approaching pipe, starting all the way to the right (width).</a:t>
+              <a:t>Add a ground rectangle</a:t>
             </a:r>
           </a:p>
           <a:p>
@@ -4567,7 +4702,7 @@
             </a:pPr>
             <a:r>
               <a:rPr lang="en-US" dirty="0"/>
-              <a:t>Draw the line vertically.</a:t>
+              <a:t>In draw detect when our bird hits the ground</a:t>
             </a:r>
           </a:p>
           <a:p>
@@ -4577,27 +4712,83 @@
             </a:pPr>
             <a:r>
               <a:rPr lang="en-US" dirty="0"/>
-              <a:t>Subtract 1 from the pipe's position each frame to make it come left.</a:t>
-            </a:r>
-          </a:p>
-          <a:p>
-            <a:pPr marL="514350" indent="-514350">
+              <a:t>When it does, let’s…</a:t>
+            </a:r>
+          </a:p>
+          <a:p>
+            <a:pPr marL="971550" lvl="1" indent="-514350">
               <a:buFont typeface="+mj-lt"/>
               <a:buAutoNum type="arabicPeriod"/>
             </a:pPr>
             <a:r>
               <a:rPr lang="en-US" dirty="0"/>
-              <a:t>Only do the check for the top and bottom lines if the bird is to the right of this approaching line.</a:t>
-            </a:r>
-          </a:p>
-        </p:txBody>
-      </p:sp>
-      <p:sp>
-        <p:nvSpPr>
-          <p:cNvPr id="7" name="Footer Placeholder 6">
+              <a:t>set </a:t>
+            </a:r>
+            <a:r>
+              <a:rPr lang="en-US" dirty="0" err="1"/>
+              <a:t>birdY</a:t>
+            </a:r>
+            <a:r>
+              <a:rPr lang="en-US" dirty="0"/>
+              <a:t> to half way down the screen</a:t>
+            </a:r>
+          </a:p>
+          <a:p>
+            <a:pPr marL="971550" lvl="1" indent="-514350">
+              <a:buFont typeface="+mj-lt"/>
+              <a:buAutoNum type="arabicPeriod"/>
+            </a:pPr>
+            <a:r>
+              <a:rPr lang="en-US" dirty="0"/>
+              <a:t>run </a:t>
+            </a:r>
+            <a:r>
+              <a:rPr lang="en-US" dirty="0" err="1"/>
+              <a:t>noLoop</a:t>
+            </a:r>
+            <a:r>
+              <a:rPr lang="en-US" dirty="0"/>
+              <a:t>() again.</a:t>
+            </a:r>
+          </a:p>
+          <a:p>
+            <a:pPr marL="971550" lvl="1" indent="-514350">
+              <a:buFont typeface="+mj-lt"/>
+              <a:buAutoNum type="arabicPeriod"/>
+            </a:pPr>
+            <a:r>
+              <a:rPr lang="en-US" b="1" dirty="0">
+                <a:latin typeface="Courier New" panose="02070309020205020404" pitchFamily="49" charset="0"/>
+                <a:cs typeface="Courier New" panose="02070309020205020404" pitchFamily="49" charset="0"/>
+              </a:rPr>
+              <a:t>return;</a:t>
+            </a:r>
+          </a:p>
+          <a:p>
+            <a:pPr marL="457200" lvl="1" indent="0">
+              <a:buNone/>
+            </a:pPr>
+            <a:r>
+              <a:rPr lang="en-US" i="1" dirty="0"/>
+              <a:t>Let's call this </a:t>
+            </a:r>
+            <a:r>
+              <a:rPr lang="en-US" b="1" i="1" dirty="0"/>
+              <a:t>reset</a:t>
+            </a:r>
+            <a:r>
+              <a:rPr lang="en-US" i="1" dirty="0"/>
+              <a:t>.</a:t>
+            </a:r>
+          </a:p>
+        </p:txBody>
+      </p:sp>
+      <p:sp>
+        <p:nvSpPr>
+          <p:cNvPr id="6" name="Footer Placeholder 6">
             <a:extLst>
               <a:ext uri="{FF2B5EF4-FFF2-40B4-BE49-F238E27FC236}">
-                <a16:creationId xmlns:a16="http://schemas.microsoft.com/office/drawing/2014/main" id="{030321C3-EF8D-4EFE-9271-20807B8A7381}"/>
+                <a16:creationId xmlns:a16="http://schemas.microsoft.com/office/drawing/2014/main" id="{3DE0478E-5451-4C85-8BA6-8C39E2FDD149}"/>
               </a:ext>
             </a:extLst>
           </p:cNvPr>
@@ -4634,7 +4825,7 @@
     </p:spTree>
     <p:extLst>
       <p:ext uri="{BB962C8B-B14F-4D97-AF65-F5344CB8AC3E}">
-        <p14:creationId xmlns:p14="http://schemas.microsoft.com/office/powerpoint/2010/main" val="3264660039"/>
+        <p14:creationId xmlns:p14="http://schemas.microsoft.com/office/powerpoint/2010/main" val="379049661"/>
       </p:ext>
     </p:extLst>
   </p:cSld>
@@ -4666,7 +4857,7 @@
           <p:cNvPr id="2" name="Title 1">
             <a:extLst>
               <a:ext uri="{FF2B5EF4-FFF2-40B4-BE49-F238E27FC236}">
-                <a16:creationId xmlns:a16="http://schemas.microsoft.com/office/drawing/2014/main" id="{9C921D94-FE19-4FEE-BBB9-0018B3A67A5B}"/>
+                <a16:creationId xmlns:a16="http://schemas.microsoft.com/office/drawing/2014/main" id="{A47542E5-FA27-4174-A329-E5B9E88A53F6}"/>
               </a:ext>
             </a:extLst>
           </p:cNvPr>
@@ -4684,17 +4875,17 @@
           <a:p>
             <a:r>
               <a:rPr lang="en-US" dirty="0"/>
-              <a:t>A Pause For Functions</a:t>
-            </a:r>
-          </a:p>
-        </p:txBody>
-      </p:sp>
-      <p:sp>
-        <p:nvSpPr>
-          <p:cNvPr id="5" name="Text Placeholder 4">
+              <a:t>Between the Lines</a:t>
+            </a:r>
+          </a:p>
+        </p:txBody>
+      </p:sp>
+      <p:sp>
+        <p:nvSpPr>
+          <p:cNvPr id="3" name="Content Placeholder 2">
             <a:extLst>
               <a:ext uri="{FF2B5EF4-FFF2-40B4-BE49-F238E27FC236}">
-                <a16:creationId xmlns:a16="http://schemas.microsoft.com/office/drawing/2014/main" id="{C2A5EA9C-3946-44F8-9B4B-745D70AE22CC}"/>
+                <a16:creationId xmlns:a16="http://schemas.microsoft.com/office/drawing/2014/main" id="{943735DC-4C38-44F4-B08D-7CB7A3941722}"/>
               </a:ext>
             </a:extLst>
           </p:cNvPr>
@@ -4702,7 +4893,7 @@
             <a:spLocks noGrp="1"/>
           </p:cNvSpPr>
           <p:nvPr>
-            <p:ph type="body" idx="1"/>
+            <p:ph idx="1"/>
           </p:nvPr>
         </p:nvSpPr>
         <p:spPr/>
@@ -4710,16 +4901,77 @@
           <a:bodyPr/>
           <a:lstStyle/>
           <a:p>
-            <a:r>
-              <a:rPr lang="en-US" dirty="0">
-                <a:hlinkClick r:id="rId2"/>
-              </a:rPr>
-              <a:t>https://codepen.io/crhallberg/pen/veNQJo</a:t>
-            </a:r>
-            <a:r>
-              <a:rPr lang="en-US" dirty="0"/>
-              <a:t> </a:t>
-            </a:r>
+            <a:pPr marL="514350" indent="-514350">
+              <a:buFont typeface="+mj-lt"/>
+              <a:buAutoNum type="arabicPeriod"/>
+            </a:pPr>
+            <a:r>
+              <a:rPr lang="en-US" dirty="0"/>
+              <a:t>Make a variable for the top line, set it to a random number that's not too low.</a:t>
+            </a:r>
+          </a:p>
+          <a:p>
+            <a:pPr marL="514350" indent="-514350">
+              <a:buFont typeface="+mj-lt"/>
+              <a:buAutoNum type="arabicPeriod"/>
+            </a:pPr>
+            <a:r>
+              <a:rPr lang="en-US" dirty="0"/>
+              <a:t>Make a variable for the bottom line, set it to your top line plus a good gap, so we always have the same size window.</a:t>
+            </a:r>
+          </a:p>
+          <a:p>
+            <a:pPr marL="514350" indent="-514350">
+              <a:buFont typeface="+mj-lt"/>
+              <a:buAutoNum type="arabicPeriod"/>
+            </a:pPr>
+            <a:r>
+              <a:rPr lang="en-US" dirty="0"/>
+              <a:t>Draw the two lines horizontally.</a:t>
+            </a:r>
+          </a:p>
+          <a:p>
+            <a:pPr marL="514350" indent="-514350">
+              <a:buFont typeface="+mj-lt"/>
+              <a:buAutoNum type="arabicPeriod"/>
+            </a:pPr>
+            <a:r>
+              <a:rPr lang="en-US" dirty="0"/>
+              <a:t>If we fly above the top line, </a:t>
+            </a:r>
+            <a:r>
+              <a:rPr lang="en-US" b="1" i="1" dirty="0"/>
+              <a:t>reset</a:t>
+            </a:r>
+            <a:r>
+              <a:rPr lang="en-US" dirty="0"/>
+              <a:t>.</a:t>
+            </a:r>
+          </a:p>
+          <a:p>
+            <a:pPr marL="514350" indent="-514350">
+              <a:buFont typeface="+mj-lt"/>
+              <a:buAutoNum type="arabicPeriod"/>
+            </a:pPr>
+            <a:r>
+              <a:rPr lang="en-US" dirty="0"/>
+              <a:t>If we fall below the bottom line, </a:t>
+            </a:r>
+            <a:r>
+              <a:rPr lang="en-US" b="1" i="1" dirty="0"/>
+              <a:t>reset</a:t>
+            </a:r>
+            <a:r>
+              <a:rPr lang="en-US" dirty="0"/>
+              <a:t>.</a:t>
+            </a:r>
+          </a:p>
+          <a:p>
+            <a:pPr marL="514350" indent="-514350">
+              <a:buFont typeface="+mj-lt"/>
+              <a:buAutoNum type="arabicPeriod"/>
+            </a:pPr>
+            <a:endParaRPr lang="en-US" dirty="0"/>
           </a:p>
         </p:txBody>
       </p:sp>
@@ -4728,7 +4980,7 @@
           <p:cNvPr id="6" name="Footer Placeholder 6">
             <a:extLst>
               <a:ext uri="{FF2B5EF4-FFF2-40B4-BE49-F238E27FC236}">
-                <a16:creationId xmlns:a16="http://schemas.microsoft.com/office/drawing/2014/main" id="{6B4CD2D2-F53B-4DFE-8A24-34C88FF4D4DB}"/>
+                <a16:creationId xmlns:a16="http://schemas.microsoft.com/office/drawing/2014/main" id="{4DB7D3CB-D836-422C-938D-C442E722D071}"/>
               </a:ext>
             </a:extLst>
           </p:cNvPr>
@@ -4751,7 +5003,7 @@
           <a:p>
             <a:r>
               <a:rPr lang="en-US" sz="2400" dirty="0">
-                <a:hlinkClick r:id="rId3"/>
+                <a:hlinkClick r:id="rId2"/>
               </a:rPr>
               <a:t>https://github.com/crhallberg/IMM120</a:t>
             </a:r>
@@ -4765,7 +5017,7 @@
     </p:spTree>
     <p:extLst>
       <p:ext uri="{BB962C8B-B14F-4D97-AF65-F5344CB8AC3E}">
-        <p14:creationId xmlns:p14="http://schemas.microsoft.com/office/powerpoint/2010/main" val="3350815259"/>
+        <p14:creationId xmlns:p14="http://schemas.microsoft.com/office/powerpoint/2010/main" val="1658897570"/>
       </p:ext>
     </p:extLst>
   </p:cSld>
@@ -4794,10 +5046,10 @@
       </p:grpSpPr>
       <p:sp>
         <p:nvSpPr>
-          <p:cNvPr id="5" name="Title 4">
+          <p:cNvPr id="2" name="Title 1">
             <a:extLst>
               <a:ext uri="{FF2B5EF4-FFF2-40B4-BE49-F238E27FC236}">
-                <a16:creationId xmlns:a16="http://schemas.microsoft.com/office/drawing/2014/main" id="{4F766CBD-51F4-496A-82B4-98924B1A9B03}"/>
+                <a16:creationId xmlns:a16="http://schemas.microsoft.com/office/drawing/2014/main" id="{91E8B45B-83B3-43C3-8529-28CD01E1CC03}"/>
               </a:ext>
             </a:extLst>
           </p:cNvPr>
@@ -4815,17 +5067,17 @@
           <a:p>
             <a:r>
               <a:rPr lang="en-US" dirty="0"/>
-              <a:t>Reset the Pipe</a:t>
-            </a:r>
-          </a:p>
-        </p:txBody>
-      </p:sp>
-      <p:sp>
-        <p:nvSpPr>
-          <p:cNvPr id="6" name="Content Placeholder 5">
+              <a:t>The Approaching Pipe</a:t>
+            </a:r>
+          </a:p>
+        </p:txBody>
+      </p:sp>
+      <p:sp>
+        <p:nvSpPr>
+          <p:cNvPr id="3" name="Content Placeholder 2">
             <a:extLst>
               <a:ext uri="{FF2B5EF4-FFF2-40B4-BE49-F238E27FC236}">
-                <a16:creationId xmlns:a16="http://schemas.microsoft.com/office/drawing/2014/main" id="{C00BFDBE-3418-4335-903A-BF30589E81F9}"/>
+                <a16:creationId xmlns:a16="http://schemas.microsoft.com/office/drawing/2014/main" id="{A1BF19C9-C7F8-452B-91B2-68C1E38D5CC9}"/>
               </a:ext>
             </a:extLst>
           </p:cNvPr>
@@ -4839,64 +5091,12 @@
         <p:spPr>
           <a:xfrm>
             <a:off x="838200" y="1825625"/>
-            <a:ext cx="11353800" cy="4351338"/>
+            <a:ext cx="10739907" cy="4351338"/>
           </a:xfrm>
         </p:spPr>
         <p:txBody>
           <a:bodyPr/>
           <a:lstStyle/>
-          <a:p>
-            <a:pPr marL="0" indent="0">
-              <a:buNone/>
-            </a:pPr>
-            <a:r>
-              <a:rPr lang="en-US" dirty="0"/>
-              <a:t>To </a:t>
-            </a:r>
-            <a:r>
-              <a:rPr lang="en-US" b="1" i="1" dirty="0"/>
-              <a:t>reset the pipe</a:t>
-            </a:r>
-            <a:r>
-              <a:rPr lang="en-US" dirty="0"/>
-              <a:t> we want to:</a:t>
-            </a:r>
-          </a:p>
-          <a:p>
-            <a:pPr marL="971550" lvl="1" indent="-514350">
-              <a:buFont typeface="+mj-lt"/>
-              <a:buAutoNum type="arabicPeriod"/>
-            </a:pPr>
-            <a:r>
-              <a:rPr lang="en-US" dirty="0"/>
-              <a:t>Position to the far right side.</a:t>
-            </a:r>
-          </a:p>
-          <a:p>
-            <a:pPr marL="971550" lvl="1" indent="-514350">
-              <a:buFont typeface="+mj-lt"/>
-              <a:buAutoNum type="arabicPeriod"/>
-            </a:pPr>
-            <a:r>
-              <a:rPr lang="en-US" dirty="0"/>
-              <a:t>Pick a new top and bottom line value.</a:t>
-            </a:r>
-          </a:p>
-          <a:p>
-            <a:pPr marL="457200" lvl="1" indent="0">
-              <a:buNone/>
-            </a:pPr>
-            <a:r>
-              <a:rPr lang="en-US" i="1" dirty="0"/>
-              <a:t>You can do these in reset()</a:t>
-            </a:r>
-          </a:p>
-          <a:p>
-            <a:pPr marL="0" indent="0">
-              <a:buNone/>
-            </a:pPr>
-            <a:endParaRPr lang="en-US" dirty="0"/>
-          </a:p>
           <a:p>
             <a:pPr marL="514350" indent="-514350">
               <a:buFont typeface="+mj-lt"/>
@@ -4904,15 +5104,7 @@
             </a:pPr>
             <a:r>
               <a:rPr lang="en-US" dirty="0"/>
-              <a:t>If the pipe plus its width is off the left side of the screen, </a:t>
-            </a:r>
-            <a:r>
-              <a:rPr lang="en-US" b="1" dirty="0"/>
-              <a:t>reset the pipe</a:t>
-            </a:r>
-            <a:r>
-              <a:rPr lang="en-US" dirty="0"/>
-              <a:t>.</a:t>
+              <a:t>Make a new variable for the x position of the approaching pipe, starting all the way to the right (width).</a:t>
             </a:r>
           </a:p>
           <a:p>
@@ -4922,15 +5114,7 @@
             </a:pPr>
             <a:r>
               <a:rPr lang="en-US" dirty="0"/>
-              <a:t>If we hit the pipe with the bird, </a:t>
-            </a:r>
-            <a:r>
-              <a:rPr lang="en-US" b="1" dirty="0"/>
-              <a:t>reset the pipe</a:t>
-            </a:r>
-            <a:r>
-              <a:rPr lang="en-US" dirty="0"/>
-              <a:t>.</a:t>
+              <a:t>Draw the line vertically.</a:t>
             </a:r>
           </a:p>
           <a:p>
@@ -4938,7 +5122,20 @@
               <a:buFont typeface="+mj-lt"/>
               <a:buAutoNum type="arabicPeriod"/>
             </a:pPr>
-            <a:endParaRPr lang="en-US" dirty="0"/>
+            <a:r>
+              <a:rPr lang="en-US" dirty="0"/>
+              <a:t>Subtract 1 from the pipe's position each frame to make it come left.</a:t>
+            </a:r>
+          </a:p>
+          <a:p>
+            <a:pPr marL="514350" indent="-514350">
+              <a:buFont typeface="+mj-lt"/>
+              <a:buAutoNum type="arabicPeriod"/>
+            </a:pPr>
+            <a:r>
+              <a:rPr lang="en-US" dirty="0"/>
+              <a:t>Only do the check for the top and bottom lines if the bird is to the right of this approaching line.</a:t>
+            </a:r>
           </a:p>
         </p:txBody>
       </p:sp>
@@ -4947,7 +5144,7 @@
           <p:cNvPr id="7" name="Footer Placeholder 6">
             <a:extLst>
               <a:ext uri="{FF2B5EF4-FFF2-40B4-BE49-F238E27FC236}">
-                <a16:creationId xmlns:a16="http://schemas.microsoft.com/office/drawing/2014/main" id="{4A18DB73-C7DB-4109-842E-46D443F7D625}"/>
+                <a16:creationId xmlns:a16="http://schemas.microsoft.com/office/drawing/2014/main" id="{030321C3-EF8D-4EFE-9271-20807B8A7381}"/>
               </a:ext>
             </a:extLst>
           </p:cNvPr>
@@ -4984,7 +5181,7 @@
     </p:spTree>
     <p:extLst>
       <p:ext uri="{BB962C8B-B14F-4D97-AF65-F5344CB8AC3E}">
-        <p14:creationId xmlns:p14="http://schemas.microsoft.com/office/powerpoint/2010/main" val="4075651558"/>
+        <p14:creationId xmlns:p14="http://schemas.microsoft.com/office/powerpoint/2010/main" val="3264660039"/>
       </p:ext>
     </p:extLst>
   </p:cSld>
@@ -5130,7 +5327,7 @@
                 <a:latin typeface="Courier New" panose="02070309020205020404" pitchFamily="49" charset="0"/>
                 <a:cs typeface="Courier New" panose="02070309020205020404" pitchFamily="49" charset="0"/>
               </a:rPr>
-              <a:t> // true (watch the doubles)</a:t>
+              <a:t> // equals true (watch the doubles)</a:t>
             </a:r>
           </a:p>
           <a:p>
@@ -5225,7 +5422,7 @@
           <p:cNvPr id="2" name="Title 1">
             <a:extLst>
               <a:ext uri="{FF2B5EF4-FFF2-40B4-BE49-F238E27FC236}">
-                <a16:creationId xmlns:a16="http://schemas.microsoft.com/office/drawing/2014/main" id="{135D7A06-BE55-4225-8393-19E5F66D00C8}"/>
+                <a16:creationId xmlns:a16="http://schemas.microsoft.com/office/drawing/2014/main" id="{9C921D94-FE19-4FEE-BBB9-0018B3A67A5B}"/>
               </a:ext>
             </a:extLst>
           </p:cNvPr>
@@ -5243,17 +5440,17 @@
           <a:p>
             <a:r>
               <a:rPr lang="en-US" dirty="0"/>
-              <a:t>The Back of the Pipe</a:t>
-            </a:r>
-          </a:p>
-        </p:txBody>
-      </p:sp>
-      <p:sp>
-        <p:nvSpPr>
-          <p:cNvPr id="3" name="Content Placeholder 2">
+              <a:t>A Pause For Functions</a:t>
+            </a:r>
+          </a:p>
+        </p:txBody>
+      </p:sp>
+      <p:sp>
+        <p:nvSpPr>
+          <p:cNvPr id="5" name="Text Placeholder 4">
             <a:extLst>
               <a:ext uri="{FF2B5EF4-FFF2-40B4-BE49-F238E27FC236}">
-                <a16:creationId xmlns:a16="http://schemas.microsoft.com/office/drawing/2014/main" id="{E9635EEF-918E-412A-89E1-926339243C8B}"/>
+                <a16:creationId xmlns:a16="http://schemas.microsoft.com/office/drawing/2014/main" id="{C2A5EA9C-3946-44F8-9B4B-745D70AE22CC}"/>
               </a:ext>
             </a:extLst>
           </p:cNvPr>
@@ -5261,7 +5458,7 @@
             <a:spLocks noGrp="1"/>
           </p:cNvSpPr>
           <p:nvPr>
-            <p:ph idx="1"/>
+            <p:ph type="body" idx="1"/>
           </p:nvPr>
         </p:nvSpPr>
         <p:spPr/>
@@ -5269,36 +5466,25 @@
           <a:bodyPr/>
           <a:lstStyle/>
           <a:p>
-            <a:pPr marL="514350" indent="-514350">
-              <a:buFont typeface="+mj-lt"/>
-              <a:buAutoNum type="arabicPeriod"/>
-            </a:pPr>
-            <a:r>
-              <a:rPr lang="en-US" dirty="0"/>
-              <a:t>Make a new variable for the width of the pipe.</a:t>
-            </a:r>
-          </a:p>
-          <a:p>
-            <a:pPr marL="514350" indent="-514350">
-              <a:buFont typeface="+mj-lt"/>
-              <a:buAutoNum type="arabicPeriod"/>
-            </a:pPr>
-            <a:r>
-              <a:rPr lang="en-US" dirty="0"/>
-              <a:t>Add to our approaching pipe check to make sure we're to the left of our pipe plus its width.</a:t>
-            </a:r>
-          </a:p>
-          <a:p>
-            <a:endParaRPr lang="en-US" dirty="0"/>
-          </a:p>
-        </p:txBody>
-      </p:sp>
-      <p:sp>
-        <p:nvSpPr>
-          <p:cNvPr id="5" name="Footer Placeholder 6">
+            <a:r>
+              <a:rPr lang="en-US" dirty="0">
+                <a:hlinkClick r:id="rId2"/>
+              </a:rPr>
+              <a:t>https://codepen.io/crhallberg/pen/veNQJo</a:t>
+            </a:r>
+            <a:r>
+              <a:rPr lang="en-US" dirty="0"/>
+              <a:t> </a:t>
+            </a:r>
+          </a:p>
+        </p:txBody>
+      </p:sp>
+      <p:sp>
+        <p:nvSpPr>
+          <p:cNvPr id="6" name="Footer Placeholder 6">
             <a:extLst>
               <a:ext uri="{FF2B5EF4-FFF2-40B4-BE49-F238E27FC236}">
-                <a16:creationId xmlns:a16="http://schemas.microsoft.com/office/drawing/2014/main" id="{8B425A12-A9D7-49BF-8F41-40AFF40C7A6F}"/>
+                <a16:creationId xmlns:a16="http://schemas.microsoft.com/office/drawing/2014/main" id="{6B4CD2D2-F53B-4DFE-8A24-34C88FF4D4DB}"/>
               </a:ext>
             </a:extLst>
           </p:cNvPr>
@@ -5321,7 +5507,7 @@
           <a:p>
             <a:r>
               <a:rPr lang="en-US" sz="2400" dirty="0">
-                <a:hlinkClick r:id="rId2"/>
+                <a:hlinkClick r:id="rId3"/>
               </a:rPr>
               <a:t>https://github.com/crhallberg/IMM120</a:t>
             </a:r>
@@ -5335,7 +5521,7 @@
     </p:spTree>
     <p:extLst>
       <p:ext uri="{BB962C8B-B14F-4D97-AF65-F5344CB8AC3E}">
-        <p14:creationId xmlns:p14="http://schemas.microsoft.com/office/powerpoint/2010/main" val="1700748243"/>
+        <p14:creationId xmlns:p14="http://schemas.microsoft.com/office/powerpoint/2010/main" val="3350815259"/>
       </p:ext>
     </p:extLst>
   </p:cSld>
@@ -5364,6 +5550,367 @@
       </p:grpSpPr>
       <p:sp>
         <p:nvSpPr>
+          <p:cNvPr id="5" name="Title 4">
+            <a:extLst>
+              <a:ext uri="{FF2B5EF4-FFF2-40B4-BE49-F238E27FC236}">
+                <a16:creationId xmlns:a16="http://schemas.microsoft.com/office/drawing/2014/main" id="{4F766CBD-51F4-496A-82B4-98924B1A9B03}"/>
+              </a:ext>
+            </a:extLst>
+          </p:cNvPr>
+          <p:cNvSpPr>
+            <a:spLocks noGrp="1"/>
+          </p:cNvSpPr>
+          <p:nvPr>
+            <p:ph type="title"/>
+          </p:nvPr>
+        </p:nvSpPr>
+        <p:spPr/>
+        <p:txBody>
+          <a:bodyPr/>
+          <a:lstStyle/>
+          <a:p>
+            <a:r>
+              <a:rPr lang="en-US" dirty="0"/>
+              <a:t>Reset the Pipe</a:t>
+            </a:r>
+          </a:p>
+        </p:txBody>
+      </p:sp>
+      <p:sp>
+        <p:nvSpPr>
+          <p:cNvPr id="6" name="Content Placeholder 5">
+            <a:extLst>
+              <a:ext uri="{FF2B5EF4-FFF2-40B4-BE49-F238E27FC236}">
+                <a16:creationId xmlns:a16="http://schemas.microsoft.com/office/drawing/2014/main" id="{C00BFDBE-3418-4335-903A-BF30589E81F9}"/>
+              </a:ext>
+            </a:extLst>
+          </p:cNvPr>
+          <p:cNvSpPr>
+            <a:spLocks noGrp="1"/>
+          </p:cNvSpPr>
+          <p:nvPr>
+            <p:ph idx="1"/>
+          </p:nvPr>
+        </p:nvSpPr>
+        <p:spPr>
+          <a:xfrm>
+            <a:off x="838200" y="1825625"/>
+            <a:ext cx="11353800" cy="4351338"/>
+          </a:xfrm>
+        </p:spPr>
+        <p:txBody>
+          <a:bodyPr/>
+          <a:lstStyle/>
+          <a:p>
+            <a:pPr marL="0" indent="0">
+              <a:buNone/>
+            </a:pPr>
+            <a:r>
+              <a:rPr lang="en-US" dirty="0"/>
+              <a:t>To </a:t>
+            </a:r>
+            <a:r>
+              <a:rPr lang="en-US" b="1" i="1" dirty="0"/>
+              <a:t>reset the pipe</a:t>
+            </a:r>
+            <a:r>
+              <a:rPr lang="en-US" dirty="0"/>
+              <a:t> we want to:</a:t>
+            </a:r>
+          </a:p>
+          <a:p>
+            <a:pPr marL="971550" lvl="1" indent="-514350">
+              <a:buFont typeface="+mj-lt"/>
+              <a:buAutoNum type="arabicPeriod"/>
+            </a:pPr>
+            <a:r>
+              <a:rPr lang="en-US" dirty="0"/>
+              <a:t>Position to the far right side.</a:t>
+            </a:r>
+          </a:p>
+          <a:p>
+            <a:pPr marL="971550" lvl="1" indent="-514350">
+              <a:buFont typeface="+mj-lt"/>
+              <a:buAutoNum type="arabicPeriod"/>
+            </a:pPr>
+            <a:r>
+              <a:rPr lang="en-US" dirty="0"/>
+              <a:t>Pick a new top and bottom line value.</a:t>
+            </a:r>
+          </a:p>
+          <a:p>
+            <a:pPr marL="457200" lvl="1" indent="0">
+              <a:buNone/>
+            </a:pPr>
+            <a:r>
+              <a:rPr lang="en-US" i="1" dirty="0"/>
+              <a:t>You can do these in reset()</a:t>
+            </a:r>
+          </a:p>
+          <a:p>
+            <a:pPr marL="0" indent="0">
+              <a:buNone/>
+            </a:pPr>
+            <a:endParaRPr lang="en-US" dirty="0"/>
+          </a:p>
+          <a:p>
+            <a:pPr marL="514350" indent="-514350">
+              <a:buFont typeface="+mj-lt"/>
+              <a:buAutoNum type="arabicPeriod"/>
+            </a:pPr>
+            <a:r>
+              <a:rPr lang="en-US" dirty="0"/>
+              <a:t>If the pipe plus its width is off the left side of the screen, </a:t>
+            </a:r>
+            <a:r>
+              <a:rPr lang="en-US" b="1" dirty="0"/>
+              <a:t>reset the pipe</a:t>
+            </a:r>
+            <a:r>
+              <a:rPr lang="en-US" dirty="0"/>
+              <a:t>.</a:t>
+            </a:r>
+          </a:p>
+          <a:p>
+            <a:pPr marL="514350" indent="-514350">
+              <a:buFont typeface="+mj-lt"/>
+              <a:buAutoNum type="arabicPeriod"/>
+            </a:pPr>
+            <a:r>
+              <a:rPr lang="en-US" dirty="0"/>
+              <a:t>If we hit the pipe with the bird, </a:t>
+            </a:r>
+            <a:r>
+              <a:rPr lang="en-US" b="1" dirty="0"/>
+              <a:t>reset the pipe</a:t>
+            </a:r>
+            <a:r>
+              <a:rPr lang="en-US" dirty="0"/>
+              <a:t>.</a:t>
+            </a:r>
+          </a:p>
+          <a:p>
+            <a:pPr marL="514350" indent="-514350">
+              <a:buFont typeface="+mj-lt"/>
+              <a:buAutoNum type="arabicPeriod"/>
+            </a:pPr>
+            <a:endParaRPr lang="en-US" dirty="0"/>
+          </a:p>
+        </p:txBody>
+      </p:sp>
+      <p:sp>
+        <p:nvSpPr>
+          <p:cNvPr id="7" name="Footer Placeholder 6">
+            <a:extLst>
+              <a:ext uri="{FF2B5EF4-FFF2-40B4-BE49-F238E27FC236}">
+                <a16:creationId xmlns:a16="http://schemas.microsoft.com/office/drawing/2014/main" id="{4A18DB73-C7DB-4109-842E-46D443F7D625}"/>
+              </a:ext>
+            </a:extLst>
+          </p:cNvPr>
+          <p:cNvSpPr>
+            <a:spLocks noGrp="1"/>
+          </p:cNvSpPr>
+          <p:nvPr>
+            <p:ph type="ftr" sz="quarter" idx="11"/>
+          </p:nvPr>
+        </p:nvSpPr>
+        <p:spPr>
+          <a:xfrm>
+            <a:off x="0" y="6356350"/>
+            <a:ext cx="12192000" cy="365125"/>
+          </a:xfrm>
+        </p:spPr>
+        <p:txBody>
+          <a:bodyPr/>
+          <a:lstStyle/>
+          <a:p>
+            <a:r>
+              <a:rPr lang="en-US" sz="2400" dirty="0">
+                <a:hlinkClick r:id="rId2"/>
+              </a:rPr>
+              <a:t>https://github.com/crhallberg/IMM120</a:t>
+            </a:r>
+            <a:r>
+              <a:rPr lang="en-US" sz="2400" dirty="0"/>
+              <a:t> : x1-Flappy Bird</a:t>
+            </a:r>
+          </a:p>
+        </p:txBody>
+      </p:sp>
+    </p:spTree>
+    <p:extLst>
+      <p:ext uri="{BB962C8B-B14F-4D97-AF65-F5344CB8AC3E}">
+        <p14:creationId xmlns:p14="http://schemas.microsoft.com/office/powerpoint/2010/main" val="4075651558"/>
+      </p:ext>
+    </p:extLst>
+  </p:cSld>
+  <p:clrMapOvr>
+    <a:masterClrMapping/>
+  </p:clrMapOvr>
+</p:sld>
+</file>
+
+<file path=ppt/slides/slide22.xml><?xml version="1.0" encoding="utf-8"?>
+<p:sld xmlns:a="http://schemas.openxmlformats.org/drawingml/2006/main" xmlns:r="http://schemas.openxmlformats.org/officeDocument/2006/relationships" xmlns:p="http://schemas.openxmlformats.org/presentationml/2006/main">
+  <p:cSld>
+    <p:spTree>
+      <p:nvGrpSpPr>
+        <p:cNvPr id="1" name=""/>
+        <p:cNvGrpSpPr/>
+        <p:nvPr/>
+      </p:nvGrpSpPr>
+      <p:grpSpPr>
+        <a:xfrm>
+          <a:off x="0" y="0"/>
+          <a:ext cx="0" cy="0"/>
+          <a:chOff x="0" y="0"/>
+          <a:chExt cx="0" cy="0"/>
+        </a:xfrm>
+      </p:grpSpPr>
+      <p:sp>
+        <p:nvSpPr>
+          <p:cNvPr id="2" name="Title 1">
+            <a:extLst>
+              <a:ext uri="{FF2B5EF4-FFF2-40B4-BE49-F238E27FC236}">
+                <a16:creationId xmlns:a16="http://schemas.microsoft.com/office/drawing/2014/main" id="{135D7A06-BE55-4225-8393-19E5F66D00C8}"/>
+              </a:ext>
+            </a:extLst>
+          </p:cNvPr>
+          <p:cNvSpPr>
+            <a:spLocks noGrp="1"/>
+          </p:cNvSpPr>
+          <p:nvPr>
+            <p:ph type="title"/>
+          </p:nvPr>
+        </p:nvSpPr>
+        <p:spPr/>
+        <p:txBody>
+          <a:bodyPr/>
+          <a:lstStyle/>
+          <a:p>
+            <a:r>
+              <a:rPr lang="en-US" dirty="0"/>
+              <a:t>The Back of the Pipe</a:t>
+            </a:r>
+          </a:p>
+        </p:txBody>
+      </p:sp>
+      <p:sp>
+        <p:nvSpPr>
+          <p:cNvPr id="3" name="Content Placeholder 2">
+            <a:extLst>
+              <a:ext uri="{FF2B5EF4-FFF2-40B4-BE49-F238E27FC236}">
+                <a16:creationId xmlns:a16="http://schemas.microsoft.com/office/drawing/2014/main" id="{E9635EEF-918E-412A-89E1-926339243C8B}"/>
+              </a:ext>
+            </a:extLst>
+          </p:cNvPr>
+          <p:cNvSpPr>
+            <a:spLocks noGrp="1"/>
+          </p:cNvSpPr>
+          <p:nvPr>
+            <p:ph idx="1"/>
+          </p:nvPr>
+        </p:nvSpPr>
+        <p:spPr/>
+        <p:txBody>
+          <a:bodyPr/>
+          <a:lstStyle/>
+          <a:p>
+            <a:pPr marL="514350" indent="-514350">
+              <a:buFont typeface="+mj-lt"/>
+              <a:buAutoNum type="arabicPeriod"/>
+            </a:pPr>
+            <a:r>
+              <a:rPr lang="en-US" dirty="0"/>
+              <a:t>Make a new variable for the width of the pipe.</a:t>
+            </a:r>
+          </a:p>
+          <a:p>
+            <a:pPr marL="514350" indent="-514350">
+              <a:buFont typeface="+mj-lt"/>
+              <a:buAutoNum type="arabicPeriod"/>
+            </a:pPr>
+            <a:r>
+              <a:rPr lang="en-US" dirty="0"/>
+              <a:t>Add to our approaching pipe check to make sure we're to the left of our pipe plus its width.</a:t>
+            </a:r>
+          </a:p>
+          <a:p>
+            <a:endParaRPr lang="en-US" dirty="0"/>
+          </a:p>
+        </p:txBody>
+      </p:sp>
+      <p:sp>
+        <p:nvSpPr>
+          <p:cNvPr id="5" name="Footer Placeholder 6">
+            <a:extLst>
+              <a:ext uri="{FF2B5EF4-FFF2-40B4-BE49-F238E27FC236}">
+                <a16:creationId xmlns:a16="http://schemas.microsoft.com/office/drawing/2014/main" id="{8B425A12-A9D7-49BF-8F41-40AFF40C7A6F}"/>
+              </a:ext>
+            </a:extLst>
+          </p:cNvPr>
+          <p:cNvSpPr>
+            <a:spLocks noGrp="1"/>
+          </p:cNvSpPr>
+          <p:nvPr>
+            <p:ph type="ftr" sz="quarter" idx="11"/>
+          </p:nvPr>
+        </p:nvSpPr>
+        <p:spPr>
+          <a:xfrm>
+            <a:off x="0" y="6356350"/>
+            <a:ext cx="12192000" cy="365125"/>
+          </a:xfrm>
+        </p:spPr>
+        <p:txBody>
+          <a:bodyPr/>
+          <a:lstStyle/>
+          <a:p>
+            <a:r>
+              <a:rPr lang="en-US" sz="2400" dirty="0">
+                <a:hlinkClick r:id="rId2"/>
+              </a:rPr>
+              <a:t>https://github.com/crhallberg/IMM120</a:t>
+            </a:r>
+            <a:r>
+              <a:rPr lang="en-US" sz="2400" dirty="0"/>
+              <a:t> : x1-Flappy Bird</a:t>
+            </a:r>
+          </a:p>
+        </p:txBody>
+      </p:sp>
+    </p:spTree>
+    <p:extLst>
+      <p:ext uri="{BB962C8B-B14F-4D97-AF65-F5344CB8AC3E}">
+        <p14:creationId xmlns:p14="http://schemas.microsoft.com/office/powerpoint/2010/main" val="1700748243"/>
+      </p:ext>
+    </p:extLst>
+  </p:cSld>
+  <p:clrMapOvr>
+    <a:masterClrMapping/>
+  </p:clrMapOvr>
+</p:sld>
+</file>
+
+<file path=ppt/slides/slide23.xml><?xml version="1.0" encoding="utf-8"?>
+<p:sld xmlns:a="http://schemas.openxmlformats.org/drawingml/2006/main" xmlns:r="http://schemas.openxmlformats.org/officeDocument/2006/relationships" xmlns:p="http://schemas.openxmlformats.org/presentationml/2006/main">
+  <p:cSld>
+    <p:spTree>
+      <p:nvGrpSpPr>
+        <p:cNvPr id="1" name=""/>
+        <p:cNvGrpSpPr/>
+        <p:nvPr/>
+      </p:nvGrpSpPr>
+      <p:grpSpPr>
+        <a:xfrm>
+          <a:off x="0" y="0"/>
+          <a:ext cx="0" cy="0"/>
+          <a:chOff x="0" y="0"/>
+          <a:chExt cx="0" cy="0"/>
+        </a:xfrm>
+      </p:grpSpPr>
+      <p:sp>
+        <p:nvSpPr>
           <p:cNvPr id="2" name="Title 1">
             <a:extLst>
               <a:ext uri="{FF2B5EF4-FFF2-40B4-BE49-F238E27FC236}">
@@ -5480,7 +6027,7 @@
 </p:sld>
 </file>
 
-<file path=ppt/slides/slide22.xml><?xml version="1.0" encoding="utf-8"?>
+<file path=ppt/slides/slide24.xml><?xml version="1.0" encoding="utf-8"?>
 <p:sld xmlns:a="http://schemas.openxmlformats.org/drawingml/2006/main" xmlns:r="http://schemas.openxmlformats.org/officeDocument/2006/relationships" xmlns:p="http://schemas.openxmlformats.org/presentationml/2006/main">
   <p:cSld>
     <p:spTree>
@@ -6219,7 +6766,7 @@
 </p:sld>
 </file>
 
-<file path=ppt/slides/slide23.xml><?xml version="1.0" encoding="utf-8"?>
+<file path=ppt/slides/slide25.xml><?xml version="1.0" encoding="utf-8"?>
 <p:sld xmlns:a="http://schemas.openxmlformats.org/drawingml/2006/main" xmlns:r="http://schemas.openxmlformats.org/officeDocument/2006/relationships" xmlns:p="http://schemas.openxmlformats.org/presentationml/2006/main">
   <p:cSld>
     <p:spTree>
@@ -6361,7 +6908,7 @@
 </p:sld>
 </file>
 
-<file path=ppt/slides/slide24.xml><?xml version="1.0" encoding="utf-8"?>
+<file path=ppt/slides/slide26.xml><?xml version="1.0" encoding="utf-8"?>
 <p:sld xmlns:a="http://schemas.openxmlformats.org/drawingml/2006/main" xmlns:r="http://schemas.openxmlformats.org/officeDocument/2006/relationships" xmlns:p="http://schemas.openxmlformats.org/presentationml/2006/main">
   <p:cSld>
     <p:spTree>
@@ -6477,6 +7024,98 @@
     <p:extLst>
       <p:ext uri="{BB962C8B-B14F-4D97-AF65-F5344CB8AC3E}">
         <p14:creationId xmlns:p14="http://schemas.microsoft.com/office/powerpoint/2010/main" val="997373151"/>
+      </p:ext>
+    </p:extLst>
+  </p:cSld>
+  <p:clrMapOvr>
+    <a:masterClrMapping/>
+  </p:clrMapOvr>
+</p:sld>
+</file>
+
+<file path=ppt/slides/slide27.xml><?xml version="1.0" encoding="utf-8"?>
+<p:sld xmlns:a="http://schemas.openxmlformats.org/drawingml/2006/main" xmlns:r="http://schemas.openxmlformats.org/officeDocument/2006/relationships" xmlns:p="http://schemas.openxmlformats.org/presentationml/2006/main">
+  <p:cSld>
+    <p:spTree>
+      <p:nvGrpSpPr>
+        <p:cNvPr id="1" name=""/>
+        <p:cNvGrpSpPr/>
+        <p:nvPr/>
+      </p:nvGrpSpPr>
+      <p:grpSpPr>
+        <a:xfrm>
+          <a:off x="0" y="0"/>
+          <a:ext cx="0" cy="0"/>
+          <a:chOff x="0" y="0"/>
+          <a:chExt cx="0" cy="0"/>
+        </a:xfrm>
+      </p:grpSpPr>
+      <p:sp>
+        <p:nvSpPr>
+          <p:cNvPr id="2" name="Title 1">
+            <a:extLst>
+              <a:ext uri="{FF2B5EF4-FFF2-40B4-BE49-F238E27FC236}">
+                <a16:creationId xmlns:a16="http://schemas.microsoft.com/office/drawing/2014/main" id="{1C189592-BDD0-44C2-8F40-D37B86B4FAF6}"/>
+              </a:ext>
+            </a:extLst>
+          </p:cNvPr>
+          <p:cNvSpPr>
+            <a:spLocks noGrp="1"/>
+          </p:cNvSpPr>
+          <p:nvPr>
+            <p:ph type="title"/>
+          </p:nvPr>
+        </p:nvSpPr>
+        <p:spPr/>
+        <p:txBody>
+          <a:bodyPr/>
+          <a:lstStyle/>
+          <a:p>
+            <a:r>
+              <a:rPr lang="en-US" dirty="0"/>
+              <a:t>Homework</a:t>
+            </a:r>
+          </a:p>
+        </p:txBody>
+      </p:sp>
+      <p:sp>
+        <p:nvSpPr>
+          <p:cNvPr id="3" name="Text Placeholder 2">
+            <a:extLst>
+              <a:ext uri="{FF2B5EF4-FFF2-40B4-BE49-F238E27FC236}">
+                <a16:creationId xmlns:a16="http://schemas.microsoft.com/office/drawing/2014/main" id="{17BAE67E-1F5B-4A03-9B0F-7339F026C988}"/>
+              </a:ext>
+            </a:extLst>
+          </p:cNvPr>
+          <p:cNvSpPr>
+            <a:spLocks noGrp="1"/>
+          </p:cNvSpPr>
+          <p:nvPr>
+            <p:ph type="body" idx="1"/>
+          </p:nvPr>
+        </p:nvSpPr>
+        <p:spPr/>
+        <p:txBody>
+          <a:bodyPr/>
+          <a:lstStyle/>
+          <a:p>
+            <a:r>
+              <a:rPr lang="en-US" dirty="0"/>
+              <a:t>Draw a pipe where it should go (use your variables).</a:t>
+            </a:r>
+          </a:p>
+          <a:p>
+            <a:r>
+              <a:rPr lang="en-US" dirty="0"/>
+              <a:t>Send me how your version turned out.</a:t>
+            </a:r>
+          </a:p>
+        </p:txBody>
+      </p:sp>
+    </p:spTree>
+    <p:extLst>
+      <p:ext uri="{BB962C8B-B14F-4D97-AF65-F5344CB8AC3E}">
+        <p14:creationId xmlns:p14="http://schemas.microsoft.com/office/powerpoint/2010/main" val="555881566"/>
       </p:ext>
     </p:extLst>
   </p:cSld>
@@ -6508,7 +7147,7 @@
           <p:cNvPr id="2" name="Title 1">
             <a:extLst>
               <a:ext uri="{FF2B5EF4-FFF2-40B4-BE49-F238E27FC236}">
-                <a16:creationId xmlns:a16="http://schemas.microsoft.com/office/drawing/2014/main" id="{A2F8BE09-0C3F-49A9-B09D-0844081DD8DF}"/>
+                <a16:creationId xmlns:a16="http://schemas.microsoft.com/office/drawing/2014/main" id="{87722B31-9E43-4825-BB47-CE12BFD1B829}"/>
               </a:ext>
             </a:extLst>
           </p:cNvPr>
@@ -6526,155 +7165,298 @@
           <a:p>
             <a:r>
               <a:rPr lang="en-US" dirty="0"/>
-              <a:t>Previously, in IMM120</a:t>
-            </a:r>
-          </a:p>
-        </p:txBody>
-      </p:sp>
-      <p:sp>
-        <p:nvSpPr>
-          <p:cNvPr id="3" name="Content Placeholder 2">
+              <a:t>Variables and Their Names</a:t>
+            </a:r>
+          </a:p>
+        </p:txBody>
+      </p:sp>
+      <p:pic>
+        <p:nvPicPr>
+          <p:cNvPr id="7170" name="Picture 2" descr="https://img.freeauctiondesigns.com/esmir/sublimasyon-seramik-beyaz-kupa-ithal-5820-11-B.png">
             <a:extLst>
               <a:ext uri="{FF2B5EF4-FFF2-40B4-BE49-F238E27FC236}">
-                <a16:creationId xmlns:a16="http://schemas.microsoft.com/office/drawing/2014/main" id="{F579AA89-4054-4744-8BB6-45BDD753D17C}"/>
+                <a16:creationId xmlns:a16="http://schemas.microsoft.com/office/drawing/2014/main" id="{F4FBDBA1-9FAD-4082-9ED8-F1472F5771A0}"/>
               </a:ext>
             </a:extLst>
           </p:cNvPr>
-          <p:cNvSpPr>
-            <a:spLocks noGrp="1"/>
-          </p:cNvSpPr>
+          <p:cNvPicPr>
+            <a:picLocks noGrp="1" noChangeAspect="1" noChangeArrowheads="1"/>
+          </p:cNvPicPr>
           <p:nvPr>
             <p:ph idx="1"/>
           </p:nvPr>
-        </p:nvSpPr>
-        <p:spPr/>
-        <p:txBody>
-          <a:bodyPr>
-            <a:normAutofit lnSpcReduction="10000"/>
+        </p:nvPicPr>
+        <p:blipFill>
+          <a:blip r:embed="rId2">
+            <a:extLst>
+              <a:ext uri="{28A0092B-C50C-407E-A947-70E740481C1C}">
+                <a14:useLocalDpi xmlns:a14="http://schemas.microsoft.com/office/drawing/2010/main" val="0"/>
+              </a:ext>
+            </a:extLst>
+          </a:blip>
+          <a:srcRect/>
+          <a:stretch>
+            <a:fillRect/>
+          </a:stretch>
+        </p:blipFill>
+        <p:spPr bwMode="auto">
+          <a:xfrm>
+            <a:off x="3889057" y="2054530"/>
+            <a:ext cx="5508161" cy="5106389"/>
+          </a:xfrm>
+          <a:prstGeom prst="rect">
+            <a:avLst/>
+          </a:prstGeom>
+          <a:noFill/>
+          <a:extLst>
+            <a:ext uri="{909E8E84-426E-40DD-AFC4-6F175D3DCCD1}">
+              <a14:hiddenFill xmlns:a14="http://schemas.microsoft.com/office/drawing/2010/main">
+                <a:solidFill>
+                  <a:srgbClr val="FFFFFF"/>
+                </a:solidFill>
+              </a14:hiddenFill>
+            </a:ext>
+          </a:extLst>
+        </p:spPr>
+      </p:pic>
+      <p:sp>
+        <p:nvSpPr>
+          <p:cNvPr id="7" name="Rectangle 6">
+            <a:extLst>
+              <a:ext uri="{FF2B5EF4-FFF2-40B4-BE49-F238E27FC236}">
+                <a16:creationId xmlns:a16="http://schemas.microsoft.com/office/drawing/2014/main" id="{050ADCB7-DCE5-481B-B9BA-E1FFFCC7F032}"/>
+              </a:ext>
+            </a:extLst>
+          </p:cNvPr>
+          <p:cNvSpPr/>
+          <p:nvPr/>
+        </p:nvSpPr>
+        <p:spPr>
+          <a:xfrm>
+            <a:off x="4323058" y="4079631"/>
+            <a:ext cx="3095719" cy="923330"/>
+          </a:xfrm>
+          <a:prstGeom prst="rect">
+            <a:avLst/>
+          </a:prstGeom>
+          <a:noFill/>
+        </p:spPr>
+        <p:txBody>
+          <a:bodyPr wrap="none" lIns="91440" tIns="45720" rIns="91440" bIns="45720">
+            <a:prstTxWarp prst="textCanDown">
+              <a:avLst>
+                <a:gd name="adj" fmla="val 11239"/>
+              </a:avLst>
+            </a:prstTxWarp>
+            <a:spAutoFit/>
           </a:bodyPr>
           <a:lstStyle/>
           <a:p>
-            <a:pPr marL="0" indent="0">
-              <a:buNone/>
-            </a:pPr>
-            <a:r>
-              <a:rPr lang="en-US" dirty="0"/>
-              <a:t>2. Which shapes do the following code samples produce?</a:t>
-            </a:r>
-          </a:p>
-          <a:p>
-            <a:endParaRPr lang="en-US" dirty="0"/>
-          </a:p>
-          <a:p>
-            <a:pPr marL="0" indent="0">
-              <a:buNone/>
-            </a:pPr>
-            <a:r>
-              <a:rPr lang="en-US" dirty="0">
-                <a:latin typeface="Courier New" panose="02070309020205020404" pitchFamily="49" charset="0"/>
-                <a:cs typeface="Courier New" panose="02070309020205020404" pitchFamily="49" charset="0"/>
-              </a:rPr>
-              <a:t>if (4 &lt; 5) {</a:t>
-            </a:r>
-          </a:p>
-          <a:p>
-            <a:pPr marL="0" indent="0">
-              <a:buNone/>
-            </a:pPr>
-            <a:r>
-              <a:rPr lang="en-US" dirty="0">
-                <a:latin typeface="Courier New" panose="02070309020205020404" pitchFamily="49" charset="0"/>
-                <a:cs typeface="Courier New" panose="02070309020205020404" pitchFamily="49" charset="0"/>
-              </a:rPr>
-              <a:t>  </a:t>
-            </a:r>
-            <a:r>
-              <a:rPr lang="en-US" b="1" dirty="0">
-                <a:latin typeface="Courier New" panose="02070309020205020404" pitchFamily="49" charset="0"/>
-                <a:cs typeface="Courier New" panose="02070309020205020404" pitchFamily="49" charset="0"/>
-              </a:rPr>
-              <a:t>triangle</a:t>
-            </a:r>
-            <a:r>
-              <a:rPr lang="en-US" dirty="0">
-                <a:latin typeface="Courier New" panose="02070309020205020404" pitchFamily="49" charset="0"/>
-                <a:cs typeface="Courier New" panose="02070309020205020404" pitchFamily="49" charset="0"/>
-              </a:rPr>
-              <a:t>(…</a:t>
-            </a:r>
-          </a:p>
-          <a:p>
-            <a:pPr marL="0" indent="0">
-              <a:buNone/>
-            </a:pPr>
-            <a:r>
-              <a:rPr lang="en-US" dirty="0">
-                <a:latin typeface="Courier New" panose="02070309020205020404" pitchFamily="49" charset="0"/>
-                <a:cs typeface="Courier New" panose="02070309020205020404" pitchFamily="49" charset="0"/>
-              </a:rPr>
-              <a:t>} else {</a:t>
-            </a:r>
-          </a:p>
-          <a:p>
-            <a:pPr marL="0" indent="0">
-              <a:buNone/>
-            </a:pPr>
-            <a:r>
-              <a:rPr lang="en-US" dirty="0">
-                <a:latin typeface="Courier New" panose="02070309020205020404" pitchFamily="49" charset="0"/>
-                <a:cs typeface="Courier New" panose="02070309020205020404" pitchFamily="49" charset="0"/>
-              </a:rPr>
-              <a:t>  ellipse(…</a:t>
-            </a:r>
-          </a:p>
-          <a:p>
-            <a:pPr marL="0" indent="0">
-              <a:buNone/>
-            </a:pPr>
-            <a:r>
-              <a:rPr lang="en-US" dirty="0">
-                <a:latin typeface="Courier New" panose="02070309020205020404" pitchFamily="49" charset="0"/>
-                <a:cs typeface="Courier New" panose="02070309020205020404" pitchFamily="49" charset="0"/>
-              </a:rPr>
-              <a:t>}	</a:t>
-            </a:r>
-          </a:p>
-          <a:p>
-            <a:pPr marL="0" indent="0">
-              <a:buNone/>
-            </a:pPr>
-            <a:endParaRPr lang="en-US" dirty="0">
-              <a:latin typeface="Courier New" panose="02070309020205020404" pitchFamily="49" charset="0"/>
-              <a:cs typeface="Courier New" panose="02070309020205020404" pitchFamily="49" charset="0"/>
+            <a:pPr algn="ctr"/>
+            <a:r>
+              <a:rPr lang="en-US" sz="5400" b="0" cap="none" spc="0" dirty="0" err="1">
+                <a:ln w="0"/>
+                <a:solidFill>
+                  <a:schemeClr val="bg1">
+                    <a:lumMod val="75000"/>
+                    <a:lumOff val="25000"/>
+                  </a:schemeClr>
+                </a:solidFill>
+                <a:effectLst/>
+              </a:rPr>
+              <a:t>ballSpeed</a:t>
+            </a:r>
+            <a:endParaRPr lang="en-US" sz="5400" b="0" cap="none" spc="0" dirty="0">
+              <a:ln w="0"/>
+              <a:solidFill>
+                <a:schemeClr val="bg1">
+                  <a:lumMod val="75000"/>
+                  <a:lumOff val="25000"/>
+                </a:schemeClr>
+              </a:solidFill>
+              <a:effectLst/>
             </a:endParaRPr>
           </a:p>
-          <a:p>
-            <a:pPr marL="0" indent="0">
-              <a:buNone/>
-            </a:pPr>
-            <a:r>
-              <a:rPr lang="en-US" b="1" dirty="0">
-                <a:latin typeface="Courier New" panose="02070309020205020404" pitchFamily="49" charset="0"/>
-                <a:cs typeface="Courier New" panose="02070309020205020404" pitchFamily="49" charset="0"/>
-              </a:rPr>
-              <a:t>88% Right</a:t>
-            </a:r>
-          </a:p>
-          <a:p>
-            <a:pPr marL="0" indent="0">
-              <a:buNone/>
-            </a:pPr>
-            <a:endParaRPr lang="en-US" dirty="0">
-              <a:latin typeface="Courier New" panose="02070309020205020404" pitchFamily="49" charset="0"/>
-              <a:cs typeface="Courier New" panose="02070309020205020404" pitchFamily="49" charset="0"/>
-            </a:endParaRPr>
-          </a:p>
-        </p:txBody>
-      </p:sp>
+        </p:txBody>
+      </p:sp>
+      <p:sp>
+        <p:nvSpPr>
+          <p:cNvPr id="8" name="TextBox 7">
+            <a:extLst>
+              <a:ext uri="{FF2B5EF4-FFF2-40B4-BE49-F238E27FC236}">
+                <a16:creationId xmlns:a16="http://schemas.microsoft.com/office/drawing/2014/main" id="{27D2732E-2BB6-4268-A70B-07697058E114}"/>
+              </a:ext>
+            </a:extLst>
+          </p:cNvPr>
+          <p:cNvSpPr txBox="1"/>
+          <p:nvPr/>
+        </p:nvSpPr>
+        <p:spPr>
+          <a:xfrm>
+            <a:off x="1181686" y="3699803"/>
+            <a:ext cx="1345240" cy="1077218"/>
+          </a:xfrm>
+          <a:prstGeom prst="rect">
+            <a:avLst/>
+          </a:prstGeom>
+          <a:noFill/>
+        </p:spPr>
+        <p:txBody>
+          <a:bodyPr wrap="none" rtlCol="0">
+            <a:spAutoFit/>
+          </a:bodyPr>
+          <a:lstStyle/>
+          <a:p>
+            <a:pPr algn="ctr"/>
+            <a:r>
+              <a:rPr lang="en-US" sz="3200" dirty="0"/>
+              <a:t>Name/</a:t>
+            </a:r>
+          </a:p>
+          <a:p>
+            <a:pPr algn="ctr"/>
+            <a:r>
+              <a:rPr lang="en-US" sz="3200" dirty="0"/>
+              <a:t>Label</a:t>
+            </a:r>
+          </a:p>
+        </p:txBody>
+      </p:sp>
+      <p:sp>
+        <p:nvSpPr>
+          <p:cNvPr id="9" name="TextBox 8">
+            <a:extLst>
+              <a:ext uri="{FF2B5EF4-FFF2-40B4-BE49-F238E27FC236}">
+                <a16:creationId xmlns:a16="http://schemas.microsoft.com/office/drawing/2014/main" id="{5A1E9A0F-F824-4ADF-B3A5-57BEA50A852E}"/>
+              </a:ext>
+            </a:extLst>
+          </p:cNvPr>
+          <p:cNvSpPr txBox="1"/>
+          <p:nvPr/>
+        </p:nvSpPr>
+        <p:spPr>
+          <a:xfrm>
+            <a:off x="9566031" y="1561514"/>
+            <a:ext cx="1133644" cy="584775"/>
+          </a:xfrm>
+          <a:prstGeom prst="rect">
+            <a:avLst/>
+          </a:prstGeom>
+          <a:noFill/>
+        </p:spPr>
+        <p:txBody>
+          <a:bodyPr wrap="none" rtlCol="0">
+            <a:spAutoFit/>
+          </a:bodyPr>
+          <a:lstStyle/>
+          <a:p>
+            <a:r>
+              <a:rPr lang="en-US" sz="3200" dirty="0">
+                <a:solidFill>
+                  <a:srgbClr val="FFC000"/>
+                </a:solidFill>
+              </a:rPr>
+              <a:t>Value</a:t>
+            </a:r>
+          </a:p>
+        </p:txBody>
+      </p:sp>
+      <p:cxnSp>
+        <p:nvCxnSpPr>
+          <p:cNvPr id="11" name="Straight Arrow Connector 10">
+            <a:extLst>
+              <a:ext uri="{FF2B5EF4-FFF2-40B4-BE49-F238E27FC236}">
+                <a16:creationId xmlns:a16="http://schemas.microsoft.com/office/drawing/2014/main" id="{0BBDDFA8-603D-4D1F-93AE-127B65FDF6B8}"/>
+              </a:ext>
+            </a:extLst>
+          </p:cNvPr>
+          <p:cNvCxnSpPr>
+            <a:cxnSpLocks/>
+            <a:stCxn id="8" idx="3"/>
+          </p:cNvCxnSpPr>
+          <p:nvPr/>
+        </p:nvCxnSpPr>
+        <p:spPr>
+          <a:xfrm>
+            <a:off x="2526926" y="4238412"/>
+            <a:ext cx="1362131" cy="46166"/>
+          </a:xfrm>
+          <a:prstGeom prst="straightConnector1">
+            <a:avLst/>
+          </a:prstGeom>
+          <a:ln w="50800">
+            <a:solidFill>
+              <a:schemeClr val="tx1"/>
+            </a:solidFill>
+            <a:tailEnd type="triangle"/>
+          </a:ln>
+        </p:spPr>
+        <p:style>
+          <a:lnRef idx="1">
+            <a:schemeClr val="accent1"/>
+          </a:lnRef>
+          <a:fillRef idx="0">
+            <a:schemeClr val="accent1"/>
+          </a:fillRef>
+          <a:effectRef idx="0">
+            <a:schemeClr val="accent1"/>
+          </a:effectRef>
+          <a:fontRef idx="minor">
+            <a:schemeClr val="tx1"/>
+          </a:fontRef>
+        </p:style>
+      </p:cxnSp>
+      <p:cxnSp>
+        <p:nvCxnSpPr>
+          <p:cNvPr id="16" name="Straight Arrow Connector 15">
+            <a:extLst>
+              <a:ext uri="{FF2B5EF4-FFF2-40B4-BE49-F238E27FC236}">
+                <a16:creationId xmlns:a16="http://schemas.microsoft.com/office/drawing/2014/main" id="{7D6E4DD4-1475-4497-9626-9F4F817B6573}"/>
+              </a:ext>
+            </a:extLst>
+          </p:cNvPr>
+          <p:cNvCxnSpPr>
+            <a:cxnSpLocks/>
+            <a:stCxn id="9" idx="1"/>
+          </p:cNvCxnSpPr>
+          <p:nvPr/>
+        </p:nvCxnSpPr>
+        <p:spPr>
+          <a:xfrm rot="10800000" flipV="1">
+            <a:off x="5725551" y="1853902"/>
+            <a:ext cx="3840480" cy="425064"/>
+          </a:xfrm>
+          <a:prstGeom prst="curvedConnector3">
+            <a:avLst>
+              <a:gd name="adj1" fmla="val 99084"/>
+            </a:avLst>
+          </a:prstGeom>
+          <a:ln w="50800">
+            <a:solidFill>
+              <a:srgbClr val="FFC000"/>
+            </a:solidFill>
+            <a:tailEnd type="triangle"/>
+          </a:ln>
+        </p:spPr>
+        <p:style>
+          <a:lnRef idx="1">
+            <a:schemeClr val="accent1"/>
+          </a:lnRef>
+          <a:fillRef idx="0">
+            <a:schemeClr val="accent1"/>
+          </a:fillRef>
+          <a:effectRef idx="0">
+            <a:schemeClr val="accent1"/>
+          </a:effectRef>
+          <a:fontRef idx="minor">
+            <a:schemeClr val="tx1"/>
+          </a:fontRef>
+        </p:style>
+      </p:cxnSp>
     </p:spTree>
     <p:extLst>
       <p:ext uri="{BB962C8B-B14F-4D97-AF65-F5344CB8AC3E}">
-        <p14:creationId xmlns:p14="http://schemas.microsoft.com/office/powerpoint/2010/main" val="957181680"/>
+        <p14:creationId xmlns:p14="http://schemas.microsoft.com/office/powerpoint/2010/main" val="2811740276"/>
       </p:ext>
     </p:extLst>
   </p:cSld>
@@ -6706,7 +7488,7 @@
           <p:cNvPr id="2" name="Title 1">
             <a:extLst>
               <a:ext uri="{FF2B5EF4-FFF2-40B4-BE49-F238E27FC236}">
-                <a16:creationId xmlns:a16="http://schemas.microsoft.com/office/drawing/2014/main" id="{600CC6D9-89CE-4E34-AE99-B9BFD5AB4D4A}"/>
+                <a16:creationId xmlns:a16="http://schemas.microsoft.com/office/drawing/2014/main" id="{F620C91F-82EE-424B-BA09-B4B83AFB9FB0}"/>
               </a:ext>
             </a:extLst>
           </p:cNvPr>
@@ -6724,17 +7506,17 @@
           <a:p>
             <a:r>
               <a:rPr lang="en-US" dirty="0"/>
-              <a:t>Previously, in IMM120</a:t>
-            </a:r>
-          </a:p>
-        </p:txBody>
-      </p:sp>
-      <p:sp>
-        <p:nvSpPr>
-          <p:cNvPr id="3" name="Content Placeholder 2">
+              <a:t>Variables and Their Names</a:t>
+            </a:r>
+          </a:p>
+        </p:txBody>
+      </p:sp>
+      <p:sp>
+        <p:nvSpPr>
+          <p:cNvPr id="4" name="Content Placeholder 3">
             <a:extLst>
               <a:ext uri="{FF2B5EF4-FFF2-40B4-BE49-F238E27FC236}">
-                <a16:creationId xmlns:a16="http://schemas.microsoft.com/office/drawing/2014/main" id="{E3F097B6-6003-4FED-B356-1F27BE9A81AD}"/>
+                <a16:creationId xmlns:a16="http://schemas.microsoft.com/office/drawing/2014/main" id="{F57FBBCA-1B03-4ACE-87D6-DCC92C8518F4}"/>
               </a:ext>
             </a:extLst>
           </p:cNvPr>
@@ -6742,134 +7524,205 @@
             <a:spLocks noGrp="1"/>
           </p:cNvSpPr>
           <p:nvPr>
-            <p:ph idx="1"/>
+            <p:ph sz="half" idx="1"/>
           </p:nvPr>
         </p:nvSpPr>
         <p:spPr/>
         <p:txBody>
-          <a:bodyPr>
-            <a:normAutofit lnSpcReduction="10000"/>
-          </a:bodyPr>
-          <a:lstStyle/>
-          <a:p>
-            <a:pPr marL="0" indent="0">
-              <a:buNone/>
-            </a:pPr>
-            <a:r>
-              <a:rPr lang="en-US" dirty="0"/>
-              <a:t>2. Which shapes do the following code samples produce?</a:t>
-            </a:r>
-          </a:p>
-          <a:p>
-            <a:endParaRPr lang="en-US" dirty="0"/>
-          </a:p>
-          <a:p>
-            <a:pPr marL="0" indent="0">
-              <a:buNone/>
-            </a:pPr>
-            <a:r>
-              <a:rPr lang="en-US" dirty="0">
-                <a:latin typeface="Courier New" panose="02070309020205020404" pitchFamily="49" charset="0"/>
-                <a:cs typeface="Courier New" panose="02070309020205020404" pitchFamily="49" charset="0"/>
-              </a:rPr>
-              <a:t>if (4 != 4) {</a:t>
-            </a:r>
-          </a:p>
-          <a:p>
-            <a:pPr marL="0" indent="0">
-              <a:buNone/>
-            </a:pPr>
-            <a:r>
-              <a:rPr lang="en-US" dirty="0">
-                <a:latin typeface="Courier New" panose="02070309020205020404" pitchFamily="49" charset="0"/>
-                <a:cs typeface="Courier New" panose="02070309020205020404" pitchFamily="49" charset="0"/>
-              </a:rPr>
-              <a:t>  </a:t>
-            </a:r>
-            <a:r>
-              <a:rPr lang="en-US" dirty="0" err="1">
-                <a:latin typeface="Courier New" panose="02070309020205020404" pitchFamily="49" charset="0"/>
-                <a:cs typeface="Courier New" panose="02070309020205020404" pitchFamily="49" charset="0"/>
-              </a:rPr>
-              <a:t>rect</a:t>
-            </a:r>
-            <a:r>
-              <a:rPr lang="en-US" dirty="0">
-                <a:latin typeface="Courier New" panose="02070309020205020404" pitchFamily="49" charset="0"/>
-                <a:cs typeface="Courier New" panose="02070309020205020404" pitchFamily="49" charset="0"/>
-              </a:rPr>
-              <a:t>(…</a:t>
-            </a:r>
-          </a:p>
-          <a:p>
-            <a:pPr marL="0" indent="0">
-              <a:buNone/>
-            </a:pPr>
-            <a:r>
-              <a:rPr lang="en-US" dirty="0">
-                <a:latin typeface="Courier New" panose="02070309020205020404" pitchFamily="49" charset="0"/>
-                <a:cs typeface="Courier New" panose="02070309020205020404" pitchFamily="49" charset="0"/>
-              </a:rPr>
-              <a:t>} else {</a:t>
-            </a:r>
-          </a:p>
-          <a:p>
-            <a:pPr marL="0" indent="0">
-              <a:buNone/>
-            </a:pPr>
-            <a:r>
-              <a:rPr lang="en-US" dirty="0">
-                <a:latin typeface="Courier New" panose="02070309020205020404" pitchFamily="49" charset="0"/>
-                <a:cs typeface="Courier New" panose="02070309020205020404" pitchFamily="49" charset="0"/>
-              </a:rPr>
-              <a:t>  </a:t>
-            </a:r>
+          <a:bodyPr/>
+          <a:lstStyle/>
+          <a:p>
             <a:r>
               <a:rPr lang="en-US" b="1" dirty="0">
                 <a:latin typeface="Courier New" panose="02070309020205020404" pitchFamily="49" charset="0"/>
                 <a:cs typeface="Courier New" panose="02070309020205020404" pitchFamily="49" charset="0"/>
               </a:rPr>
-              <a:t>line</a:t>
-            </a:r>
-            <a:r>
-              <a:rPr lang="en-US" dirty="0">
+              <a:t>x</a:t>
+            </a:r>
+          </a:p>
+          <a:p>
+            <a:r>
+              <a:rPr lang="en-US" b="1" dirty="0" err="1">
                 <a:latin typeface="Courier New" panose="02070309020205020404" pitchFamily="49" charset="0"/>
                 <a:cs typeface="Courier New" panose="02070309020205020404" pitchFamily="49" charset="0"/>
               </a:rPr>
-              <a:t>(…</a:t>
-            </a:r>
-          </a:p>
-          <a:p>
-            <a:pPr marL="0" indent="0">
-              <a:buNone/>
-            </a:pPr>
-            <a:r>
-              <a:rPr lang="en-US" dirty="0">
-                <a:latin typeface="Courier New" panose="02070309020205020404" pitchFamily="49" charset="0"/>
-                <a:cs typeface="Courier New" panose="02070309020205020404" pitchFamily="49" charset="0"/>
-              </a:rPr>
-              <a:t>}	</a:t>
-            </a:r>
-          </a:p>
-          <a:p>
-            <a:pPr marL="0" indent="0">
-              <a:buNone/>
-            </a:pPr>
-            <a:endParaRPr lang="en-US" dirty="0">
+              <a:t>xPos</a:t>
+            </a:r>
+            <a:endParaRPr lang="en-US" b="1" dirty="0">
               <a:latin typeface="Courier New" panose="02070309020205020404" pitchFamily="49" charset="0"/>
               <a:cs typeface="Courier New" panose="02070309020205020404" pitchFamily="49" charset="0"/>
             </a:endParaRPr>
           </a:p>
           <a:p>
-            <a:pPr marL="0" indent="0">
-              <a:buNone/>
-            </a:pPr>
+            <a:r>
+              <a:rPr lang="en-US" b="1" dirty="0" err="1">
+                <a:latin typeface="Courier New" panose="02070309020205020404" pitchFamily="49" charset="0"/>
+                <a:cs typeface="Courier New" panose="02070309020205020404" pitchFamily="49" charset="0"/>
+              </a:rPr>
+              <a:t>xPosition</a:t>
+            </a:r>
+            <a:endParaRPr lang="en-US" b="1" dirty="0">
+              <a:latin typeface="Courier New" panose="02070309020205020404" pitchFamily="49" charset="0"/>
+              <a:cs typeface="Courier New" panose="02070309020205020404" pitchFamily="49" charset="0"/>
+            </a:endParaRPr>
+          </a:p>
+          <a:p>
+            <a:r>
+              <a:rPr lang="en-US" b="1" dirty="0" err="1">
+                <a:latin typeface="Courier New" panose="02070309020205020404" pitchFamily="49" charset="0"/>
+                <a:cs typeface="Courier New" panose="02070309020205020404" pitchFamily="49" charset="0"/>
+              </a:rPr>
+              <a:t>hPos</a:t>
+            </a:r>
+            <a:endParaRPr lang="en-US" b="1" dirty="0">
+              <a:latin typeface="Courier New" panose="02070309020205020404" pitchFamily="49" charset="0"/>
+              <a:cs typeface="Courier New" panose="02070309020205020404" pitchFamily="49" charset="0"/>
+            </a:endParaRPr>
+          </a:p>
+          <a:p>
+            <a:r>
+              <a:rPr lang="en-US" b="1" dirty="0" err="1">
+                <a:latin typeface="Courier New" panose="02070309020205020404" pitchFamily="49" charset="0"/>
+                <a:cs typeface="Courier New" panose="02070309020205020404" pitchFamily="49" charset="0"/>
+              </a:rPr>
+              <a:t>ballX</a:t>
+            </a:r>
+            <a:endParaRPr lang="en-US" b="1" dirty="0">
+              <a:latin typeface="Courier New" panose="02070309020205020404" pitchFamily="49" charset="0"/>
+              <a:cs typeface="Courier New" panose="02070309020205020404" pitchFamily="49" charset="0"/>
+            </a:endParaRPr>
+          </a:p>
+          <a:p>
+            <a:r>
+              <a:rPr lang="en-US" b="1" dirty="0" err="1">
+                <a:latin typeface="Courier New" panose="02070309020205020404" pitchFamily="49" charset="0"/>
+                <a:cs typeface="Courier New" panose="02070309020205020404" pitchFamily="49" charset="0"/>
+              </a:rPr>
+              <a:t>ballLeft</a:t>
+            </a:r>
+            <a:endParaRPr lang="en-US" b="1" dirty="0">
+              <a:latin typeface="Courier New" panose="02070309020205020404" pitchFamily="49" charset="0"/>
+              <a:cs typeface="Courier New" panose="02070309020205020404" pitchFamily="49" charset="0"/>
+            </a:endParaRPr>
+          </a:p>
+          <a:p>
             <a:r>
               <a:rPr lang="en-US" b="1" dirty="0">
                 <a:latin typeface="Courier New" panose="02070309020205020404" pitchFamily="49" charset="0"/>
                 <a:cs typeface="Courier New" panose="02070309020205020404" pitchFamily="49" charset="0"/>
               </a:rPr>
-              <a:t>100% Right</a:t>
+              <a:t>Jessie</a:t>
+            </a:r>
+          </a:p>
+          <a:p>
+            <a:endParaRPr lang="en-US" b="1" dirty="0">
+              <a:latin typeface="Courier New" panose="02070309020205020404" pitchFamily="49" charset="0"/>
+              <a:cs typeface="Courier New" panose="02070309020205020404" pitchFamily="49" charset="0"/>
+            </a:endParaRPr>
+          </a:p>
+        </p:txBody>
+      </p:sp>
+      <p:sp>
+        <p:nvSpPr>
+          <p:cNvPr id="5" name="Content Placeholder 4">
+            <a:extLst>
+              <a:ext uri="{FF2B5EF4-FFF2-40B4-BE49-F238E27FC236}">
+                <a16:creationId xmlns:a16="http://schemas.microsoft.com/office/drawing/2014/main" id="{FB856EE4-5BFF-4798-BEFF-A5D81E358D88}"/>
+              </a:ext>
+            </a:extLst>
+          </p:cNvPr>
+          <p:cNvSpPr>
+            <a:spLocks noGrp="1"/>
+          </p:cNvSpPr>
+          <p:nvPr>
+            <p:ph sz="half" idx="2"/>
+          </p:nvPr>
+        </p:nvSpPr>
+        <p:spPr/>
+        <p:txBody>
+          <a:bodyPr/>
+          <a:lstStyle/>
+          <a:p>
+            <a:r>
+              <a:rPr lang="en-US" b="1" dirty="0">
+                <a:latin typeface="Courier New" panose="02070309020205020404" pitchFamily="49" charset="0"/>
+                <a:cs typeface="Courier New" panose="02070309020205020404" pitchFamily="49" charset="0"/>
+              </a:rPr>
+              <a:t>y</a:t>
+            </a:r>
+          </a:p>
+          <a:p>
+            <a:r>
+              <a:rPr lang="en-US" b="1" dirty="0" err="1">
+                <a:latin typeface="Courier New" panose="02070309020205020404" pitchFamily="49" charset="0"/>
+                <a:cs typeface="Courier New" panose="02070309020205020404" pitchFamily="49" charset="0"/>
+              </a:rPr>
+              <a:t>yPos</a:t>
+            </a:r>
+            <a:endParaRPr lang="en-US" b="1" dirty="0">
+              <a:latin typeface="Courier New" panose="02070309020205020404" pitchFamily="49" charset="0"/>
+              <a:cs typeface="Courier New" panose="02070309020205020404" pitchFamily="49" charset="0"/>
+            </a:endParaRPr>
+          </a:p>
+          <a:p>
+            <a:r>
+              <a:rPr lang="en-US" b="1" dirty="0" err="1">
+                <a:latin typeface="Courier New" panose="02070309020205020404" pitchFamily="49" charset="0"/>
+                <a:cs typeface="Courier New" panose="02070309020205020404" pitchFamily="49" charset="0"/>
+              </a:rPr>
+              <a:t>yPosition</a:t>
+            </a:r>
+            <a:endParaRPr lang="en-US" b="1" dirty="0">
+              <a:latin typeface="Courier New" panose="02070309020205020404" pitchFamily="49" charset="0"/>
+              <a:cs typeface="Courier New" panose="02070309020205020404" pitchFamily="49" charset="0"/>
+            </a:endParaRPr>
+          </a:p>
+          <a:p>
+            <a:r>
+              <a:rPr lang="en-US" b="1" dirty="0" err="1">
+                <a:latin typeface="Courier New" panose="02070309020205020404" pitchFamily="49" charset="0"/>
+                <a:cs typeface="Courier New" panose="02070309020205020404" pitchFamily="49" charset="0"/>
+              </a:rPr>
+              <a:t>vPos</a:t>
+            </a:r>
+            <a:endParaRPr lang="en-US" b="1" dirty="0">
+              <a:latin typeface="Courier New" panose="02070309020205020404" pitchFamily="49" charset="0"/>
+              <a:cs typeface="Courier New" panose="02070309020205020404" pitchFamily="49" charset="0"/>
+            </a:endParaRPr>
+          </a:p>
+          <a:p>
+            <a:r>
+              <a:rPr lang="en-US" b="1" dirty="0" err="1">
+                <a:latin typeface="Courier New" panose="02070309020205020404" pitchFamily="49" charset="0"/>
+                <a:cs typeface="Courier New" panose="02070309020205020404" pitchFamily="49" charset="0"/>
+              </a:rPr>
+              <a:t>ballY</a:t>
+            </a:r>
+            <a:endParaRPr lang="en-US" b="1" dirty="0">
+              <a:latin typeface="Courier New" panose="02070309020205020404" pitchFamily="49" charset="0"/>
+              <a:cs typeface="Courier New" panose="02070309020205020404" pitchFamily="49" charset="0"/>
+            </a:endParaRPr>
+          </a:p>
+          <a:p>
+            <a:r>
+              <a:rPr lang="en-US" b="1" dirty="0" err="1">
+                <a:latin typeface="Courier New" panose="02070309020205020404" pitchFamily="49" charset="0"/>
+                <a:cs typeface="Courier New" panose="02070309020205020404" pitchFamily="49" charset="0"/>
+              </a:rPr>
+              <a:t>ballTop</a:t>
+            </a:r>
+            <a:endParaRPr lang="en-US" b="1" dirty="0">
+              <a:latin typeface="Courier New" panose="02070309020205020404" pitchFamily="49" charset="0"/>
+              <a:cs typeface="Courier New" panose="02070309020205020404" pitchFamily="49" charset="0"/>
+            </a:endParaRPr>
+          </a:p>
+          <a:p>
+            <a:r>
+              <a:rPr lang="en-US" b="1" dirty="0">
+                <a:latin typeface="Courier New" panose="02070309020205020404" pitchFamily="49" charset="0"/>
+                <a:cs typeface="Courier New" panose="02070309020205020404" pitchFamily="49" charset="0"/>
+              </a:rPr>
+              <a:t>Skyler</a:t>
             </a:r>
           </a:p>
         </p:txBody>
@@ -6877,7 +7730,7 @@
     </p:spTree>
     <p:extLst>
       <p:ext uri="{BB962C8B-B14F-4D97-AF65-F5344CB8AC3E}">
-        <p14:creationId xmlns:p14="http://schemas.microsoft.com/office/powerpoint/2010/main" val="3384294222"/>
+        <p14:creationId xmlns:p14="http://schemas.microsoft.com/office/powerpoint/2010/main" val="270771681"/>
       </p:ext>
     </p:extLst>
   </p:cSld>
@@ -6909,7 +7762,7 @@
           <p:cNvPr id="2" name="Title 1">
             <a:extLst>
               <a:ext uri="{FF2B5EF4-FFF2-40B4-BE49-F238E27FC236}">
-                <a16:creationId xmlns:a16="http://schemas.microsoft.com/office/drawing/2014/main" id="{C968D22E-A6B3-4E06-B118-980B7D91DFBF}"/>
+                <a16:creationId xmlns:a16="http://schemas.microsoft.com/office/drawing/2014/main" id="{A2F8BE09-0C3F-49A9-B09D-0844081DD8DF}"/>
               </a:ext>
             </a:extLst>
           </p:cNvPr>
@@ -6937,7 +7790,7 @@
           <p:cNvPr id="3" name="Content Placeholder 2">
             <a:extLst>
               <a:ext uri="{FF2B5EF4-FFF2-40B4-BE49-F238E27FC236}">
-                <a16:creationId xmlns:a16="http://schemas.microsoft.com/office/drawing/2014/main" id="{08115C8C-5138-47F2-B01F-E2EB46A556ED}"/>
+                <a16:creationId xmlns:a16="http://schemas.microsoft.com/office/drawing/2014/main" id="{F579AA89-4054-4744-8BB6-45BDD753D17C}"/>
               </a:ext>
             </a:extLst>
           </p:cNvPr>
@@ -6975,7 +7828,7 @@
                 <a:latin typeface="Courier New" panose="02070309020205020404" pitchFamily="49" charset="0"/>
                 <a:cs typeface="Courier New" panose="02070309020205020404" pitchFamily="49" charset="0"/>
               </a:rPr>
-              <a:t>if (!(14 &gt; 80)) {</a:t>
+              <a:t>if (4 &lt; 5) {</a:t>
             </a:r>
           </a:p>
           <a:p>
@@ -6994,19 +7847,14 @@
                 <a:latin typeface="Courier New" panose="02070309020205020404" pitchFamily="49" charset="0"/>
                 <a:cs typeface="Courier New" panose="02070309020205020404" pitchFamily="49" charset="0"/>
               </a:rPr>
-              <a:t>ellipse(…</a:t>
-            </a:r>
-          </a:p>
-          <a:p>
-            <a:pPr marL="0" indent="0">
-              <a:buNone/>
-            </a:pPr>
+              <a:t>triangle</a:t>
+            </a:r>
             <a:r>
               <a:rPr lang="en-US" dirty="0">
                 <a:latin typeface="Courier New" panose="02070309020205020404" pitchFamily="49" charset="0"/>
                 <a:cs typeface="Courier New" panose="02070309020205020404" pitchFamily="49" charset="0"/>
               </a:rPr>
-              <a:t>} else {</a:t>
+              <a:t>(…</a:t>
             </a:r>
           </a:p>
           <a:p>
@@ -7018,7 +7866,7 @@
                 <a:latin typeface="Courier New" panose="02070309020205020404" pitchFamily="49" charset="0"/>
                 <a:cs typeface="Courier New" panose="02070309020205020404" pitchFamily="49" charset="0"/>
               </a:rPr>
-              <a:t>  triangle(…</a:t>
+              <a:t>} else {</a:t>
             </a:r>
           </a:p>
           <a:p>
@@ -7030,11 +7878,29 @@
                 <a:latin typeface="Courier New" panose="02070309020205020404" pitchFamily="49" charset="0"/>
                 <a:cs typeface="Courier New" panose="02070309020205020404" pitchFamily="49" charset="0"/>
               </a:rPr>
+              <a:t>  ellipse(…</a:t>
+            </a:r>
+          </a:p>
+          <a:p>
+            <a:pPr marL="0" indent="0">
+              <a:buNone/>
+            </a:pPr>
+            <a:r>
+              <a:rPr lang="en-US" dirty="0">
+                <a:latin typeface="Courier New" panose="02070309020205020404" pitchFamily="49" charset="0"/>
+                <a:cs typeface="Courier New" panose="02070309020205020404" pitchFamily="49" charset="0"/>
+              </a:rPr>
               <a:t>}	</a:t>
             </a:r>
           </a:p>
           <a:p>
-            <a:endParaRPr lang="en-US" dirty="0"/>
+            <a:pPr marL="0" indent="0">
+              <a:buNone/>
+            </a:pPr>
+            <a:endParaRPr lang="en-US" dirty="0">
+              <a:latin typeface="Courier New" panose="02070309020205020404" pitchFamily="49" charset="0"/>
+              <a:cs typeface="Courier New" panose="02070309020205020404" pitchFamily="49" charset="0"/>
+            </a:endParaRPr>
           </a:p>
           <a:p>
             <a:pPr marL="0" indent="0">
@@ -7045,15 +7911,24 @@
                 <a:latin typeface="Courier New" panose="02070309020205020404" pitchFamily="49" charset="0"/>
                 <a:cs typeface="Courier New" panose="02070309020205020404" pitchFamily="49" charset="0"/>
               </a:rPr>
-              <a:t>94% Right</a:t>
-            </a:r>
+              <a:t>88% Right</a:t>
+            </a:r>
+          </a:p>
+          <a:p>
+            <a:pPr marL="0" indent="0">
+              <a:buNone/>
+            </a:pPr>
+            <a:endParaRPr lang="en-US" dirty="0">
+              <a:latin typeface="Courier New" panose="02070309020205020404" pitchFamily="49" charset="0"/>
+              <a:cs typeface="Courier New" panose="02070309020205020404" pitchFamily="49" charset="0"/>
+            </a:endParaRPr>
           </a:p>
         </p:txBody>
       </p:sp>
     </p:spTree>
     <p:extLst>
       <p:ext uri="{BB962C8B-B14F-4D97-AF65-F5344CB8AC3E}">
-        <p14:creationId xmlns:p14="http://schemas.microsoft.com/office/powerpoint/2010/main" val="1990972013"/>
+        <p14:creationId xmlns:p14="http://schemas.microsoft.com/office/powerpoint/2010/main" val="957181680"/>
       </p:ext>
     </p:extLst>
   </p:cSld>
@@ -7085,7 +7960,7 @@
           <p:cNvPr id="2" name="Title 1">
             <a:extLst>
               <a:ext uri="{FF2B5EF4-FFF2-40B4-BE49-F238E27FC236}">
-                <a16:creationId xmlns:a16="http://schemas.microsoft.com/office/drawing/2014/main" id="{6AE4601E-6A9A-4011-BD54-E507BC559983}"/>
+                <a16:creationId xmlns:a16="http://schemas.microsoft.com/office/drawing/2014/main" id="{600CC6D9-89CE-4E34-AE99-B9BFD5AB4D4A}"/>
               </a:ext>
             </a:extLst>
           </p:cNvPr>
@@ -7113,7 +7988,7 @@
           <p:cNvPr id="3" name="Content Placeholder 2">
             <a:extLst>
               <a:ext uri="{FF2B5EF4-FFF2-40B4-BE49-F238E27FC236}">
-                <a16:creationId xmlns:a16="http://schemas.microsoft.com/office/drawing/2014/main" id="{4029673E-2E1B-4C47-A9C2-98090D0EA4AD}"/>
+                <a16:creationId xmlns:a16="http://schemas.microsoft.com/office/drawing/2014/main" id="{E3F097B6-6003-4FED-B356-1F27BE9A81AD}"/>
               </a:ext>
             </a:extLst>
           </p:cNvPr>
@@ -7126,100 +8001,137 @@
         </p:nvSpPr>
         <p:spPr/>
         <p:txBody>
-          <a:bodyPr/>
+          <a:bodyPr>
+            <a:normAutofit lnSpcReduction="10000"/>
+          </a:bodyPr>
           <a:lstStyle/>
           <a:p>
             <a:pPr marL="0" indent="0">
               <a:buNone/>
             </a:pPr>
             <a:r>
-              <a:rPr lang="en-US" sz="3600" b="1" dirty="0"/>
-              <a:t>Feedback</a:t>
-            </a:r>
-          </a:p>
-          <a:p>
-            <a:endParaRPr lang="en-US" b="1" dirty="0"/>
-          </a:p>
-          <a:p>
-            <a:r>
-              <a:rPr lang="en-US" dirty="0"/>
-              <a:t>Slow down </a:t>
-            </a:r>
-            <a:r>
-              <a:rPr lang="en-US" sz="2000" b="1" dirty="0">
+              <a:rPr lang="en-US" dirty="0"/>
+              <a:t>2. Which shapes do the following code samples produce?</a:t>
+            </a:r>
+          </a:p>
+          <a:p>
+            <a:endParaRPr lang="en-US" dirty="0"/>
+          </a:p>
+          <a:p>
+            <a:pPr marL="0" indent="0">
+              <a:buNone/>
+            </a:pPr>
+            <a:r>
+              <a:rPr lang="en-US" dirty="0">
                 <a:latin typeface="Courier New" panose="02070309020205020404" pitchFamily="49" charset="0"/>
                 <a:cs typeface="Courier New" panose="02070309020205020404" pitchFamily="49" charset="0"/>
               </a:rPr>
-              <a:t>(x4)</a:t>
-            </a:r>
-          </a:p>
-          <a:p>
-            <a:r>
-              <a:rPr lang="en-US" dirty="0"/>
-              <a:t>More visuals </a:t>
-            </a:r>
-            <a:r>
-              <a:rPr lang="en-US" sz="2000" b="1" dirty="0">
+              <a:t>if (4 != 4) {</a:t>
+            </a:r>
+          </a:p>
+          <a:p>
+            <a:pPr marL="0" indent="0">
+              <a:buNone/>
+            </a:pPr>
+            <a:r>
+              <a:rPr lang="en-US" dirty="0">
                 <a:latin typeface="Courier New" panose="02070309020205020404" pitchFamily="49" charset="0"/>
                 <a:cs typeface="Courier New" panose="02070309020205020404" pitchFamily="49" charset="0"/>
               </a:rPr>
-              <a:t>(x2)</a:t>
-            </a:r>
-            <a:endParaRPr lang="en-US" b="1" dirty="0">
+              <a:t>  </a:t>
+            </a:r>
+            <a:r>
+              <a:rPr lang="en-US" dirty="0" err="1">
+                <a:latin typeface="Courier New" panose="02070309020205020404" pitchFamily="49" charset="0"/>
+                <a:cs typeface="Courier New" panose="02070309020205020404" pitchFamily="49" charset="0"/>
+              </a:rPr>
+              <a:t>rect</a:t>
+            </a:r>
+            <a:r>
+              <a:rPr lang="en-US" dirty="0">
+                <a:latin typeface="Courier New" panose="02070309020205020404" pitchFamily="49" charset="0"/>
+                <a:cs typeface="Courier New" panose="02070309020205020404" pitchFamily="49" charset="0"/>
+              </a:rPr>
+              <a:t>(…</a:t>
+            </a:r>
+          </a:p>
+          <a:p>
+            <a:pPr marL="0" indent="0">
+              <a:buNone/>
+            </a:pPr>
+            <a:r>
+              <a:rPr lang="en-US" dirty="0">
+                <a:latin typeface="Courier New" panose="02070309020205020404" pitchFamily="49" charset="0"/>
+                <a:cs typeface="Courier New" panose="02070309020205020404" pitchFamily="49" charset="0"/>
+              </a:rPr>
+              <a:t>} else {</a:t>
+            </a:r>
+          </a:p>
+          <a:p>
+            <a:pPr marL="0" indent="0">
+              <a:buNone/>
+            </a:pPr>
+            <a:r>
+              <a:rPr lang="en-US" dirty="0">
+                <a:latin typeface="Courier New" panose="02070309020205020404" pitchFamily="49" charset="0"/>
+                <a:cs typeface="Courier New" panose="02070309020205020404" pitchFamily="49" charset="0"/>
+              </a:rPr>
+              <a:t>  </a:t>
+            </a:r>
+            <a:r>
+              <a:rPr lang="en-US" b="1" dirty="0">
+                <a:latin typeface="Courier New" panose="02070309020205020404" pitchFamily="49" charset="0"/>
+                <a:cs typeface="Courier New" panose="02070309020205020404" pitchFamily="49" charset="0"/>
+              </a:rPr>
+              <a:t>line</a:t>
+            </a:r>
+            <a:r>
+              <a:rPr lang="en-US" dirty="0">
+                <a:latin typeface="Courier New" panose="02070309020205020404" pitchFamily="49" charset="0"/>
+                <a:cs typeface="Courier New" panose="02070309020205020404" pitchFamily="49" charset="0"/>
+              </a:rPr>
+              <a:t>(…</a:t>
+            </a:r>
+          </a:p>
+          <a:p>
+            <a:pPr marL="0" indent="0">
+              <a:buNone/>
+            </a:pPr>
+            <a:r>
+              <a:rPr lang="en-US" dirty="0">
+                <a:latin typeface="Courier New" panose="02070309020205020404" pitchFamily="49" charset="0"/>
+                <a:cs typeface="Courier New" panose="02070309020205020404" pitchFamily="49" charset="0"/>
+              </a:rPr>
+              <a:t>}	</a:t>
+            </a:r>
+          </a:p>
+          <a:p>
+            <a:pPr marL="0" indent="0">
+              <a:buNone/>
+            </a:pPr>
+            <a:endParaRPr lang="en-US" dirty="0">
               <a:latin typeface="Courier New" panose="02070309020205020404" pitchFamily="49" charset="0"/>
               <a:cs typeface="Courier New" panose="02070309020205020404" pitchFamily="49" charset="0"/>
             </a:endParaRPr>
           </a:p>
           <a:p>
-            <a:r>
-              <a:rPr lang="en-US" dirty="0"/>
-              <a:t>Handouts? </a:t>
-            </a:r>
-            <a:r>
-              <a:rPr lang="en-US" dirty="0">
-                <a:hlinkClick r:id="rId2"/>
-              </a:rPr>
-              <a:t>https://github.com/crhallberg/IMM120</a:t>
-            </a:r>
-            <a:endParaRPr lang="en-US" dirty="0"/>
-          </a:p>
-          <a:p>
-            <a:pPr lvl="1"/>
-            <a:r>
-              <a:rPr lang="en-US" dirty="0"/>
-              <a:t>will try to put on Canvas before class</a:t>
-            </a:r>
-          </a:p>
-          <a:p>
-            <a:r>
-              <a:rPr lang="en-US" dirty="0"/>
-              <a:t>Is it ok to go off and code something different?</a:t>
-            </a:r>
-          </a:p>
-          <a:p>
-            <a:pPr lvl="1"/>
-            <a:r>
-              <a:rPr lang="en-US" dirty="0"/>
-              <a:t>Yes, </a:t>
-            </a:r>
-            <a:r>
-              <a:rPr lang="en-US" i="1" dirty="0"/>
-              <a:t>but you must be coding</a:t>
-            </a:r>
-            <a:r>
-              <a:rPr lang="en-US" dirty="0"/>
-              <a:t>!</a:t>
-            </a:r>
-          </a:p>
-          <a:p>
-            <a:endParaRPr lang="en-US" dirty="0"/>
+            <a:pPr marL="0" indent="0">
+              <a:buNone/>
+            </a:pPr>
+            <a:r>
+              <a:rPr lang="en-US" b="1" dirty="0">
+                <a:latin typeface="Courier New" panose="02070309020205020404" pitchFamily="49" charset="0"/>
+                <a:cs typeface="Courier New" panose="02070309020205020404" pitchFamily="49" charset="0"/>
+              </a:rPr>
+              <a:t>100% Right</a:t>
+            </a:r>
           </a:p>
         </p:txBody>
       </p:sp>
     </p:spTree>
     <p:extLst>
       <p:ext uri="{BB962C8B-B14F-4D97-AF65-F5344CB8AC3E}">
-        <p14:creationId xmlns:p14="http://schemas.microsoft.com/office/powerpoint/2010/main" val="3759020826"/>
+        <p14:creationId xmlns:p14="http://schemas.microsoft.com/office/powerpoint/2010/main" val="3384294222"/>
       </p:ext>
     </p:extLst>
   </p:cSld>
@@ -7251,7 +8163,7 @@
           <p:cNvPr id="2" name="Title 1">
             <a:extLst>
               <a:ext uri="{FF2B5EF4-FFF2-40B4-BE49-F238E27FC236}">
-                <a16:creationId xmlns:a16="http://schemas.microsoft.com/office/drawing/2014/main" id="{A0AA04E6-10DF-4B0B-9645-09F4D08542F8}"/>
+                <a16:creationId xmlns:a16="http://schemas.microsoft.com/office/drawing/2014/main" id="{C968D22E-A6B3-4E06-B118-980B7D91DFBF}"/>
               </a:ext>
             </a:extLst>
           </p:cNvPr>
@@ -7268,12 +8180,8 @@
           <a:lstStyle/>
           <a:p>
             <a:r>
-              <a:rPr lang="en-US"/>
-              <a:t>Previously, </a:t>
-            </a:r>
-            <a:r>
-              <a:rPr lang="en-US" dirty="0"/>
-              <a:t>in IMM120</a:t>
+              <a:rPr lang="en-US" dirty="0"/>
+              <a:t>Previously, in IMM120</a:t>
             </a:r>
           </a:p>
         </p:txBody>
@@ -7283,7 +8191,7 @@
           <p:cNvPr id="3" name="Content Placeholder 2">
             <a:extLst>
               <a:ext uri="{FF2B5EF4-FFF2-40B4-BE49-F238E27FC236}">
-                <a16:creationId xmlns:a16="http://schemas.microsoft.com/office/drawing/2014/main" id="{FEC9AAF6-F53F-44FD-922A-040293FF3558}"/>
+                <a16:creationId xmlns:a16="http://schemas.microsoft.com/office/drawing/2014/main" id="{08115C8C-5138-47F2-B01F-E2EB46A556ED}"/>
               </a:ext>
             </a:extLst>
           </p:cNvPr>
@@ -7296,63 +8204,102 @@
         </p:nvSpPr>
         <p:spPr/>
         <p:txBody>
-          <a:bodyPr/>
+          <a:bodyPr>
+            <a:normAutofit lnSpcReduction="10000"/>
+          </a:bodyPr>
           <a:lstStyle/>
           <a:p>
             <a:pPr marL="0" indent="0">
               <a:buNone/>
             </a:pPr>
             <a:r>
-              <a:rPr lang="en-US" b="1" dirty="0"/>
-              <a:t>Buzzer beaters</a:t>
-            </a:r>
-          </a:p>
-          <a:p>
-            <a:endParaRPr lang="en-US" b="1" dirty="0"/>
-          </a:p>
-          <a:p>
-            <a:r>
-              <a:rPr lang="en-US" dirty="0"/>
-              <a:t>I may have misspoke last week:</a:t>
-            </a:r>
-          </a:p>
-          <a:p>
-            <a:pPr lvl="1"/>
-            <a:r>
-              <a:rPr lang="en-US" dirty="0"/>
-              <a:t>If you hand in an assignment that </a:t>
-            </a:r>
-            <a:r>
-              <a:rPr lang="en-US" b="1" dirty="0"/>
-              <a:t>clearly shows work</a:t>
-            </a:r>
-            <a:r>
-              <a:rPr lang="en-US" dirty="0"/>
-              <a:t>, I’m not going to hold it against you.</a:t>
-            </a:r>
-          </a:p>
-          <a:p>
-            <a:pPr lvl="1"/>
-            <a:r>
-              <a:rPr lang="en-US" b="1" dirty="0"/>
-              <a:t>Please email me if you’re not sure of the assignment or your idea.</a:t>
-            </a:r>
-          </a:p>
-          <a:p>
-            <a:pPr lvl="1"/>
-            <a:endParaRPr lang="en-US" b="1" dirty="0"/>
-          </a:p>
-          <a:p>
-            <a:pPr lvl="1"/>
-            <a:endParaRPr lang="en-US" b="1" dirty="0"/>
+              <a:rPr lang="en-US" dirty="0"/>
+              <a:t>2. Which shapes do the following code samples produce?</a:t>
+            </a:r>
+          </a:p>
+          <a:p>
+            <a:endParaRPr lang="en-US" dirty="0"/>
           </a:p>
           <a:p>
             <a:pPr marL="0" indent="0">
               <a:buNone/>
             </a:pPr>
             <a:r>
-              <a:rPr lang="en-US" sz="2000" i="1" dirty="0"/>
-              <a:t>PS. You can turn in your assignments by putting your links on Canvas</a:t>
+              <a:rPr lang="en-US" dirty="0">
+                <a:latin typeface="Courier New" panose="02070309020205020404" pitchFamily="49" charset="0"/>
+                <a:cs typeface="Courier New" panose="02070309020205020404" pitchFamily="49" charset="0"/>
+              </a:rPr>
+              <a:t>if (!(14 &gt; 80)) {</a:t>
+            </a:r>
+          </a:p>
+          <a:p>
+            <a:pPr marL="0" indent="0">
+              <a:buNone/>
+            </a:pPr>
+            <a:r>
+              <a:rPr lang="en-US" dirty="0">
+                <a:latin typeface="Courier New" panose="02070309020205020404" pitchFamily="49" charset="0"/>
+                <a:cs typeface="Courier New" panose="02070309020205020404" pitchFamily="49" charset="0"/>
+              </a:rPr>
+              <a:t>  </a:t>
+            </a:r>
+            <a:r>
+              <a:rPr lang="en-US" b="1" dirty="0">
+                <a:latin typeface="Courier New" panose="02070309020205020404" pitchFamily="49" charset="0"/>
+                <a:cs typeface="Courier New" panose="02070309020205020404" pitchFamily="49" charset="0"/>
+              </a:rPr>
+              <a:t>ellipse(…</a:t>
+            </a:r>
+          </a:p>
+          <a:p>
+            <a:pPr marL="0" indent="0">
+              <a:buNone/>
+            </a:pPr>
+            <a:r>
+              <a:rPr lang="en-US" dirty="0">
+                <a:latin typeface="Courier New" panose="02070309020205020404" pitchFamily="49" charset="0"/>
+                <a:cs typeface="Courier New" panose="02070309020205020404" pitchFamily="49" charset="0"/>
+              </a:rPr>
+              <a:t>} else {</a:t>
+            </a:r>
+          </a:p>
+          <a:p>
+            <a:pPr marL="0" indent="0">
+              <a:buNone/>
+            </a:pPr>
+            <a:r>
+              <a:rPr lang="en-US" dirty="0">
+                <a:latin typeface="Courier New" panose="02070309020205020404" pitchFamily="49" charset="0"/>
+                <a:cs typeface="Courier New" panose="02070309020205020404" pitchFamily="49" charset="0"/>
+              </a:rPr>
+              <a:t>  triangle(…</a:t>
+            </a:r>
+          </a:p>
+          <a:p>
+            <a:pPr marL="0" indent="0">
+              <a:buNone/>
+            </a:pPr>
+            <a:r>
+              <a:rPr lang="en-US" dirty="0">
+                <a:latin typeface="Courier New" panose="02070309020205020404" pitchFamily="49" charset="0"/>
+                <a:cs typeface="Courier New" panose="02070309020205020404" pitchFamily="49" charset="0"/>
+              </a:rPr>
+              <a:t>}	</a:t>
+            </a:r>
+          </a:p>
+          <a:p>
+            <a:endParaRPr lang="en-US" dirty="0"/>
+          </a:p>
+          <a:p>
+            <a:pPr marL="0" indent="0">
+              <a:buNone/>
+            </a:pPr>
+            <a:r>
+              <a:rPr lang="en-US" b="1" dirty="0">
+                <a:latin typeface="Courier New" panose="02070309020205020404" pitchFamily="49" charset="0"/>
+                <a:cs typeface="Courier New" panose="02070309020205020404" pitchFamily="49" charset="0"/>
+              </a:rPr>
+              <a:t>94% Right</a:t>
             </a:r>
           </a:p>
         </p:txBody>
@@ -7360,7 +8307,7 @@
     </p:spTree>
     <p:extLst>
       <p:ext uri="{BB962C8B-B14F-4D97-AF65-F5344CB8AC3E}">
-        <p14:creationId xmlns:p14="http://schemas.microsoft.com/office/powerpoint/2010/main" val="623276421"/>
+        <p14:creationId xmlns:p14="http://schemas.microsoft.com/office/powerpoint/2010/main" val="1990972013"/>
       </p:ext>
     </p:extLst>
   </p:cSld>
@@ -7392,7 +8339,7 @@
           <p:cNvPr id="2" name="Title 1">
             <a:extLst>
               <a:ext uri="{FF2B5EF4-FFF2-40B4-BE49-F238E27FC236}">
-                <a16:creationId xmlns:a16="http://schemas.microsoft.com/office/drawing/2014/main" id="{1B302ACB-707E-4DB7-B6BA-86D3EEAC9095}"/>
+                <a16:creationId xmlns:a16="http://schemas.microsoft.com/office/drawing/2014/main" id="{6AE4601E-6A9A-4011-BD54-E507BC559983}"/>
               </a:ext>
             </a:extLst>
           </p:cNvPr>
@@ -7410,17 +8357,17 @@
           <a:p>
             <a:r>
               <a:rPr lang="en-US" dirty="0"/>
-              <a:t>All the Shapes</a:t>
-            </a:r>
-          </a:p>
-        </p:txBody>
-      </p:sp>
-      <p:sp>
-        <p:nvSpPr>
-          <p:cNvPr id="4" name="Text Placeholder 3">
+              <a:t>Previously, in IMM120</a:t>
+            </a:r>
+          </a:p>
+        </p:txBody>
+      </p:sp>
+      <p:sp>
+        <p:nvSpPr>
+          <p:cNvPr id="3" name="Content Placeholder 2">
             <a:extLst>
               <a:ext uri="{FF2B5EF4-FFF2-40B4-BE49-F238E27FC236}">
-                <a16:creationId xmlns:a16="http://schemas.microsoft.com/office/drawing/2014/main" id="{BB95B562-374B-449E-A4B5-70E7199A93A5}"/>
+                <a16:creationId xmlns:a16="http://schemas.microsoft.com/office/drawing/2014/main" id="{4029673E-2E1B-4C47-A9C2-98090D0EA4AD}"/>
               </a:ext>
             </a:extLst>
           </p:cNvPr>
@@ -7428,209 +8375,105 @@
             <a:spLocks noGrp="1"/>
           </p:cNvSpPr>
           <p:nvPr>
-            <p:ph type="body" idx="1"/>
-          </p:nvPr>
-        </p:nvSpPr>
-        <p:spPr>
-          <a:xfrm>
-            <a:off x="839788" y="1681163"/>
-            <a:ext cx="5157787" cy="823912"/>
-          </a:xfrm>
-        </p:spPr>
-        <p:txBody>
-          <a:bodyPr/>
-          <a:lstStyle/>
-          <a:p>
-            <a:pPr algn="ctr"/>
-            <a:r>
-              <a:rPr lang="en-US" dirty="0"/>
-              <a:t>line(</a:t>
+            <p:ph idx="1"/>
+          </p:nvPr>
+        </p:nvSpPr>
+        <p:spPr/>
+        <p:txBody>
+          <a:bodyPr/>
+          <a:lstStyle/>
+          <a:p>
+            <a:pPr marL="0" indent="0">
+              <a:buNone/>
+            </a:pPr>
+            <a:r>
+              <a:rPr lang="en-US" sz="3600" b="1" dirty="0"/>
+              <a:t>Feedback</a:t>
+            </a:r>
+          </a:p>
+          <a:p>
+            <a:endParaRPr lang="en-US" b="1" dirty="0"/>
+          </a:p>
+          <a:p>
+            <a:r>
+              <a:rPr lang="en-US" dirty="0"/>
+              <a:t>Slow down </a:t>
+            </a:r>
+            <a:r>
+              <a:rPr lang="en-US" sz="2000" b="1" dirty="0">
+                <a:latin typeface="Courier New" panose="02070309020205020404" pitchFamily="49" charset="0"/>
+                <a:cs typeface="Courier New" panose="02070309020205020404" pitchFamily="49" charset="0"/>
+              </a:rPr>
+              <a:t>(x4)</a:t>
+            </a:r>
+          </a:p>
+          <a:p>
+            <a:r>
+              <a:rPr lang="en-US" dirty="0"/>
+              <a:t>More visuals </a:t>
+            </a:r>
+            <a:r>
+              <a:rPr lang="en-US" sz="2000" b="1" dirty="0">
+                <a:latin typeface="Courier New" panose="02070309020205020404" pitchFamily="49" charset="0"/>
+                <a:cs typeface="Courier New" panose="02070309020205020404" pitchFamily="49" charset="0"/>
+              </a:rPr>
+              <a:t>(x2)</a:t>
+            </a:r>
+            <a:endParaRPr lang="en-US" b="1" dirty="0">
+              <a:latin typeface="Courier New" panose="02070309020205020404" pitchFamily="49" charset="0"/>
+              <a:cs typeface="Courier New" panose="02070309020205020404" pitchFamily="49" charset="0"/>
+            </a:endParaRPr>
+          </a:p>
+          <a:p>
+            <a:r>
+              <a:rPr lang="en-US" dirty="0"/>
+              <a:t>Handouts? </a:t>
             </a:r>
             <a:r>
               <a:rPr lang="en-US" dirty="0">
-                <a:solidFill>
-                  <a:srgbClr val="FF0000"/>
-                </a:solidFill>
-              </a:rPr>
-              <a:t>x1, y1</a:t>
-            </a:r>
-            <a:r>
-              <a:rPr lang="en-US" dirty="0"/>
-              <a:t>, </a:t>
-            </a:r>
-            <a:r>
-              <a:rPr lang="en-US" dirty="0">
-                <a:solidFill>
-                  <a:srgbClr val="00B050"/>
-                </a:solidFill>
-              </a:rPr>
-              <a:t>x2, y2</a:t>
-            </a:r>
-            <a:r>
-              <a:rPr lang="en-US" dirty="0"/>
-              <a:t>);</a:t>
-            </a:r>
-          </a:p>
-        </p:txBody>
-      </p:sp>
-      <p:sp>
-        <p:nvSpPr>
-          <p:cNvPr id="5" name="Text Placeholder 4">
-            <a:extLst>
-              <a:ext uri="{FF2B5EF4-FFF2-40B4-BE49-F238E27FC236}">
-                <a16:creationId xmlns:a16="http://schemas.microsoft.com/office/drawing/2014/main" id="{FCF90FA3-BFAC-46C5-812A-CF9CA56B3005}"/>
-              </a:ext>
-            </a:extLst>
-          </p:cNvPr>
-          <p:cNvSpPr>
-            <a:spLocks noGrp="1"/>
-          </p:cNvSpPr>
-          <p:nvPr>
-            <p:ph type="body" sz="quarter" idx="3"/>
-          </p:nvPr>
-        </p:nvSpPr>
-        <p:spPr>
-          <a:xfrm>
-            <a:off x="6172200" y="1681163"/>
-            <a:ext cx="5650606" cy="823912"/>
-          </a:xfrm>
-        </p:spPr>
-        <p:txBody>
-          <a:bodyPr/>
-          <a:lstStyle/>
-          <a:p>
-            <a:pPr algn="ctr"/>
-            <a:r>
-              <a:rPr lang="en-US" dirty="0" err="1"/>
-              <a:t>rect</a:t>
-            </a:r>
-            <a:r>
-              <a:rPr lang="en-US" dirty="0"/>
-              <a:t>(</a:t>
-            </a:r>
-            <a:r>
-              <a:rPr lang="en-US" dirty="0" err="1">
-                <a:solidFill>
-                  <a:srgbClr val="FF0000"/>
-                </a:solidFill>
-              </a:rPr>
-              <a:t>cornerX</a:t>
-            </a:r>
-            <a:r>
-              <a:rPr lang="en-US" dirty="0">
-                <a:solidFill>
-                  <a:srgbClr val="FF0000"/>
-                </a:solidFill>
-              </a:rPr>
-              <a:t>, </a:t>
-            </a:r>
-            <a:r>
-              <a:rPr lang="en-US" dirty="0" err="1">
-                <a:solidFill>
-                  <a:srgbClr val="FF0000"/>
-                </a:solidFill>
-              </a:rPr>
-              <a:t>cornerY</a:t>
-            </a:r>
-            <a:r>
-              <a:rPr lang="en-US" dirty="0"/>
-              <a:t>, </a:t>
-            </a:r>
-            <a:r>
-              <a:rPr lang="en-US" dirty="0">
-                <a:solidFill>
-                  <a:srgbClr val="00B050"/>
-                </a:solidFill>
-              </a:rPr>
-              <a:t>width</a:t>
-            </a:r>
-            <a:r>
-              <a:rPr lang="en-US" dirty="0"/>
-              <a:t>, </a:t>
-            </a:r>
-            <a:r>
-              <a:rPr lang="en-US" dirty="0">
-                <a:solidFill>
-                  <a:srgbClr val="00B0F0"/>
-                </a:solidFill>
-              </a:rPr>
-              <a:t>height</a:t>
-            </a:r>
-            <a:r>
-              <a:rPr lang="en-US" dirty="0"/>
-              <a:t>);</a:t>
-            </a:r>
-          </a:p>
-        </p:txBody>
-      </p:sp>
-      <p:pic>
-        <p:nvPicPr>
-          <p:cNvPr id="12" name="Content Placeholder 11">
-            <a:extLst>
-              <a:ext uri="{FF2B5EF4-FFF2-40B4-BE49-F238E27FC236}">
-                <a16:creationId xmlns:a16="http://schemas.microsoft.com/office/drawing/2014/main" id="{666A2BE7-AFF1-40DC-9E3A-A60511A894D1}"/>
-              </a:ext>
-            </a:extLst>
-          </p:cNvPr>
-          <p:cNvPicPr>
-            <a:picLocks noGrp="1" noChangeAspect="1"/>
-          </p:cNvPicPr>
-          <p:nvPr>
-            <p:ph sz="quarter" idx="4"/>
-          </p:nvPr>
-        </p:nvPicPr>
-        <p:blipFill>
-          <a:blip r:embed="rId2"/>
-          <a:stretch>
-            <a:fillRect/>
-          </a:stretch>
-        </p:blipFill>
-        <p:spPr>
-          <a:xfrm>
-            <a:off x="6921500" y="2505075"/>
-            <a:ext cx="3684588" cy="3684588"/>
-          </a:xfrm>
-          <a:prstGeom prst="rect">
-            <a:avLst/>
-          </a:prstGeom>
-        </p:spPr>
-      </p:pic>
-      <p:pic>
-        <p:nvPicPr>
-          <p:cNvPr id="11" name="Content Placeholder 10">
-            <a:extLst>
-              <a:ext uri="{FF2B5EF4-FFF2-40B4-BE49-F238E27FC236}">
-                <a16:creationId xmlns:a16="http://schemas.microsoft.com/office/drawing/2014/main" id="{7CB7E729-7552-4AB7-8511-9EAF044B2EAD}"/>
-              </a:ext>
-            </a:extLst>
-          </p:cNvPr>
-          <p:cNvPicPr>
-            <a:picLocks noGrp="1" noChangeAspect="1"/>
-          </p:cNvPicPr>
-          <p:nvPr>
-            <p:ph sz="half" idx="2"/>
-          </p:nvPr>
-        </p:nvPicPr>
-        <p:blipFill>
-          <a:blip r:embed="rId3"/>
-          <a:stretch>
-            <a:fillRect/>
-          </a:stretch>
-        </p:blipFill>
-        <p:spPr>
-          <a:xfrm>
-            <a:off x="1576387" y="2505075"/>
-            <a:ext cx="3684588" cy="3684588"/>
-          </a:xfrm>
-          <a:prstGeom prst="rect">
-            <a:avLst/>
-          </a:prstGeom>
-        </p:spPr>
-      </p:pic>
+                <a:hlinkClick r:id="rId2"/>
+              </a:rPr>
+              <a:t>https://github.com/crhallberg/IMM120</a:t>
+            </a:r>
+            <a:endParaRPr lang="en-US" dirty="0"/>
+          </a:p>
+          <a:p>
+            <a:pPr lvl="1"/>
+            <a:r>
+              <a:rPr lang="en-US" dirty="0"/>
+              <a:t>will try to put on Canvas before class</a:t>
+            </a:r>
+          </a:p>
+          <a:p>
+            <a:r>
+              <a:rPr lang="en-US" dirty="0"/>
+              <a:t>Is it ok to go off and code something different?</a:t>
+            </a:r>
+          </a:p>
+          <a:p>
+            <a:pPr lvl="1"/>
+            <a:r>
+              <a:rPr lang="en-US" dirty="0"/>
+              <a:t>Yes, </a:t>
+            </a:r>
+            <a:r>
+              <a:rPr lang="en-US" i="1" dirty="0"/>
+              <a:t>but you must be coding</a:t>
+            </a:r>
+            <a:r>
+              <a:rPr lang="en-US" dirty="0"/>
+              <a:t>!</a:t>
+            </a:r>
+          </a:p>
+          <a:p>
+            <a:endParaRPr lang="en-US" dirty="0"/>
+          </a:p>
+        </p:txBody>
+      </p:sp>
     </p:spTree>
     <p:extLst>
       <p:ext uri="{BB962C8B-B14F-4D97-AF65-F5344CB8AC3E}">
-        <p14:creationId xmlns:p14="http://schemas.microsoft.com/office/powerpoint/2010/main" val="2469830884"/>
+        <p14:creationId xmlns:p14="http://schemas.microsoft.com/office/powerpoint/2010/main" val="3759020826"/>
       </p:ext>
     </p:extLst>
   </p:cSld>
@@ -7662,7 +8505,7 @@
           <p:cNvPr id="2" name="Title 1">
             <a:extLst>
               <a:ext uri="{FF2B5EF4-FFF2-40B4-BE49-F238E27FC236}">
-                <a16:creationId xmlns:a16="http://schemas.microsoft.com/office/drawing/2014/main" id="{1B302ACB-707E-4DB7-B6BA-86D3EEAC9095}"/>
+                <a16:creationId xmlns:a16="http://schemas.microsoft.com/office/drawing/2014/main" id="{A0AA04E6-10DF-4B0B-9645-09F4D08542F8}"/>
               </a:ext>
             </a:extLst>
           </p:cNvPr>
@@ -7679,18 +8522,22 @@
           <a:lstStyle/>
           <a:p>
             <a:r>
-              <a:rPr lang="en-US" dirty="0"/>
-              <a:t>All the Shapes</a:t>
-            </a:r>
-          </a:p>
-        </p:txBody>
-      </p:sp>
-      <p:sp>
-        <p:nvSpPr>
-          <p:cNvPr id="4" name="Text Placeholder 3">
+              <a:rPr lang="en-US"/>
+              <a:t>Previously, </a:t>
+            </a:r>
+            <a:r>
+              <a:rPr lang="en-US" dirty="0"/>
+              <a:t>in IMM120</a:t>
+            </a:r>
+          </a:p>
+        </p:txBody>
+      </p:sp>
+      <p:sp>
+        <p:nvSpPr>
+          <p:cNvPr id="3" name="Content Placeholder 2">
             <a:extLst>
               <a:ext uri="{FF2B5EF4-FFF2-40B4-BE49-F238E27FC236}">
-                <a16:creationId xmlns:a16="http://schemas.microsoft.com/office/drawing/2014/main" id="{BB95B562-374B-449E-A4B5-70E7199A93A5}"/>
+                <a16:creationId xmlns:a16="http://schemas.microsoft.com/office/drawing/2014/main" id="{FEC9AAF6-F53F-44FD-922A-040293FF3558}"/>
               </a:ext>
             </a:extLst>
           </p:cNvPr>
@@ -7698,7 +8545,7 @@
             <a:spLocks noGrp="1"/>
           </p:cNvSpPr>
           <p:nvPr>
-            <p:ph type="body" idx="1"/>
+            <p:ph idx="1"/>
           </p:nvPr>
         </p:nvSpPr>
         <p:spPr/>
@@ -7706,202 +8553,75 @@
           <a:bodyPr/>
           <a:lstStyle/>
           <a:p>
-            <a:r>
-              <a:rPr lang="en-US" dirty="0"/>
-              <a:t>ellipse(</a:t>
-            </a:r>
-            <a:r>
-              <a:rPr lang="en-US" dirty="0" err="1">
-                <a:solidFill>
-                  <a:srgbClr val="FF0000"/>
-                </a:solidFill>
-              </a:rPr>
-              <a:t>centerX</a:t>
-            </a:r>
-            <a:r>
-              <a:rPr lang="en-US" dirty="0">
-                <a:solidFill>
-                  <a:srgbClr val="FF0000"/>
-                </a:solidFill>
-              </a:rPr>
-              <a:t>, </a:t>
-            </a:r>
-            <a:r>
-              <a:rPr lang="en-US" dirty="0" err="1">
-                <a:solidFill>
-                  <a:srgbClr val="FF0000"/>
-                </a:solidFill>
-              </a:rPr>
-              <a:t>centerY</a:t>
-            </a:r>
-            <a:r>
-              <a:rPr lang="en-US" dirty="0"/>
-              <a:t>, </a:t>
-            </a:r>
-            <a:r>
-              <a:rPr lang="en-US" dirty="0">
-                <a:solidFill>
-                  <a:srgbClr val="00B050"/>
-                </a:solidFill>
-              </a:rPr>
-              <a:t>width</a:t>
-            </a:r>
-            <a:r>
-              <a:rPr lang="en-US" dirty="0"/>
-              <a:t>, [</a:t>
-            </a:r>
-            <a:r>
-              <a:rPr lang="en-US" dirty="0">
-                <a:solidFill>
-                  <a:srgbClr val="00B0F0"/>
-                </a:solidFill>
-              </a:rPr>
-              <a:t>h</a:t>
-            </a:r>
-            <a:r>
-              <a:rPr lang="en-US" dirty="0"/>
-              <a:t>])</a:t>
-            </a:r>
-          </a:p>
-        </p:txBody>
-      </p:sp>
-      <p:pic>
-        <p:nvPicPr>
-          <p:cNvPr id="7" name="Content Placeholder 6">
-            <a:extLst>
-              <a:ext uri="{FF2B5EF4-FFF2-40B4-BE49-F238E27FC236}">
-                <a16:creationId xmlns:a16="http://schemas.microsoft.com/office/drawing/2014/main" id="{574FF49F-5061-427D-9C31-56099E9AFB78}"/>
-              </a:ext>
-            </a:extLst>
-          </p:cNvPr>
-          <p:cNvPicPr>
-            <a:picLocks noGrp="1" noChangeAspect="1"/>
-          </p:cNvPicPr>
-          <p:nvPr>
-            <p:ph sz="half" idx="2"/>
-          </p:nvPr>
-        </p:nvPicPr>
-        <p:blipFill>
-          <a:blip r:embed="rId2"/>
-          <a:stretch>
-            <a:fillRect/>
-          </a:stretch>
-        </p:blipFill>
-        <p:spPr>
-          <a:xfrm>
-            <a:off x="1576387" y="2505075"/>
-            <a:ext cx="3684588" cy="3684588"/>
-          </a:xfrm>
-          <a:prstGeom prst="rect">
-            <a:avLst/>
-          </a:prstGeom>
-        </p:spPr>
-      </p:pic>
-      <p:sp>
-        <p:nvSpPr>
-          <p:cNvPr id="5" name="Text Placeholder 4">
-            <a:extLst>
-              <a:ext uri="{FF2B5EF4-FFF2-40B4-BE49-F238E27FC236}">
-                <a16:creationId xmlns:a16="http://schemas.microsoft.com/office/drawing/2014/main" id="{FCF90FA3-BFAC-46C5-812A-CF9CA56B3005}"/>
-              </a:ext>
-            </a:extLst>
-          </p:cNvPr>
-          <p:cNvSpPr>
-            <a:spLocks noGrp="1"/>
-          </p:cNvSpPr>
-          <p:nvPr>
-            <p:ph type="body" sz="quarter" idx="3"/>
-          </p:nvPr>
-        </p:nvSpPr>
-        <p:spPr>
-          <a:xfrm>
-            <a:off x="6172200" y="1681163"/>
-            <a:ext cx="5650606" cy="823912"/>
-          </a:xfrm>
-        </p:spPr>
-        <p:txBody>
-          <a:bodyPr/>
-          <a:lstStyle/>
-          <a:p>
-            <a:r>
-              <a:rPr lang="en-US" dirty="0"/>
-              <a:t>triangle(</a:t>
-            </a:r>
-            <a:r>
-              <a:rPr lang="en-US" dirty="0">
-                <a:solidFill>
-                  <a:srgbClr val="FF0000"/>
-                </a:solidFill>
-              </a:rPr>
-              <a:t>x1, y1  </a:t>
-            </a:r>
-            <a:r>
-              <a:rPr lang="en-US" dirty="0"/>
-              <a:t>,  </a:t>
-            </a:r>
-            <a:r>
-              <a:rPr lang="en-US" dirty="0">
-                <a:solidFill>
-                  <a:srgbClr val="00B050"/>
-                </a:solidFill>
-              </a:rPr>
-              <a:t>x2, y2  </a:t>
-            </a:r>
-            <a:r>
-              <a:rPr lang="en-US" dirty="0"/>
-              <a:t>,  </a:t>
-            </a:r>
-            <a:r>
-              <a:rPr lang="en-US" dirty="0">
-                <a:solidFill>
-                  <a:srgbClr val="00B0F0"/>
-                </a:solidFill>
-              </a:rPr>
-              <a:t>x3, y3</a:t>
-            </a:r>
-            <a:r>
-              <a:rPr lang="en-US" dirty="0"/>
-              <a:t>);</a:t>
-            </a:r>
-          </a:p>
-        </p:txBody>
-      </p:sp>
-      <p:pic>
-        <p:nvPicPr>
-          <p:cNvPr id="8" name="Content Placeholder 7">
-            <a:extLst>
-              <a:ext uri="{FF2B5EF4-FFF2-40B4-BE49-F238E27FC236}">
-                <a16:creationId xmlns:a16="http://schemas.microsoft.com/office/drawing/2014/main" id="{AAA8C019-B0EF-4467-A747-6F747008DB54}"/>
-              </a:ext>
-            </a:extLst>
-          </p:cNvPr>
-          <p:cNvPicPr>
-            <a:picLocks noGrp="1" noChangeAspect="1"/>
-          </p:cNvPicPr>
-          <p:nvPr>
-            <p:ph sz="quarter" idx="4"/>
-          </p:nvPr>
-        </p:nvPicPr>
-        <p:blipFill>
-          <a:blip r:embed="rId3"/>
-          <a:stretch>
-            <a:fillRect/>
-          </a:stretch>
-        </p:blipFill>
-        <p:spPr>
-          <a:xfrm>
-            <a:off x="6921500" y="2505075"/>
-            <a:ext cx="3684588" cy="3684588"/>
-          </a:xfrm>
-          <a:prstGeom prst="rect">
-            <a:avLst/>
-          </a:prstGeom>
-        </p:spPr>
-      </p:pic>
+            <a:pPr marL="0" indent="0">
+              <a:buNone/>
+            </a:pPr>
+            <a:r>
+              <a:rPr lang="en-US" b="1" dirty="0"/>
+              <a:t>Buzzer beaters</a:t>
+            </a:r>
+          </a:p>
+          <a:p>
+            <a:endParaRPr lang="en-US" b="1" dirty="0"/>
+          </a:p>
+          <a:p>
+            <a:r>
+              <a:rPr lang="en-US" dirty="0"/>
+              <a:t>I may have misspoke last week:</a:t>
+            </a:r>
+          </a:p>
+          <a:p>
+            <a:pPr lvl="1"/>
+            <a:r>
+              <a:rPr lang="en-US" dirty="0"/>
+              <a:t>If you hand in an assignment that </a:t>
+            </a:r>
+            <a:r>
+              <a:rPr lang="en-US" b="1" dirty="0"/>
+              <a:t>clearly shows work</a:t>
+            </a:r>
+            <a:r>
+              <a:rPr lang="en-US" dirty="0"/>
+              <a:t> but doesn’t demonstrate what I was looking for, I’m not going to hold it against you.</a:t>
+            </a:r>
+          </a:p>
+          <a:p>
+            <a:pPr lvl="1"/>
+            <a:r>
+              <a:rPr lang="en-US" b="1" dirty="0"/>
+              <a:t>Please contact me if you’re not sure of the assignment or your idea.</a:t>
+            </a:r>
+          </a:p>
+          <a:p>
+            <a:pPr lvl="1"/>
+            <a:r>
+              <a:rPr lang="en-US" b="1" dirty="0"/>
+              <a:t>Please contact me if you’re having trouble.</a:t>
+            </a:r>
+          </a:p>
+          <a:p>
+            <a:pPr lvl="1"/>
+            <a:endParaRPr lang="en-US" b="1" dirty="0"/>
+          </a:p>
+          <a:p>
+            <a:pPr lvl="1"/>
+            <a:endParaRPr lang="en-US" b="1" dirty="0"/>
+          </a:p>
+          <a:p>
+            <a:pPr marL="0" indent="0">
+              <a:buNone/>
+            </a:pPr>
+            <a:r>
+              <a:rPr lang="en-US" sz="2000" i="1" dirty="0"/>
+              <a:t>PS. You can turn in your assignments by putting your links on Canvas</a:t>
+            </a:r>
+          </a:p>
+        </p:txBody>
+      </p:sp>
     </p:spTree>
     <p:extLst>
       <p:ext uri="{BB962C8B-B14F-4D97-AF65-F5344CB8AC3E}">
-        <p14:creationId xmlns:p14="http://schemas.microsoft.com/office/powerpoint/2010/main" val="2547827655"/>
+        <p14:creationId xmlns:p14="http://schemas.microsoft.com/office/powerpoint/2010/main" val="623276421"/>
       </p:ext>
     </p:extLst>
   </p:cSld>

--- a/Presentations/Class 03 - Sept 18.pptx
+++ b/Presentations/Class 03 - Sept 18.pptx
@@ -527,6 +527,180 @@
     </a:lvl9pPr>
   </p:notesStyle>
 </p:notesMaster>
+</file>
+
+<file path=ppt/notesSlides/notesSlide1.xml><?xml version="1.0" encoding="utf-8"?>
+<p:notes xmlns:a="http://schemas.openxmlformats.org/drawingml/2006/main" xmlns:r="http://schemas.openxmlformats.org/officeDocument/2006/relationships" xmlns:p="http://schemas.openxmlformats.org/presentationml/2006/main">
+  <p:cSld>
+    <p:spTree>
+      <p:nvGrpSpPr>
+        <p:cNvPr id="1" name=""/>
+        <p:cNvGrpSpPr/>
+        <p:nvPr/>
+      </p:nvGrpSpPr>
+      <p:grpSpPr>
+        <a:xfrm>
+          <a:off x="0" y="0"/>
+          <a:ext cx="0" cy="0"/>
+          <a:chOff x="0" y="0"/>
+          <a:chExt cx="0" cy="0"/>
+        </a:xfrm>
+      </p:grpSpPr>
+      <p:sp>
+        <p:nvSpPr>
+          <p:cNvPr id="2" name="Slide Image Placeholder 1"/>
+          <p:cNvSpPr>
+            <a:spLocks noGrp="1" noRot="1" noChangeAspect="1"/>
+          </p:cNvSpPr>
+          <p:nvPr>
+            <p:ph type="sldImg"/>
+          </p:nvPr>
+        </p:nvSpPr>
+        <p:spPr/>
+      </p:sp>
+      <p:sp>
+        <p:nvSpPr>
+          <p:cNvPr id="3" name="Notes Placeholder 2"/>
+          <p:cNvSpPr>
+            <a:spLocks noGrp="1"/>
+          </p:cNvSpPr>
+          <p:nvPr>
+            <p:ph type="body" idx="1"/>
+          </p:nvPr>
+        </p:nvSpPr>
+        <p:spPr/>
+        <p:txBody>
+          <a:bodyPr/>
+          <a:lstStyle/>
+          <a:p>
+            <a:r>
+              <a:rPr lang="en-US" dirty="0"/>
+              <a:t>Walk through the code, take questions</a:t>
+            </a:r>
+          </a:p>
+        </p:txBody>
+      </p:sp>
+      <p:sp>
+        <p:nvSpPr>
+          <p:cNvPr id="4" name="Slide Number Placeholder 3"/>
+          <p:cNvSpPr>
+            <a:spLocks noGrp="1"/>
+          </p:cNvSpPr>
+          <p:nvPr>
+            <p:ph type="sldNum" sz="quarter" idx="10"/>
+          </p:nvPr>
+        </p:nvSpPr>
+        <p:spPr/>
+        <p:txBody>
+          <a:bodyPr/>
+          <a:lstStyle/>
+          <a:p>
+            <a:fld id="{938305A9-1E06-4466-8E22-36C6BA736965}" type="slidenum">
+              <a:rPr lang="en-US" smtClean="0"/>
+              <a:t>14</a:t>
+            </a:fld>
+            <a:endParaRPr lang="en-US"/>
+          </a:p>
+        </p:txBody>
+      </p:sp>
+    </p:spTree>
+    <p:extLst>
+      <p:ext uri="{BB962C8B-B14F-4D97-AF65-F5344CB8AC3E}">
+        <p14:creationId xmlns:p14="http://schemas.microsoft.com/office/powerpoint/2010/main" val="2806570433"/>
+      </p:ext>
+    </p:extLst>
+  </p:cSld>
+  <p:clrMapOvr>
+    <a:masterClrMapping/>
+  </p:clrMapOvr>
+</p:notes>
+</file>
+
+<file path=ppt/notesSlides/notesSlide2.xml><?xml version="1.0" encoding="utf-8"?>
+<p:notes xmlns:a="http://schemas.openxmlformats.org/drawingml/2006/main" xmlns:r="http://schemas.openxmlformats.org/officeDocument/2006/relationships" xmlns:p="http://schemas.openxmlformats.org/presentationml/2006/main">
+  <p:cSld>
+    <p:spTree>
+      <p:nvGrpSpPr>
+        <p:cNvPr id="1" name=""/>
+        <p:cNvGrpSpPr/>
+        <p:nvPr/>
+      </p:nvGrpSpPr>
+      <p:grpSpPr>
+        <a:xfrm>
+          <a:off x="0" y="0"/>
+          <a:ext cx="0" cy="0"/>
+          <a:chOff x="0" y="0"/>
+          <a:chExt cx="0" cy="0"/>
+        </a:xfrm>
+      </p:grpSpPr>
+      <p:sp>
+        <p:nvSpPr>
+          <p:cNvPr id="2" name="Slide Image Placeholder 1"/>
+          <p:cNvSpPr>
+            <a:spLocks noGrp="1" noRot="1" noChangeAspect="1"/>
+          </p:cNvSpPr>
+          <p:nvPr>
+            <p:ph type="sldImg"/>
+          </p:nvPr>
+        </p:nvSpPr>
+        <p:spPr/>
+      </p:sp>
+      <p:sp>
+        <p:nvSpPr>
+          <p:cNvPr id="3" name="Notes Placeholder 2"/>
+          <p:cNvSpPr>
+            <a:spLocks noGrp="1"/>
+          </p:cNvSpPr>
+          <p:nvPr>
+            <p:ph type="body" idx="1"/>
+          </p:nvPr>
+        </p:nvSpPr>
+        <p:spPr/>
+        <p:txBody>
+          <a:bodyPr/>
+          <a:lstStyle/>
+          <a:p>
+            <a:r>
+              <a:rPr lang="en-US" dirty="0"/>
+              <a:t>Draw the canvas on the board, show what you mean</a:t>
+            </a:r>
+          </a:p>
+        </p:txBody>
+      </p:sp>
+      <p:sp>
+        <p:nvSpPr>
+          <p:cNvPr id="4" name="Slide Number Placeholder 3"/>
+          <p:cNvSpPr>
+            <a:spLocks noGrp="1"/>
+          </p:cNvSpPr>
+          <p:nvPr>
+            <p:ph type="sldNum" sz="quarter" idx="10"/>
+          </p:nvPr>
+        </p:nvSpPr>
+        <p:spPr/>
+        <p:txBody>
+          <a:bodyPr/>
+          <a:lstStyle/>
+          <a:p>
+            <a:fld id="{938305A9-1E06-4466-8E22-36C6BA736965}" type="slidenum">
+              <a:rPr lang="en-US" smtClean="0"/>
+              <a:t>17</a:t>
+            </a:fld>
+            <a:endParaRPr lang="en-US"/>
+          </a:p>
+        </p:txBody>
+      </p:sp>
+    </p:spTree>
+    <p:extLst>
+      <p:ext uri="{BB962C8B-B14F-4D97-AF65-F5344CB8AC3E}">
+        <p14:creationId xmlns:p14="http://schemas.microsoft.com/office/powerpoint/2010/main" val="2138880756"/>
+      </p:ext>
+    </p:extLst>
+  </p:cSld>
+  <p:clrMapOvr>
+    <a:masterClrMapping/>
+  </p:clrMapOvr>
+</p:notes>
 </file>
 
 <file path=ppt/slideLayouts/slideLayout1.xml><?xml version="1.0" encoding="utf-8"?>
@@ -4245,10 +4419,9 @@
           </a:bodyPr>
           <a:lstStyle/>
           <a:p>
-            <a:pPr algn="ctr"/>
             <a:r>
               <a:rPr lang="en-US" dirty="0">
-                <a:hlinkClick r:id="rId2"/>
+                <a:hlinkClick r:id="rId3"/>
               </a:rPr>
               <a:t>https://cdpn.io/e/VMYWqP</a:t>
             </a:r>
@@ -4295,7 +4468,7 @@
             </a:r>
             <a:r>
               <a:rPr lang="en-US" dirty="0">
-                <a:hlinkClick r:id="rId3"/>
+                <a:hlinkClick r:id="rId4"/>
               </a:rPr>
               <a:t>https://github.com/crhallberg/IMM120</a:t>
             </a:r>
@@ -4811,7 +4984,7 @@
           <a:p>
             <a:r>
               <a:rPr lang="en-US" sz="2400" dirty="0">
-                <a:hlinkClick r:id="rId2"/>
+                <a:hlinkClick r:id="rId3"/>
               </a:rPr>
               <a:t>https://github.com/crhallberg/IMM120</a:t>
             </a:r>
